--- a/Presentations/Unit Testing in .NET. Intro.pptx
+++ b/Presentations/Unit Testing in .NET. Intro.pptx
@@ -16,8 +16,8 @@
     <p:sldId id="300" r:id="rId4"/>
     <p:sldId id="292" r:id="rId5"/>
     <p:sldId id="293" r:id="rId6"/>
-    <p:sldId id="301" r:id="rId7"/>
-    <p:sldId id="317" r:id="rId8"/>
+    <p:sldId id="317" r:id="rId7"/>
+    <p:sldId id="301" r:id="rId8"/>
     <p:sldId id="302" r:id="rId9"/>
     <p:sldId id="303" r:id="rId10"/>
     <p:sldId id="304" r:id="rId11"/>
@@ -8364,7 +8364,7 @@
           <a:p>
             <a:fld id="{ADF1ABD1-0DEA-486D-A02C-CE0FB6B3BAA0}" type="datetimeFigureOut">
               <a:rPr lang="en-US" smtClean="0"/>
-              <a:t>12/7/15</a:t>
+              <a:t>7/5/16</a:t>
             </a:fld>
             <a:endParaRPr lang="en-US"/>
           </a:p>
@@ -8497,7 +8497,7 @@
           <a:p>
             <a:fld id="{8252AF87-3238-4C07-840E-74A8A3502943}" type="datetimeFigureOut">
               <a:rPr lang="en-US" smtClean="0"/>
-              <a:t>12/7/15</a:t>
+              <a:t>7/5/16</a:t>
             </a:fld>
             <a:endParaRPr lang="en-US"/>
           </a:p>
@@ -8808,6 +8808,22 @@
           <a:bodyPr/>
           <a:lstStyle/>
           <a:p>
+            <a:r>
+              <a:rPr lang="en-US" dirty="0" smtClean="0"/>
+              <a:t>http://</a:t>
+            </a:r>
+            <a:r>
+              <a:rPr lang="en-US" dirty="0" err="1" smtClean="0"/>
+              <a:t>sergeyteplyakov.blogspot.com.by</a:t>
+            </a:r>
+            <a:r>
+              <a:rPr lang="en-US" dirty="0" smtClean="0"/>
+              <a:t>/2013/05/blog-</a:t>
+            </a:r>
+            <a:r>
+              <a:rPr lang="en-US" smtClean="0"/>
+              <a:t>post.html</a:t>
+            </a:r>
             <a:endParaRPr lang="en-US" dirty="0"/>
           </a:p>
         </p:txBody>
@@ -8893,7 +8909,7 @@
           <a:lstStyle/>
           <a:p>
             <a:r>
-              <a:rPr lang="ru-RU" sz="1200" b="0" i="0" kern="1200" dirty="0" smtClean="0">
+              <a:rPr lang="ru-RU" sz="1200" kern="1200" dirty="0" smtClean="0">
                 <a:solidFill>
                   <a:schemeClr val="tx1"/>
                 </a:solidFill>
@@ -8902,89 +8918,13 @@
                 <a:ea typeface="+mn-ea"/>
                 <a:cs typeface="+mn-cs"/>
               </a:rPr>
-              <a:t>У такого способа именования есть дополнительный сайд-эффект. Вы сможете использовать паттерн *.</a:t>
-            </a:r>
-            <a:r>
-              <a:rPr lang="ru-RU" sz="1200" b="0" i="0" kern="1200" dirty="0" err="1" smtClean="0">
-                <a:solidFill>
-                  <a:schemeClr val="tx1"/>
-                </a:solidFill>
+              <a:t>При организации модульных тестов обычно придерживаются определенного соответствия имен между тестируемым и тестирующим кодами</a:t>
+            </a:r>
+            <a:r>
+              <a:rPr lang="ru-RU" dirty="0" smtClean="0">
                 <a:effectLst/>
-                <a:latin typeface="+mn-lt"/>
-                <a:ea typeface="+mn-ea"/>
-                <a:cs typeface="+mn-cs"/>
-              </a:rPr>
-              <a:t>Tests.dll</a:t>
-            </a:r>
-            <a:r>
-              <a:rPr lang="ru-RU" sz="1200" b="0" i="0" kern="1200" dirty="0" smtClean="0">
-                <a:solidFill>
-                  <a:schemeClr val="tx1"/>
-                </a:solidFill>
-                <a:effectLst/>
-                <a:latin typeface="+mn-lt"/>
-                <a:ea typeface="+mn-ea"/>
-                <a:cs typeface="+mn-cs"/>
-              </a:rPr>
-              <a:t> для запуска тестов на </a:t>
-            </a:r>
-            <a:r>
-              <a:rPr lang="ru-RU" sz="1200" b="0" i="0" kern="1200" dirty="0" err="1" smtClean="0">
-                <a:solidFill>
-                  <a:schemeClr val="tx1"/>
-                </a:solidFill>
-                <a:effectLst/>
-                <a:latin typeface="+mn-lt"/>
-                <a:ea typeface="+mn-ea"/>
-                <a:cs typeface="+mn-cs"/>
-              </a:rPr>
-              <a:t>билд</a:t>
-            </a:r>
-            <a:r>
-              <a:rPr lang="ru-RU" sz="1200" b="0" i="0" kern="1200" dirty="0" smtClean="0">
-                <a:solidFill>
-                  <a:schemeClr val="tx1"/>
-                </a:solidFill>
-                <a:effectLst/>
-                <a:latin typeface="+mn-lt"/>
-                <a:ea typeface="+mn-ea"/>
-                <a:cs typeface="+mn-cs"/>
-              </a:rPr>
-              <a:t>-сервере</a:t>
-            </a:r>
-            <a:endParaRPr lang="en-US" sz="1200" b="0" i="0" kern="1200" dirty="0" smtClean="0">
-              <a:solidFill>
-                <a:schemeClr val="tx1"/>
-              </a:solidFill>
-              <a:effectLst/>
-              <a:latin typeface="+mn-lt"/>
-              <a:ea typeface="+mn-ea"/>
-              <a:cs typeface="+mn-cs"/>
-            </a:endParaRPr>
-          </a:p>
-          <a:p>
-            <a:endParaRPr lang="en-US" sz="1200" b="0" i="0" kern="1200" dirty="0" smtClean="0">
-              <a:solidFill>
-                <a:schemeClr val="tx1"/>
-              </a:solidFill>
-              <a:effectLst/>
-              <a:latin typeface="+mn-lt"/>
-              <a:ea typeface="+mn-ea"/>
-              <a:cs typeface="+mn-cs"/>
-            </a:endParaRPr>
-          </a:p>
-          <a:p>
-            <a:r>
-              <a:rPr lang="ru-RU" sz="1200" b="0" i="0" kern="1200" dirty="0" smtClean="0">
-                <a:solidFill>
-                  <a:schemeClr val="tx1"/>
-                </a:solidFill>
-                <a:effectLst/>
-                <a:latin typeface="+mn-lt"/>
-                <a:ea typeface="+mn-ea"/>
-                <a:cs typeface="+mn-cs"/>
-              </a:rPr>
-              <a:t>Такая запись понятна без объяснений. Это спецификация к вашему коду.</a:t>
+              </a:rPr>
+              <a:t> </a:t>
             </a:r>
             <a:endParaRPr lang="en-US" dirty="0"/>
           </a:p>
@@ -9007,7 +8947,7 @@
           <a:p>
             <a:fld id="{07D34B46-4A0F-491A-A398-B220DCB32F65}" type="slidenum">
               <a:rPr lang="en-US" smtClean="0"/>
-              <a:t>15</a:t>
+              <a:t>14</a:t>
             </a:fld>
             <a:endParaRPr lang="en-US"/>
           </a:p>
@@ -9016,7 +8956,7 @@
     </p:spTree>
     <p:extLst>
       <p:ext uri="{BB962C8B-B14F-4D97-AF65-F5344CB8AC3E}">
-        <p14:creationId xmlns:p14="http://schemas.microsoft.com/office/powerpoint/2010/main" val="1987519915"/>
+        <p14:creationId xmlns:p14="http://schemas.microsoft.com/office/powerpoint/2010/main" val="1111800030"/>
       </p:ext>
     </p:extLst>
   </p:cSld>
@@ -9070,25 +9010,8 @@
           <a:bodyPr/>
           <a:lstStyle/>
           <a:p>
-            <a:pPr marL="0" marR="0" indent="0" algn="l" defTabSz="914400" rtl="0" eaLnBrk="1" fontAlgn="auto" latinLnBrk="0" hangingPunct="1">
-              <a:lnSpc>
-                <a:spcPct val="100000"/>
-              </a:lnSpc>
-              <a:spcBef>
-                <a:spcPts val="0"/>
-              </a:spcBef>
-              <a:spcAft>
-                <a:spcPts val="0"/>
-              </a:spcAft>
-              <a:buClrTx/>
-              <a:buSzTx/>
-              <a:buFontTx/>
-              <a:buNone/>
-              <a:tabLst/>
-              <a:defRPr/>
-            </a:pPr>
-            <a:r>
-              <a:rPr lang="en-US" sz="1200" b="1" i="0" u="none" strike="noStrike" kern="1200" dirty="0" smtClean="0">
+            <a:r>
+              <a:rPr lang="ru-RU" sz="1200" b="0" i="0" kern="1200" dirty="0" smtClean="0">
                 <a:solidFill>
                   <a:schemeClr val="tx1"/>
                 </a:solidFill>
@@ -9096,12 +9019,11 @@
                 <a:latin typeface="+mn-lt"/>
                 <a:ea typeface="+mn-ea"/>
                 <a:cs typeface="+mn-cs"/>
-                <a:hlinkClick r:id="rId3" tooltip="Permanent Link to Unit Test Best Practices and Guidelines"/>
-              </a:rPr>
-              <a:t>Unit Test Best Practices and Guidelines</a:t>
-            </a:r>
-            <a:r>
-              <a:rPr lang="ru-RU" sz="1200" b="1" i="0" u="none" strike="noStrike" kern="1200" dirty="0" smtClean="0">
+              </a:rPr>
+              <a:t>У такого способа именования есть дополнительный сайд-эффект. Вы сможете использовать паттерн *.</a:t>
+            </a:r>
+            <a:r>
+              <a:rPr lang="ru-RU" sz="1200" b="0" i="0" kern="1200" dirty="0" err="1" smtClean="0">
                 <a:solidFill>
                   <a:schemeClr val="tx1"/>
                 </a:solidFill>
@@ -9110,10 +9032,10 @@
                 <a:ea typeface="+mn-ea"/>
                 <a:cs typeface="+mn-cs"/>
               </a:rPr>
-              <a:t> (</a:t>
-            </a:r>
-            <a:r>
-              <a:rPr lang="en-US" sz="1200" b="1" i="0" u="none" strike="noStrike" kern="1200" dirty="0" smtClean="0">
+              <a:t>Tests.dll</a:t>
+            </a:r>
+            <a:r>
+              <a:rPr lang="ru-RU" sz="1200" b="0" i="0" kern="1200" dirty="0" smtClean="0">
                 <a:solidFill>
                   <a:schemeClr val="tx1"/>
                 </a:solidFill>
@@ -9122,10 +9044,10 @@
                 <a:ea typeface="+mn-ea"/>
                 <a:cs typeface="+mn-cs"/>
               </a:rPr>
-              <a:t>http://</a:t>
-            </a:r>
-            <a:r>
-              <a:rPr lang="en-US" sz="1200" b="1" i="0" u="none" strike="noStrike" kern="1200" dirty="0" err="1" smtClean="0">
+              <a:t> для запуска тестов на </a:t>
+            </a:r>
+            <a:r>
+              <a:rPr lang="ru-RU" sz="1200" b="0" i="0" kern="1200" dirty="0" err="1" smtClean="0">
                 <a:solidFill>
                   <a:schemeClr val="tx1"/>
                 </a:solidFill>
@@ -9134,10 +9056,10 @@
                 <a:ea typeface="+mn-ea"/>
                 <a:cs typeface="+mn-cs"/>
               </a:rPr>
-              <a:t>www.rhyous.com</a:t>
-            </a:r>
-            <a:r>
-              <a:rPr lang="en-US" sz="1200" b="1" i="0" u="none" strike="noStrike" kern="1200" dirty="0" smtClean="0">
+              <a:t>билд</a:t>
+            </a:r>
+            <a:r>
+              <a:rPr lang="ru-RU" sz="1200" b="0" i="0" kern="1200" dirty="0" smtClean="0">
                 <a:solidFill>
                   <a:schemeClr val="tx1"/>
                 </a:solidFill>
@@ -9146,21 +9068,9 @@
                 <a:ea typeface="+mn-ea"/>
                 <a:cs typeface="+mn-cs"/>
               </a:rPr>
-              <a:t>/2012/03/17/unit-test-best-practices-and-guidelines/</a:t>
-            </a:r>
-            <a:r>
-              <a:rPr lang="ru-RU" sz="1200" b="1" i="0" u="none" strike="noStrike" kern="1200" dirty="0" smtClean="0">
-                <a:solidFill>
-                  <a:schemeClr val="tx1"/>
-                </a:solidFill>
-                <a:effectLst/>
-                <a:latin typeface="+mn-lt"/>
-                <a:ea typeface="+mn-ea"/>
-                <a:cs typeface="+mn-cs"/>
-              </a:rPr>
-              <a:t>)</a:t>
-            </a:r>
-            <a:endParaRPr lang="en-US" sz="1200" b="1" i="0" kern="1200" dirty="0" smtClean="0">
+              <a:t>-сервере</a:t>
+            </a:r>
+            <a:endParaRPr lang="en-US" sz="1200" b="0" i="0" kern="1200" dirty="0" smtClean="0">
               <a:solidFill>
                 <a:schemeClr val="tx1"/>
               </a:solidFill>
@@ -9171,6 +9081,29 @@
             </a:endParaRPr>
           </a:p>
           <a:p>
+            <a:endParaRPr lang="en-US" sz="1200" b="0" i="0" kern="1200" dirty="0" smtClean="0">
+              <a:solidFill>
+                <a:schemeClr val="tx1"/>
+              </a:solidFill>
+              <a:effectLst/>
+              <a:latin typeface="+mn-lt"/>
+              <a:ea typeface="+mn-ea"/>
+              <a:cs typeface="+mn-cs"/>
+            </a:endParaRPr>
+          </a:p>
+          <a:p>
+            <a:r>
+              <a:rPr lang="ru-RU" sz="1200" b="0" i="0" kern="1200" dirty="0" smtClean="0">
+                <a:solidFill>
+                  <a:schemeClr val="tx1"/>
+                </a:solidFill>
+                <a:effectLst/>
+                <a:latin typeface="+mn-lt"/>
+                <a:ea typeface="+mn-ea"/>
+                <a:cs typeface="+mn-cs"/>
+              </a:rPr>
+              <a:t>Такая запись понятна без объяснений. Это спецификация к вашему коду.</a:t>
+            </a:r>
             <a:endParaRPr lang="en-US" dirty="0"/>
           </a:p>
         </p:txBody>
@@ -9192,7 +9125,7 @@
           <a:p>
             <a:fld id="{07D34B46-4A0F-491A-A398-B220DCB32F65}" type="slidenum">
               <a:rPr lang="en-US" smtClean="0"/>
-              <a:t>21</a:t>
+              <a:t>15</a:t>
             </a:fld>
             <a:endParaRPr lang="en-US"/>
           </a:p>
@@ -9201,7 +9134,7 @@
     </p:spTree>
     <p:extLst>
       <p:ext uri="{BB962C8B-B14F-4D97-AF65-F5344CB8AC3E}">
-        <p14:creationId xmlns:p14="http://schemas.microsoft.com/office/powerpoint/2010/main" val="1730418657"/>
+        <p14:creationId xmlns:p14="http://schemas.microsoft.com/office/powerpoint/2010/main" val="1987519915"/>
       </p:ext>
     </p:extLst>
   </p:cSld>
@@ -9255,6 +9188,107 @@
           <a:bodyPr/>
           <a:lstStyle/>
           <a:p>
+            <a:pPr marL="0" marR="0" indent="0" algn="l" defTabSz="914400" rtl="0" eaLnBrk="1" fontAlgn="auto" latinLnBrk="0" hangingPunct="1">
+              <a:lnSpc>
+                <a:spcPct val="100000"/>
+              </a:lnSpc>
+              <a:spcBef>
+                <a:spcPts val="0"/>
+              </a:spcBef>
+              <a:spcAft>
+                <a:spcPts val="0"/>
+              </a:spcAft>
+              <a:buClrTx/>
+              <a:buSzTx/>
+              <a:buFontTx/>
+              <a:buNone/>
+              <a:tabLst/>
+              <a:defRPr/>
+            </a:pPr>
+            <a:r>
+              <a:rPr lang="en-US" sz="1200" b="1" i="0" u="none" strike="noStrike" kern="1200" dirty="0" smtClean="0">
+                <a:solidFill>
+                  <a:schemeClr val="tx1"/>
+                </a:solidFill>
+                <a:effectLst/>
+                <a:latin typeface="+mn-lt"/>
+                <a:ea typeface="+mn-ea"/>
+                <a:cs typeface="+mn-cs"/>
+                <a:hlinkClick r:id="rId3" tooltip="Permanent Link to Unit Test Best Practices and Guidelines"/>
+              </a:rPr>
+              <a:t>Unit Test Best Practices and Guidelines</a:t>
+            </a:r>
+            <a:r>
+              <a:rPr lang="ru-RU" sz="1200" b="1" i="0" u="none" strike="noStrike" kern="1200" dirty="0" smtClean="0">
+                <a:solidFill>
+                  <a:schemeClr val="tx1"/>
+                </a:solidFill>
+                <a:effectLst/>
+                <a:latin typeface="+mn-lt"/>
+                <a:ea typeface="+mn-ea"/>
+                <a:cs typeface="+mn-cs"/>
+              </a:rPr>
+              <a:t> (</a:t>
+            </a:r>
+            <a:r>
+              <a:rPr lang="en-US" sz="1200" b="1" i="0" u="none" strike="noStrike" kern="1200" dirty="0" smtClean="0">
+                <a:solidFill>
+                  <a:schemeClr val="tx1"/>
+                </a:solidFill>
+                <a:effectLst/>
+                <a:latin typeface="+mn-lt"/>
+                <a:ea typeface="+mn-ea"/>
+                <a:cs typeface="+mn-cs"/>
+              </a:rPr>
+              <a:t>http://</a:t>
+            </a:r>
+            <a:r>
+              <a:rPr lang="en-US" sz="1200" b="1" i="0" u="none" strike="noStrike" kern="1200" dirty="0" err="1" smtClean="0">
+                <a:solidFill>
+                  <a:schemeClr val="tx1"/>
+                </a:solidFill>
+                <a:effectLst/>
+                <a:latin typeface="+mn-lt"/>
+                <a:ea typeface="+mn-ea"/>
+                <a:cs typeface="+mn-cs"/>
+              </a:rPr>
+              <a:t>www.rhyous.com</a:t>
+            </a:r>
+            <a:r>
+              <a:rPr lang="en-US" sz="1200" b="1" i="0" u="none" strike="noStrike" kern="1200" dirty="0" smtClean="0">
+                <a:solidFill>
+                  <a:schemeClr val="tx1"/>
+                </a:solidFill>
+                <a:effectLst/>
+                <a:latin typeface="+mn-lt"/>
+                <a:ea typeface="+mn-ea"/>
+                <a:cs typeface="+mn-cs"/>
+              </a:rPr>
+              <a:t>/2012/03/17/unit-test-best-practices-and-guidelines/</a:t>
+            </a:r>
+            <a:r>
+              <a:rPr lang="ru-RU" sz="1200" b="1" i="0" u="none" strike="noStrike" kern="1200" dirty="0" smtClean="0">
+                <a:solidFill>
+                  <a:schemeClr val="tx1"/>
+                </a:solidFill>
+                <a:effectLst/>
+                <a:latin typeface="+mn-lt"/>
+                <a:ea typeface="+mn-ea"/>
+                <a:cs typeface="+mn-cs"/>
+              </a:rPr>
+              <a:t>)</a:t>
+            </a:r>
+            <a:endParaRPr lang="en-US" sz="1200" b="1" i="0" kern="1200" dirty="0" smtClean="0">
+              <a:solidFill>
+                <a:schemeClr val="tx1"/>
+              </a:solidFill>
+              <a:effectLst/>
+              <a:latin typeface="+mn-lt"/>
+              <a:ea typeface="+mn-ea"/>
+              <a:cs typeface="+mn-cs"/>
+            </a:endParaRPr>
+          </a:p>
+          <a:p>
             <a:endParaRPr lang="en-US" dirty="0"/>
           </a:p>
         </p:txBody>
@@ -9276,7 +9310,7 @@
           <a:p>
             <a:fld id="{07D34B46-4A0F-491A-A398-B220DCB32F65}" type="slidenum">
               <a:rPr lang="en-US" smtClean="0"/>
-              <a:t>22</a:t>
+              <a:t>21</a:t>
             </a:fld>
             <a:endParaRPr lang="en-US"/>
           </a:p>
@@ -9285,7 +9319,7 @@
     </p:spTree>
     <p:extLst>
       <p:ext uri="{BB962C8B-B14F-4D97-AF65-F5344CB8AC3E}">
-        <p14:creationId xmlns:p14="http://schemas.microsoft.com/office/powerpoint/2010/main" val="1080502308"/>
+        <p14:creationId xmlns:p14="http://schemas.microsoft.com/office/powerpoint/2010/main" val="1730418657"/>
       </p:ext>
     </p:extLst>
   </p:cSld>
@@ -9339,18 +9373,6 @@
           <a:bodyPr/>
           <a:lstStyle/>
           <a:p>
-            <a:r>
-              <a:rPr lang="en-US" sz="1200" b="0" i="0" kern="1200" dirty="0" smtClean="0">
-                <a:solidFill>
-                  <a:schemeClr val="tx1"/>
-                </a:solidFill>
-                <a:effectLst/>
-                <a:latin typeface="+mn-lt"/>
-                <a:ea typeface="+mn-ea"/>
-                <a:cs typeface="+mn-cs"/>
-              </a:rPr>
-              <a:t>Mars Climate Orbiter </a:t>
-            </a:r>
             <a:endParaRPr lang="en-US" dirty="0"/>
           </a:p>
         </p:txBody>
@@ -9372,7 +9394,7 @@
           <a:p>
             <a:fld id="{07D34B46-4A0F-491A-A398-B220DCB32F65}" type="slidenum">
               <a:rPr lang="en-US" smtClean="0"/>
-              <a:t>23</a:t>
+              <a:t>22</a:t>
             </a:fld>
             <a:endParaRPr lang="en-US"/>
           </a:p>
@@ -9381,7 +9403,7 @@
     </p:spTree>
     <p:extLst>
       <p:ext uri="{BB962C8B-B14F-4D97-AF65-F5344CB8AC3E}">
-        <p14:creationId xmlns:p14="http://schemas.microsoft.com/office/powerpoint/2010/main" val="1850952926"/>
+        <p14:creationId xmlns:p14="http://schemas.microsoft.com/office/powerpoint/2010/main" val="1080502308"/>
       </p:ext>
     </p:extLst>
   </p:cSld>
@@ -9436,24 +9458,16 @@
           <a:lstStyle/>
           <a:p>
             <a:r>
-              <a:rPr lang="en-US" dirty="0" smtClean="0"/>
-              <a:t>http://</a:t>
-            </a:r>
-            <a:r>
-              <a:rPr lang="en-US" dirty="0" err="1" smtClean="0"/>
-              <a:t>www.rhyous.com</a:t>
-            </a:r>
-            <a:r>
-              <a:rPr lang="en-US" dirty="0" smtClean="0"/>
-              <a:t>/programming-development/</a:t>
-            </a:r>
-            <a:r>
-              <a:rPr lang="en-US" dirty="0" err="1" smtClean="0"/>
-              <a:t>csharp</a:t>
-            </a:r>
-            <a:r>
-              <a:rPr lang="en-US" dirty="0" smtClean="0"/>
-              <a:t>-unit-test-tutorial/</a:t>
+              <a:rPr lang="en-US" sz="1200" b="0" i="0" kern="1200" dirty="0" smtClean="0">
+                <a:solidFill>
+                  <a:schemeClr val="tx1"/>
+                </a:solidFill>
+                <a:effectLst/>
+                <a:latin typeface="+mn-lt"/>
+                <a:ea typeface="+mn-ea"/>
+                <a:cs typeface="+mn-cs"/>
+              </a:rPr>
+              <a:t>Mars Climate Orbiter </a:t>
             </a:r>
             <a:endParaRPr lang="en-US" dirty="0"/>
           </a:p>
@@ -9476,7 +9490,7 @@
           <a:p>
             <a:fld id="{07D34B46-4A0F-491A-A398-B220DCB32F65}" type="slidenum">
               <a:rPr lang="en-US" smtClean="0"/>
-              <a:t>27</a:t>
+              <a:t>23</a:t>
             </a:fld>
             <a:endParaRPr lang="en-US"/>
           </a:p>
@@ -9485,7 +9499,7 @@
     </p:spTree>
     <p:extLst>
       <p:ext uri="{BB962C8B-B14F-4D97-AF65-F5344CB8AC3E}">
-        <p14:creationId xmlns:p14="http://schemas.microsoft.com/office/powerpoint/2010/main" val="1867107722"/>
+        <p14:creationId xmlns:p14="http://schemas.microsoft.com/office/powerpoint/2010/main" val="1850952926"/>
       </p:ext>
     </p:extLst>
   </p:cSld>
@@ -9539,113 +9553,25 @@
           <a:bodyPr/>
           <a:lstStyle/>
           <a:p>
-            <a:pPr fontAlgn="base"/>
-            <a:r>
-              <a:rPr lang="ru-RU" sz="1200" b="0" i="0" kern="1200" dirty="0" err="1" smtClean="0">
-                <a:solidFill>
-                  <a:schemeClr val="tx1"/>
-                </a:solidFill>
-                <a:effectLst/>
-                <a:latin typeface="+mn-lt"/>
-                <a:ea typeface="+mn-ea"/>
-                <a:cs typeface="+mn-cs"/>
-              </a:rPr>
-              <a:t>Fakes</a:t>
-            </a:r>
-            <a:r>
-              <a:rPr lang="ru-RU" sz="1200" b="0" i="0" kern="1200" dirty="0" smtClean="0">
-                <a:solidFill>
-                  <a:schemeClr val="tx1"/>
-                </a:solidFill>
-                <a:effectLst/>
-                <a:latin typeface="+mn-lt"/>
-                <a:ea typeface="+mn-ea"/>
-                <a:cs typeface="+mn-cs"/>
-              </a:rPr>
-              <a:t>: </a:t>
-            </a:r>
-            <a:r>
-              <a:rPr lang="ru-RU" sz="1200" b="0" i="0" kern="1200" dirty="0" err="1" smtClean="0">
-                <a:solidFill>
-                  <a:schemeClr val="tx1"/>
-                </a:solidFill>
-                <a:effectLst/>
-                <a:latin typeface="+mn-lt"/>
-                <a:ea typeface="+mn-ea"/>
-                <a:cs typeface="+mn-cs"/>
-              </a:rPr>
-              <a:t>stubs</a:t>
-            </a:r>
-            <a:r>
-              <a:rPr lang="ru-RU" sz="1200" b="0" i="0" kern="1200" dirty="0" smtClean="0">
-                <a:solidFill>
-                  <a:schemeClr val="tx1"/>
-                </a:solidFill>
-                <a:effectLst/>
-                <a:latin typeface="+mn-lt"/>
-                <a:ea typeface="+mn-ea"/>
-                <a:cs typeface="+mn-cs"/>
-              </a:rPr>
-              <a:t> &amp; </a:t>
-            </a:r>
-            <a:r>
-              <a:rPr lang="ru-RU" sz="1200" b="0" i="0" kern="1200" dirty="0" err="1" smtClean="0">
-                <a:solidFill>
-                  <a:schemeClr val="tx1"/>
-                </a:solidFill>
-                <a:effectLst/>
-                <a:latin typeface="+mn-lt"/>
-                <a:ea typeface="+mn-ea"/>
-                <a:cs typeface="+mn-cs"/>
-              </a:rPr>
-              <a:t>mocks</a:t>
-            </a:r>
-            <a:endParaRPr lang="ru-RU" sz="1200" b="0" i="0" kern="1200" dirty="0" smtClean="0">
-              <a:solidFill>
-                <a:schemeClr val="tx1"/>
-              </a:solidFill>
-              <a:effectLst/>
-              <a:latin typeface="+mn-lt"/>
-              <a:ea typeface="+mn-ea"/>
-              <a:cs typeface="+mn-cs"/>
-            </a:endParaRPr>
-          </a:p>
-          <a:p>
-            <a:r>
-              <a:rPr lang="ru-RU" sz="1200" b="0" i="0" kern="1200" dirty="0" smtClean="0">
-                <a:solidFill>
-                  <a:schemeClr val="tx1"/>
-                </a:solidFill>
-                <a:effectLst/>
-                <a:latin typeface="+mn-lt"/>
-                <a:ea typeface="+mn-ea"/>
-                <a:cs typeface="+mn-cs"/>
-              </a:rPr>
-              <a:t>Мы переписали класс и теперь можем подсунуть контроллеру другие реализации зависимостей, которые не станут лезть в базу, смотреть </a:t>
-            </a:r>
-            <a:r>
-              <a:rPr lang="ru-RU" sz="1200" b="0" i="0" kern="1200" dirty="0" err="1" smtClean="0">
-                <a:solidFill>
-                  <a:schemeClr val="tx1"/>
-                </a:solidFill>
-                <a:effectLst/>
-                <a:latin typeface="+mn-lt"/>
-                <a:ea typeface="+mn-ea"/>
-                <a:cs typeface="+mn-cs"/>
-              </a:rPr>
-              <a:t>конфиги</a:t>
-            </a:r>
-            <a:r>
-              <a:rPr lang="ru-RU" sz="1200" b="0" i="0" kern="1200" dirty="0" smtClean="0">
-                <a:solidFill>
-                  <a:schemeClr val="tx1"/>
-                </a:solidFill>
-                <a:effectLst/>
-                <a:latin typeface="+mn-lt"/>
-                <a:ea typeface="+mn-ea"/>
-                <a:cs typeface="+mn-cs"/>
-              </a:rPr>
-              <a:t> и т.д. Словом, будут делать только то, что от них требуется. Разделяем и властвуем. Настоящие реализации мы должны протестировать отдельно в своих собственных тестовых классах. Сейчас мы тестируем только контроллер.</a:t>
+            <a:r>
+              <a:rPr lang="en-US" dirty="0" smtClean="0"/>
+              <a:t>http://</a:t>
+            </a:r>
+            <a:r>
+              <a:rPr lang="en-US" dirty="0" err="1" smtClean="0"/>
+              <a:t>www.rhyous.com</a:t>
+            </a:r>
+            <a:r>
+              <a:rPr lang="en-US" dirty="0" smtClean="0"/>
+              <a:t>/programming-development/</a:t>
+            </a:r>
+            <a:r>
+              <a:rPr lang="en-US" dirty="0" err="1" smtClean="0"/>
+              <a:t>csharp</a:t>
+            </a:r>
+            <a:r>
+              <a:rPr lang="en-US" dirty="0" smtClean="0"/>
+              <a:t>-unit-test-tutorial/</a:t>
             </a:r>
             <a:endParaRPr lang="en-US" dirty="0"/>
           </a:p>
@@ -9668,7 +9594,7 @@
           <a:p>
             <a:fld id="{07D34B46-4A0F-491A-A398-B220DCB32F65}" type="slidenum">
               <a:rPr lang="en-US" smtClean="0"/>
-              <a:t>28</a:t>
+              <a:t>27</a:t>
             </a:fld>
             <a:endParaRPr lang="en-US"/>
           </a:p>
@@ -9677,7 +9603,7 @@
     </p:spTree>
     <p:extLst>
       <p:ext uri="{BB962C8B-B14F-4D97-AF65-F5344CB8AC3E}">
-        <p14:creationId xmlns:p14="http://schemas.microsoft.com/office/powerpoint/2010/main" val="1750003033"/>
+        <p14:creationId xmlns:p14="http://schemas.microsoft.com/office/powerpoint/2010/main" val="1867107722"/>
       </p:ext>
     </p:extLst>
   </p:cSld>
@@ -9860,7 +9786,7 @@
           <a:p>
             <a:fld id="{07D34B46-4A0F-491A-A398-B220DCB32F65}" type="slidenum">
               <a:rPr lang="en-US" smtClean="0"/>
-              <a:t>29</a:t>
+              <a:t>28</a:t>
             </a:fld>
             <a:endParaRPr lang="en-US"/>
           </a:p>
@@ -9869,7 +9795,7 @@
     </p:spTree>
     <p:extLst>
       <p:ext uri="{BB962C8B-B14F-4D97-AF65-F5344CB8AC3E}">
-        <p14:creationId xmlns:p14="http://schemas.microsoft.com/office/powerpoint/2010/main" val="78012497"/>
+        <p14:creationId xmlns:p14="http://schemas.microsoft.com/office/powerpoint/2010/main" val="1750003033"/>
       </p:ext>
     </p:extLst>
   </p:cSld>
@@ -9923,8 +9849,9 @@
           <a:bodyPr/>
           <a:lstStyle/>
           <a:p>
-            <a:r>
-              <a:rPr lang="ru-RU" sz="1200" b="1" i="0" kern="1200" dirty="0" smtClean="0">
+            <a:pPr fontAlgn="base"/>
+            <a:r>
+              <a:rPr lang="ru-RU" sz="1200" b="0" i="0" kern="1200" dirty="0" err="1" smtClean="0">
                 <a:solidFill>
                   <a:schemeClr val="tx1"/>
                 </a:solidFill>
@@ -9933,10 +9860,10 @@
                 <a:ea typeface="+mn-ea"/>
                 <a:cs typeface="+mn-cs"/>
               </a:rPr>
-              <a:t>— </a:t>
-            </a:r>
-            <a:r>
-              <a:rPr lang="ru-RU" sz="1200" b="1" i="0" kern="1200" dirty="0" err="1" smtClean="0">
+              <a:t>Fakes</a:t>
+            </a:r>
+            <a:r>
+              <a:rPr lang="ru-RU" sz="1200" b="0" i="0" kern="1200" dirty="0" smtClean="0">
                 <a:solidFill>
                   <a:schemeClr val="tx1"/>
                 </a:solidFill>
@@ -9945,10 +9872,10 @@
                 <a:ea typeface="+mn-ea"/>
                 <a:cs typeface="+mn-cs"/>
               </a:rPr>
-              <a:t>dummy</a:t>
-            </a:r>
-            <a:r>
-              <a:rPr lang="ru-RU" sz="1200" b="1" i="0" kern="1200" dirty="0" smtClean="0">
+              <a:t>: </a:t>
+            </a:r>
+            <a:r>
+              <a:rPr lang="ru-RU" sz="1200" b="0" i="0" kern="1200" dirty="0" err="1" smtClean="0">
                 <a:solidFill>
                   <a:schemeClr val="tx1"/>
                 </a:solidFill>
@@ -9957,10 +9884,10 @@
                 <a:ea typeface="+mn-ea"/>
                 <a:cs typeface="+mn-cs"/>
               </a:rPr>
-              <a:t> </a:t>
-            </a:r>
-            <a:r>
-              <a:rPr lang="ru-RU" sz="1200" b="1" i="0" kern="1200" dirty="0" err="1" smtClean="0">
+              <a:t>stubs</a:t>
+            </a:r>
+            <a:r>
+              <a:rPr lang="ru-RU" sz="1200" b="0" i="0" kern="1200" dirty="0" smtClean="0">
                 <a:solidFill>
                   <a:schemeClr val="tx1"/>
                 </a:solidFill>
@@ -9969,10 +9896,10 @@
                 <a:ea typeface="+mn-ea"/>
                 <a:cs typeface="+mn-cs"/>
               </a:rPr>
-              <a:t>object</a:t>
-            </a:r>
-            <a:r>
-              <a:rPr lang="ru-RU" sz="1200" b="0" i="0" kern="1200" dirty="0" smtClean="0">
+              <a:t> &amp; </a:t>
+            </a:r>
+            <a:r>
+              <a:rPr lang="ru-RU" sz="1200" b="0" i="0" kern="1200" dirty="0" err="1" smtClean="0">
                 <a:solidFill>
                   <a:schemeClr val="tx1"/>
                 </a:solidFill>
@@ -9981,626 +9908,7 @@
                 <a:ea typeface="+mn-ea"/>
                 <a:cs typeface="+mn-cs"/>
               </a:rPr>
-              <a:t>, который обычно передается в тестируемый класс в качестве параметра, но не имеет поведения, с ним ничего не происходит, никакие методы не вызываются. Примером таких </a:t>
-            </a:r>
-            <a:r>
-              <a:rPr lang="ru-RU" sz="1200" b="0" i="0" kern="1200" dirty="0" err="1" smtClean="0">
-                <a:solidFill>
-                  <a:schemeClr val="tx1"/>
-                </a:solidFill>
-                <a:effectLst/>
-                <a:latin typeface="+mn-lt"/>
-                <a:ea typeface="+mn-ea"/>
-                <a:cs typeface="+mn-cs"/>
-              </a:rPr>
-              <a:t>dummy</a:t>
-            </a:r>
-            <a:r>
-              <a:rPr lang="ru-RU" sz="1200" b="0" i="0" kern="1200" dirty="0" smtClean="0">
-                <a:solidFill>
-                  <a:schemeClr val="tx1"/>
-                </a:solidFill>
-                <a:effectLst/>
-                <a:latin typeface="+mn-lt"/>
-                <a:ea typeface="+mn-ea"/>
-                <a:cs typeface="+mn-cs"/>
-              </a:rPr>
-              <a:t>-объектов являются </a:t>
-            </a:r>
-            <a:r>
-              <a:rPr lang="ru-RU" sz="1200" b="0" i="0" kern="1200" dirty="0" err="1" smtClean="0">
-                <a:solidFill>
-                  <a:schemeClr val="tx1"/>
-                </a:solidFill>
-                <a:effectLst/>
-                <a:latin typeface="+mn-lt"/>
-                <a:ea typeface="+mn-ea"/>
-                <a:cs typeface="+mn-cs"/>
-              </a:rPr>
-              <a:t>new</a:t>
-            </a:r>
-            <a:r>
-              <a:rPr lang="ru-RU" sz="1200" b="0" i="0" kern="1200" dirty="0" smtClean="0">
-                <a:solidFill>
-                  <a:schemeClr val="tx1"/>
-                </a:solidFill>
-                <a:effectLst/>
-                <a:latin typeface="+mn-lt"/>
-                <a:ea typeface="+mn-ea"/>
-                <a:cs typeface="+mn-cs"/>
-              </a:rPr>
-              <a:t> </a:t>
-            </a:r>
-            <a:r>
-              <a:rPr lang="ru-RU" sz="1200" b="0" i="0" kern="1200" dirty="0" err="1" smtClean="0">
-                <a:solidFill>
-                  <a:schemeClr val="tx1"/>
-                </a:solidFill>
-                <a:effectLst/>
-                <a:latin typeface="+mn-lt"/>
-                <a:ea typeface="+mn-ea"/>
-                <a:cs typeface="+mn-cs"/>
-              </a:rPr>
-              <a:t>object</a:t>
-            </a:r>
-            <a:r>
-              <a:rPr lang="ru-RU" sz="1200" b="0" i="0" kern="1200" dirty="0" smtClean="0">
-                <a:solidFill>
-                  <a:schemeClr val="tx1"/>
-                </a:solidFill>
-                <a:effectLst/>
-                <a:latin typeface="+mn-lt"/>
-                <a:ea typeface="+mn-ea"/>
-                <a:cs typeface="+mn-cs"/>
-              </a:rPr>
-              <a:t>(), </a:t>
-            </a:r>
-            <a:r>
-              <a:rPr lang="ru-RU" sz="1200" b="0" i="0" kern="1200" dirty="0" err="1" smtClean="0">
-                <a:solidFill>
-                  <a:schemeClr val="tx1"/>
-                </a:solidFill>
-                <a:effectLst/>
-                <a:latin typeface="+mn-lt"/>
-                <a:ea typeface="+mn-ea"/>
-                <a:cs typeface="+mn-cs"/>
-              </a:rPr>
-              <a:t>null</a:t>
-            </a:r>
-            <a:r>
-              <a:rPr lang="ru-RU" sz="1200" b="0" i="0" kern="1200" dirty="0" smtClean="0">
-                <a:solidFill>
-                  <a:schemeClr val="tx1"/>
-                </a:solidFill>
-                <a:effectLst/>
-                <a:latin typeface="+mn-lt"/>
-                <a:ea typeface="+mn-ea"/>
-                <a:cs typeface="+mn-cs"/>
-              </a:rPr>
-              <a:t>, «</a:t>
-            </a:r>
-            <a:r>
-              <a:rPr lang="ru-RU" sz="1200" b="0" i="0" kern="1200" dirty="0" err="1" smtClean="0">
-                <a:solidFill>
-                  <a:schemeClr val="tx1"/>
-                </a:solidFill>
-                <a:effectLst/>
-                <a:latin typeface="+mn-lt"/>
-                <a:ea typeface="+mn-ea"/>
-                <a:cs typeface="+mn-cs"/>
-              </a:rPr>
-              <a:t>Ignored</a:t>
-            </a:r>
-            <a:r>
-              <a:rPr lang="ru-RU" sz="1200" b="0" i="0" kern="1200" dirty="0" smtClean="0">
-                <a:solidFill>
-                  <a:schemeClr val="tx1"/>
-                </a:solidFill>
-                <a:effectLst/>
-                <a:latin typeface="+mn-lt"/>
-                <a:ea typeface="+mn-ea"/>
-                <a:cs typeface="+mn-cs"/>
-              </a:rPr>
-              <a:t> </a:t>
-            </a:r>
-            <a:r>
-              <a:rPr lang="ru-RU" sz="1200" b="0" i="0" kern="1200" dirty="0" err="1" smtClean="0">
-                <a:solidFill>
-                  <a:schemeClr val="tx1"/>
-                </a:solidFill>
-                <a:effectLst/>
-                <a:latin typeface="+mn-lt"/>
-                <a:ea typeface="+mn-ea"/>
-                <a:cs typeface="+mn-cs"/>
-              </a:rPr>
-              <a:t>String</a:t>
-            </a:r>
-            <a:r>
-              <a:rPr lang="ru-RU" sz="1200" b="0" i="0" kern="1200" dirty="0" smtClean="0">
-                <a:solidFill>
-                  <a:schemeClr val="tx1"/>
-                </a:solidFill>
-                <a:effectLst/>
-                <a:latin typeface="+mn-lt"/>
-                <a:ea typeface="+mn-ea"/>
-                <a:cs typeface="+mn-cs"/>
-              </a:rPr>
-              <a:t>» и т.д.</a:t>
-            </a:r>
-            <a:r>
-              <a:rPr lang="ru-RU" dirty="0" smtClean="0"/>
-              <a:t/>
-            </a:r>
-            <a:br>
-              <a:rPr lang="ru-RU" dirty="0" smtClean="0"/>
-            </a:br>
-            <a:r>
-              <a:rPr lang="ru-RU" dirty="0" smtClean="0"/>
-              <a:t/>
-            </a:r>
-            <a:br>
-              <a:rPr lang="ru-RU" dirty="0" smtClean="0"/>
-            </a:br>
-            <a:r>
-              <a:rPr lang="ru-RU" sz="1200" b="1" i="0" kern="1200" dirty="0" smtClean="0">
-                <a:solidFill>
-                  <a:schemeClr val="tx1"/>
-                </a:solidFill>
-                <a:effectLst/>
-                <a:latin typeface="+mn-lt"/>
-                <a:ea typeface="+mn-ea"/>
-                <a:cs typeface="+mn-cs"/>
-              </a:rPr>
-              <a:t>— </a:t>
-            </a:r>
-            <a:r>
-              <a:rPr lang="ru-RU" sz="1200" b="1" i="0" kern="1200" dirty="0" err="1" smtClean="0">
-                <a:solidFill>
-                  <a:schemeClr val="tx1"/>
-                </a:solidFill>
-                <a:effectLst/>
-                <a:latin typeface="+mn-lt"/>
-                <a:ea typeface="+mn-ea"/>
-                <a:cs typeface="+mn-cs"/>
-              </a:rPr>
-              <a:t>test</a:t>
-            </a:r>
-            <a:r>
-              <a:rPr lang="ru-RU" sz="1200" b="1" i="0" kern="1200" dirty="0" smtClean="0">
-                <a:solidFill>
-                  <a:schemeClr val="tx1"/>
-                </a:solidFill>
-                <a:effectLst/>
-                <a:latin typeface="+mn-lt"/>
-                <a:ea typeface="+mn-ea"/>
-                <a:cs typeface="+mn-cs"/>
-              </a:rPr>
-              <a:t> </a:t>
-            </a:r>
-            <a:r>
-              <a:rPr lang="ru-RU" sz="1200" b="1" i="0" kern="1200" dirty="0" err="1" smtClean="0">
-                <a:solidFill>
-                  <a:schemeClr val="tx1"/>
-                </a:solidFill>
-                <a:effectLst/>
-                <a:latin typeface="+mn-lt"/>
-                <a:ea typeface="+mn-ea"/>
-                <a:cs typeface="+mn-cs"/>
-              </a:rPr>
-              <a:t>stub</a:t>
-            </a:r>
-            <a:r>
-              <a:rPr lang="ru-RU" sz="1200" b="0" i="0" kern="1200" dirty="0" smtClean="0">
-                <a:solidFill>
-                  <a:schemeClr val="tx1"/>
-                </a:solidFill>
-                <a:effectLst/>
-                <a:latin typeface="+mn-lt"/>
-                <a:ea typeface="+mn-ea"/>
-                <a:cs typeface="+mn-cs"/>
-              </a:rPr>
-              <a:t> (заглушка), используется для получения данных из внешней зависимости, подменяя её. При этом игнорирует все данные, могущие поступать из тестируемого объекта в </a:t>
-            </a:r>
-            <a:r>
-              <a:rPr lang="ru-RU" sz="1200" b="0" i="0" kern="1200" dirty="0" err="1" smtClean="0">
-                <a:solidFill>
-                  <a:schemeClr val="tx1"/>
-                </a:solidFill>
-                <a:effectLst/>
-                <a:latin typeface="+mn-lt"/>
-                <a:ea typeface="+mn-ea"/>
-                <a:cs typeface="+mn-cs"/>
-              </a:rPr>
-              <a:t>stub</a:t>
-            </a:r>
-            <a:r>
-              <a:rPr lang="ru-RU" sz="1200" b="0" i="0" kern="1200" dirty="0" smtClean="0">
-                <a:solidFill>
-                  <a:schemeClr val="tx1"/>
-                </a:solidFill>
-                <a:effectLst/>
-                <a:latin typeface="+mn-lt"/>
-                <a:ea typeface="+mn-ea"/>
-                <a:cs typeface="+mn-cs"/>
-              </a:rPr>
-              <a:t>. Один из самых популярных видов тестовых объектов. Тестируемый объект использует чтение из конфигурационного файла? Передаем ему </a:t>
-            </a:r>
-            <a:r>
-              <a:rPr lang="ru-RU" sz="1200" b="0" i="0" kern="1200" dirty="0" err="1" smtClean="0">
-                <a:solidFill>
-                  <a:schemeClr val="tx1"/>
-                </a:solidFill>
-                <a:effectLst/>
-                <a:latin typeface="+mn-lt"/>
-                <a:ea typeface="+mn-ea"/>
-                <a:cs typeface="+mn-cs"/>
-              </a:rPr>
-              <a:t>ConfigFileStub</a:t>
-            </a:r>
-            <a:r>
-              <a:rPr lang="ru-RU" sz="1200" b="0" i="0" kern="1200" dirty="0" smtClean="0">
-                <a:solidFill>
-                  <a:schemeClr val="tx1"/>
-                </a:solidFill>
-                <a:effectLst/>
-                <a:latin typeface="+mn-lt"/>
-                <a:ea typeface="+mn-ea"/>
-                <a:cs typeface="+mn-cs"/>
-              </a:rPr>
-              <a:t> возвращающий тестовые строки конфигурации для избавления зависимости на файловую систему.</a:t>
-            </a:r>
-            <a:r>
-              <a:rPr lang="ru-RU" dirty="0" smtClean="0"/>
-              <a:t/>
-            </a:r>
-            <a:br>
-              <a:rPr lang="ru-RU" dirty="0" smtClean="0"/>
-            </a:br>
-            <a:r>
-              <a:rPr lang="ru-RU" dirty="0" smtClean="0"/>
-              <a:t/>
-            </a:r>
-            <a:br>
-              <a:rPr lang="ru-RU" dirty="0" smtClean="0"/>
-            </a:br>
-            <a:r>
-              <a:rPr lang="ru-RU" sz="1200" b="1" i="0" kern="1200" dirty="0" smtClean="0">
-                <a:solidFill>
-                  <a:schemeClr val="tx1"/>
-                </a:solidFill>
-                <a:effectLst/>
-                <a:latin typeface="+mn-lt"/>
-                <a:ea typeface="+mn-ea"/>
-                <a:cs typeface="+mn-cs"/>
-              </a:rPr>
-              <a:t>— </a:t>
-            </a:r>
-            <a:r>
-              <a:rPr lang="ru-RU" sz="1200" b="1" i="0" kern="1200" dirty="0" err="1" smtClean="0">
-                <a:solidFill>
-                  <a:schemeClr val="tx1"/>
-                </a:solidFill>
-                <a:effectLst/>
-                <a:latin typeface="+mn-lt"/>
-                <a:ea typeface="+mn-ea"/>
-                <a:cs typeface="+mn-cs"/>
-              </a:rPr>
-              <a:t>test</a:t>
-            </a:r>
-            <a:r>
-              <a:rPr lang="ru-RU" sz="1200" b="1" i="0" kern="1200" dirty="0" smtClean="0">
-                <a:solidFill>
-                  <a:schemeClr val="tx1"/>
-                </a:solidFill>
-                <a:effectLst/>
-                <a:latin typeface="+mn-lt"/>
-                <a:ea typeface="+mn-ea"/>
-                <a:cs typeface="+mn-cs"/>
-              </a:rPr>
-              <a:t> </a:t>
-            </a:r>
-            <a:r>
-              <a:rPr lang="ru-RU" sz="1200" b="1" i="0" kern="1200" dirty="0" err="1" smtClean="0">
-                <a:solidFill>
-                  <a:schemeClr val="tx1"/>
-                </a:solidFill>
-                <a:effectLst/>
-                <a:latin typeface="+mn-lt"/>
-                <a:ea typeface="+mn-ea"/>
-                <a:cs typeface="+mn-cs"/>
-              </a:rPr>
-              <a:t>spy</a:t>
-            </a:r>
-            <a:r>
-              <a:rPr lang="ru-RU" sz="1200" b="0" i="0" kern="1200" dirty="0" smtClean="0">
-                <a:solidFill>
-                  <a:schemeClr val="tx1"/>
-                </a:solidFill>
-                <a:effectLst/>
-                <a:latin typeface="+mn-lt"/>
-                <a:ea typeface="+mn-ea"/>
-                <a:cs typeface="+mn-cs"/>
-              </a:rPr>
-              <a:t> (тестовый шпион), используется для тестов взаимодействия, основной функцией является запись данных и вызовов, поступающих из тестируемого объекта для последующей проверки корректности вызова зависимого объекта. Позволяет проверить логику именно нашего тестируемого объекта, без проверок зависимых объектов.</a:t>
-            </a:r>
-            <a:r>
-              <a:rPr lang="ru-RU" dirty="0" smtClean="0"/>
-              <a:t/>
-            </a:r>
-            <a:br>
-              <a:rPr lang="ru-RU" dirty="0" smtClean="0"/>
-            </a:br>
-            <a:r>
-              <a:rPr lang="ru-RU" dirty="0" smtClean="0"/>
-              <a:t/>
-            </a:r>
-            <a:br>
-              <a:rPr lang="ru-RU" dirty="0" smtClean="0"/>
-            </a:br>
-            <a:r>
-              <a:rPr lang="ru-RU" sz="1200" b="1" i="0" kern="1200" dirty="0" smtClean="0">
-                <a:solidFill>
-                  <a:schemeClr val="tx1"/>
-                </a:solidFill>
-                <a:effectLst/>
-                <a:latin typeface="+mn-lt"/>
-                <a:ea typeface="+mn-ea"/>
-                <a:cs typeface="+mn-cs"/>
-              </a:rPr>
-              <a:t>— </a:t>
-            </a:r>
-            <a:r>
-              <a:rPr lang="ru-RU" sz="1200" b="1" i="0" kern="1200" dirty="0" err="1" smtClean="0">
-                <a:solidFill>
-                  <a:schemeClr val="tx1"/>
-                </a:solidFill>
-                <a:effectLst/>
-                <a:latin typeface="+mn-lt"/>
-                <a:ea typeface="+mn-ea"/>
-                <a:cs typeface="+mn-cs"/>
-              </a:rPr>
-              <a:t>mock</a:t>
-            </a:r>
-            <a:r>
-              <a:rPr lang="ru-RU" sz="1200" b="1" i="0" kern="1200" dirty="0" smtClean="0">
-                <a:solidFill>
-                  <a:schemeClr val="tx1"/>
-                </a:solidFill>
-                <a:effectLst/>
-                <a:latin typeface="+mn-lt"/>
-                <a:ea typeface="+mn-ea"/>
-                <a:cs typeface="+mn-cs"/>
-              </a:rPr>
-              <a:t> </a:t>
-            </a:r>
-            <a:r>
-              <a:rPr lang="ru-RU" sz="1200" b="1" i="0" kern="1200" dirty="0" err="1" smtClean="0">
-                <a:solidFill>
-                  <a:schemeClr val="tx1"/>
-                </a:solidFill>
-                <a:effectLst/>
-                <a:latin typeface="+mn-lt"/>
-                <a:ea typeface="+mn-ea"/>
-                <a:cs typeface="+mn-cs"/>
-              </a:rPr>
-              <a:t>object</a:t>
-            </a:r>
-            <a:r>
-              <a:rPr lang="ru-RU" sz="1200" b="0" i="0" kern="1200" dirty="0" smtClean="0">
-                <a:solidFill>
-                  <a:schemeClr val="tx1"/>
-                </a:solidFill>
-                <a:effectLst/>
-                <a:latin typeface="+mn-lt"/>
-                <a:ea typeface="+mn-ea"/>
-                <a:cs typeface="+mn-cs"/>
-              </a:rPr>
-              <a:t> (мок-объект), очень похож на тестовый шпион, однако не записывает последовательность вызовов с переданными параметрами для последующей проверки, а может сам выкидывать исключения при некорректно переданных данных. Т.е. именно мок-объект проверяет корректность поведения тестируемого объекта.</a:t>
-            </a:r>
-            <a:r>
-              <a:rPr lang="ru-RU" dirty="0" smtClean="0"/>
-              <a:t/>
-            </a:r>
-            <a:br>
-              <a:rPr lang="ru-RU" dirty="0" smtClean="0"/>
-            </a:br>
-            <a:r>
-              <a:rPr lang="ru-RU" dirty="0" smtClean="0"/>
-              <a:t/>
-            </a:r>
-            <a:br>
-              <a:rPr lang="ru-RU" dirty="0" smtClean="0"/>
-            </a:br>
-            <a:r>
-              <a:rPr lang="ru-RU" sz="1200" b="1" i="0" kern="1200" dirty="0" smtClean="0">
-                <a:solidFill>
-                  <a:schemeClr val="tx1"/>
-                </a:solidFill>
-                <a:effectLst/>
-                <a:latin typeface="+mn-lt"/>
-                <a:ea typeface="+mn-ea"/>
-                <a:cs typeface="+mn-cs"/>
-              </a:rPr>
-              <a:t>— </a:t>
-            </a:r>
-            <a:r>
-              <a:rPr lang="ru-RU" sz="1200" b="1" i="0" kern="1200" dirty="0" err="1" smtClean="0">
-                <a:solidFill>
-                  <a:schemeClr val="tx1"/>
-                </a:solidFill>
-                <a:effectLst/>
-                <a:latin typeface="+mn-lt"/>
-                <a:ea typeface="+mn-ea"/>
-                <a:cs typeface="+mn-cs"/>
-              </a:rPr>
-              <a:t>fake</a:t>
-            </a:r>
-            <a:r>
-              <a:rPr lang="ru-RU" sz="1200" b="1" i="0" kern="1200" dirty="0" smtClean="0">
-                <a:solidFill>
-                  <a:schemeClr val="tx1"/>
-                </a:solidFill>
-                <a:effectLst/>
-                <a:latin typeface="+mn-lt"/>
-                <a:ea typeface="+mn-ea"/>
-                <a:cs typeface="+mn-cs"/>
-              </a:rPr>
-              <a:t> </a:t>
-            </a:r>
-            <a:r>
-              <a:rPr lang="ru-RU" sz="1200" b="1" i="0" kern="1200" dirty="0" err="1" smtClean="0">
-                <a:solidFill>
-                  <a:schemeClr val="tx1"/>
-                </a:solidFill>
-                <a:effectLst/>
-                <a:latin typeface="+mn-lt"/>
-                <a:ea typeface="+mn-ea"/>
-                <a:cs typeface="+mn-cs"/>
-              </a:rPr>
-              <a:t>object</a:t>
-            </a:r>
-            <a:r>
-              <a:rPr lang="ru-RU" sz="1200" b="0" i="0" kern="1200" dirty="0" smtClean="0">
-                <a:solidFill>
-                  <a:schemeClr val="tx1"/>
-                </a:solidFill>
-                <a:effectLst/>
-                <a:latin typeface="+mn-lt"/>
-                <a:ea typeface="+mn-ea"/>
-                <a:cs typeface="+mn-cs"/>
-              </a:rPr>
-              <a:t> (фальшивый объект), используется в основном чтобы запускать (</a:t>
-            </a:r>
-            <a:r>
-              <a:rPr lang="ru-RU" sz="1200" b="0" i="0" kern="1200" dirty="0" err="1" smtClean="0">
-                <a:solidFill>
-                  <a:schemeClr val="tx1"/>
-                </a:solidFill>
-                <a:effectLst/>
-                <a:latin typeface="+mn-lt"/>
-                <a:ea typeface="+mn-ea"/>
-                <a:cs typeface="+mn-cs"/>
-              </a:rPr>
-              <a:t>незапускаемые</a:t>
-            </a:r>
-            <a:r>
-              <a:rPr lang="ru-RU" sz="1200" b="0" i="0" kern="1200" dirty="0" smtClean="0">
-                <a:solidFill>
-                  <a:schemeClr val="tx1"/>
-                </a:solidFill>
-                <a:effectLst/>
-                <a:latin typeface="+mn-lt"/>
-                <a:ea typeface="+mn-ea"/>
-                <a:cs typeface="+mn-cs"/>
-              </a:rPr>
-              <a:t>) тесты (быстрее) и ускорения их работы. Эдакая замена тяжеловесного внешнего зависимого объекта его легковесной реализацией. Основные примеры — эмулятор для конкретного приложения БД в памяти (</a:t>
-            </a:r>
-            <a:r>
-              <a:rPr lang="ru-RU" sz="1200" b="0" i="0" kern="1200" dirty="0" err="1" smtClean="0">
-                <a:solidFill>
-                  <a:schemeClr val="tx1"/>
-                </a:solidFill>
-                <a:effectLst/>
-                <a:latin typeface="+mn-lt"/>
-                <a:ea typeface="+mn-ea"/>
-                <a:cs typeface="+mn-cs"/>
-              </a:rPr>
-              <a:t>fake</a:t>
-            </a:r>
-            <a:r>
-              <a:rPr lang="ru-RU" sz="1200" b="0" i="0" kern="1200" dirty="0" smtClean="0">
-                <a:solidFill>
-                  <a:schemeClr val="tx1"/>
-                </a:solidFill>
-                <a:effectLst/>
-                <a:latin typeface="+mn-lt"/>
-                <a:ea typeface="+mn-ea"/>
-                <a:cs typeface="+mn-cs"/>
-              </a:rPr>
-              <a:t> </a:t>
-            </a:r>
-            <a:r>
-              <a:rPr lang="ru-RU" sz="1200" b="0" i="0" kern="1200" dirty="0" err="1" smtClean="0">
-                <a:solidFill>
-                  <a:schemeClr val="tx1"/>
-                </a:solidFill>
-                <a:effectLst/>
-                <a:latin typeface="+mn-lt"/>
-                <a:ea typeface="+mn-ea"/>
-                <a:cs typeface="+mn-cs"/>
-              </a:rPr>
-              <a:t>database</a:t>
-            </a:r>
-            <a:r>
-              <a:rPr lang="ru-RU" sz="1200" b="0" i="0" kern="1200" dirty="0" smtClean="0">
-                <a:solidFill>
-                  <a:schemeClr val="tx1"/>
-                </a:solidFill>
-                <a:effectLst/>
-                <a:latin typeface="+mn-lt"/>
-                <a:ea typeface="+mn-ea"/>
-                <a:cs typeface="+mn-cs"/>
-              </a:rPr>
-              <a:t>) или фальшивый </a:t>
-            </a:r>
-            <a:r>
-              <a:rPr lang="ru-RU" sz="1200" b="0" i="0" kern="1200" dirty="0" err="1" smtClean="0">
-                <a:solidFill>
-                  <a:schemeClr val="tx1"/>
-                </a:solidFill>
-                <a:effectLst/>
-                <a:latin typeface="+mn-lt"/>
-                <a:ea typeface="+mn-ea"/>
-                <a:cs typeface="+mn-cs"/>
-              </a:rPr>
-              <a:t>вебсервис</a:t>
-            </a:r>
-            <a:r>
-              <a:rPr lang="ru-RU" sz="1200" b="0" i="0" kern="1200" dirty="0" smtClean="0">
-                <a:solidFill>
-                  <a:schemeClr val="tx1"/>
-                </a:solidFill>
-                <a:effectLst/>
-                <a:latin typeface="+mn-lt"/>
-                <a:ea typeface="+mn-ea"/>
-                <a:cs typeface="+mn-cs"/>
-              </a:rPr>
-              <a:t>.</a:t>
-            </a:r>
-            <a:endParaRPr lang="en-US" sz="1200" b="0" i="0" kern="1200" dirty="0" smtClean="0">
-              <a:solidFill>
-                <a:schemeClr val="tx1"/>
-              </a:solidFill>
-              <a:effectLst/>
-              <a:latin typeface="+mn-lt"/>
-              <a:ea typeface="+mn-ea"/>
-              <a:cs typeface="+mn-cs"/>
-            </a:endParaRPr>
-          </a:p>
-          <a:p>
-            <a:r>
-              <a:rPr lang="ru-RU" sz="1200" b="0" i="0" kern="1200" dirty="0" smtClean="0">
-                <a:solidFill>
-                  <a:schemeClr val="tx1"/>
-                </a:solidFill>
-                <a:effectLst/>
-                <a:latin typeface="+mn-lt"/>
-                <a:ea typeface="+mn-ea"/>
-                <a:cs typeface="+mn-cs"/>
-              </a:rPr>
-              <a:t>Кент </a:t>
-            </a:r>
-            <a:r>
-              <a:rPr lang="ru-RU" sz="1200" b="0" i="0" kern="1200" dirty="0" err="1" smtClean="0">
-                <a:solidFill>
-                  <a:schemeClr val="tx1"/>
-                </a:solidFill>
-                <a:effectLst/>
-                <a:latin typeface="+mn-lt"/>
-                <a:ea typeface="+mn-ea"/>
-                <a:cs typeface="+mn-cs"/>
-              </a:rPr>
-              <a:t>Бэк</a:t>
+              <a:t>mocks</a:t>
             </a:r>
             <a:endParaRPr lang="ru-RU" sz="1200" b="0" i="0" kern="1200" dirty="0" smtClean="0">
               <a:solidFill>
@@ -10613,17 +9921,6 @@
             </a:endParaRPr>
           </a:p>
           <a:p>
-            <a:endParaRPr lang="ru-RU" sz="1200" b="0" i="0" kern="1200" dirty="0" smtClean="0">
-              <a:solidFill>
-                <a:schemeClr val="tx1"/>
-              </a:solidFill>
-              <a:effectLst/>
-              <a:latin typeface="+mn-lt"/>
-              <a:ea typeface="+mn-ea"/>
-              <a:cs typeface="+mn-cs"/>
-            </a:endParaRPr>
-          </a:p>
-          <a:p>
             <a:r>
               <a:rPr lang="ru-RU" sz="1200" b="0" i="0" kern="1200" dirty="0" smtClean="0">
                 <a:solidFill>
@@ -10634,10 +9931,10 @@
                 <a:ea typeface="+mn-ea"/>
                 <a:cs typeface="+mn-cs"/>
               </a:rPr>
-              <a:t>Глобально модульные тесты можно условно поделить на две группы: тесты состояния (</a:t>
-            </a:r>
-            <a:r>
-              <a:rPr lang="ru-RU" sz="1200" b="0" i="1" kern="1200" dirty="0" err="1" smtClean="0">
+              <a:t>Мы переписали класс и теперь можем подсунуть контроллеру другие реализации зависимостей, которые не станут лезть в базу, смотреть </a:t>
+            </a:r>
+            <a:r>
+              <a:rPr lang="ru-RU" sz="1200" b="0" i="0" kern="1200" dirty="0" err="1" smtClean="0">
                 <a:solidFill>
                   <a:schemeClr val="tx1"/>
                 </a:solidFill>
@@ -10646,10 +9943,10 @@
                 <a:ea typeface="+mn-ea"/>
                 <a:cs typeface="+mn-cs"/>
               </a:rPr>
-              <a:t>state</a:t>
-            </a:r>
-            <a:r>
-              <a:rPr lang="ru-RU" sz="1200" b="0" i="1" kern="1200" dirty="0" smtClean="0">
+              <a:t>конфиги</a:t>
+            </a:r>
+            <a:r>
+              <a:rPr lang="ru-RU" sz="1200" b="0" i="0" kern="1200" dirty="0" smtClean="0">
                 <a:solidFill>
                   <a:schemeClr val="tx1"/>
                 </a:solidFill>
@@ -10658,1316 +9955,7 @@
                 <a:ea typeface="+mn-ea"/>
                 <a:cs typeface="+mn-cs"/>
               </a:rPr>
-              <a:t> </a:t>
-            </a:r>
-            <a:r>
-              <a:rPr lang="ru-RU" sz="1200" b="0" i="1" kern="1200" dirty="0" err="1" smtClean="0">
-                <a:solidFill>
-                  <a:schemeClr val="tx1"/>
-                </a:solidFill>
-                <a:effectLst/>
-                <a:latin typeface="+mn-lt"/>
-                <a:ea typeface="+mn-ea"/>
-                <a:cs typeface="+mn-cs"/>
-              </a:rPr>
-              <a:t>based</a:t>
-            </a:r>
-            <a:r>
-              <a:rPr lang="ru-RU" sz="1200" b="0" i="0" kern="1200" dirty="0" smtClean="0">
-                <a:solidFill>
-                  <a:schemeClr val="tx1"/>
-                </a:solidFill>
-                <a:effectLst/>
-                <a:latin typeface="+mn-lt"/>
-                <a:ea typeface="+mn-ea"/>
-                <a:cs typeface="+mn-cs"/>
-              </a:rPr>
-              <a:t>) и тесты взаимодействия (</a:t>
-            </a:r>
-            <a:r>
-              <a:rPr lang="ru-RU" sz="1200" b="0" i="1" kern="1200" dirty="0" err="1" smtClean="0">
-                <a:solidFill>
-                  <a:schemeClr val="tx1"/>
-                </a:solidFill>
-                <a:effectLst/>
-                <a:latin typeface="+mn-lt"/>
-                <a:ea typeface="+mn-ea"/>
-                <a:cs typeface="+mn-cs"/>
-              </a:rPr>
-              <a:t>interaction</a:t>
-            </a:r>
-            <a:r>
-              <a:rPr lang="ru-RU" sz="1200" b="0" i="1" kern="1200" dirty="0" smtClean="0">
-                <a:solidFill>
-                  <a:schemeClr val="tx1"/>
-                </a:solidFill>
-                <a:effectLst/>
-                <a:latin typeface="+mn-lt"/>
-                <a:ea typeface="+mn-ea"/>
-                <a:cs typeface="+mn-cs"/>
-              </a:rPr>
-              <a:t> </a:t>
-            </a:r>
-            <a:r>
-              <a:rPr lang="ru-RU" sz="1200" b="0" i="1" kern="1200" dirty="0" err="1" smtClean="0">
-                <a:solidFill>
-                  <a:schemeClr val="tx1"/>
-                </a:solidFill>
-                <a:effectLst/>
-                <a:latin typeface="+mn-lt"/>
-                <a:ea typeface="+mn-ea"/>
-                <a:cs typeface="+mn-cs"/>
-              </a:rPr>
-              <a:t>tests</a:t>
-            </a:r>
-            <a:r>
-              <a:rPr lang="ru-RU" sz="1200" b="0" i="0" kern="1200" dirty="0" smtClean="0">
-                <a:solidFill>
-                  <a:schemeClr val="tx1"/>
-                </a:solidFill>
-                <a:effectLst/>
-                <a:latin typeface="+mn-lt"/>
-                <a:ea typeface="+mn-ea"/>
-                <a:cs typeface="+mn-cs"/>
-              </a:rPr>
-              <a:t>).</a:t>
-            </a:r>
-            <a:endParaRPr lang="en-US" sz="1200" b="0" i="0" kern="1200" dirty="0" smtClean="0">
-              <a:solidFill>
-                <a:schemeClr val="tx1"/>
-              </a:solidFill>
-              <a:effectLst/>
-              <a:latin typeface="+mn-lt"/>
-              <a:ea typeface="+mn-ea"/>
-              <a:cs typeface="+mn-cs"/>
-            </a:endParaRPr>
-          </a:p>
-          <a:p>
-            <a:r>
-              <a:rPr lang="ru-RU" sz="1200" b="1" i="0" kern="1200" dirty="0" smtClean="0">
-                <a:solidFill>
-                  <a:schemeClr val="tx1"/>
-                </a:solidFill>
-                <a:effectLst/>
-                <a:latin typeface="+mn-lt"/>
-                <a:ea typeface="+mn-ea"/>
-                <a:cs typeface="+mn-cs"/>
-              </a:rPr>
-              <a:t>Тесты состояния</a:t>
-            </a:r>
-            <a:r>
-              <a:rPr lang="ru-RU" sz="1200" b="0" i="0" kern="1200" dirty="0" smtClean="0">
-                <a:solidFill>
-                  <a:schemeClr val="tx1"/>
-                </a:solidFill>
-                <a:effectLst/>
-                <a:latin typeface="+mn-lt"/>
-                <a:ea typeface="+mn-ea"/>
-                <a:cs typeface="+mn-cs"/>
-              </a:rPr>
-              <a:t> — тесты, проверяющие что вызываемый метод объекта отработал корректно, проверяя состояние тестируемого объекта после вызова метода.</a:t>
-            </a:r>
-            <a:r>
-              <a:rPr lang="ru-RU" dirty="0" smtClean="0"/>
-              <a:t/>
-            </a:r>
-            <a:br>
-              <a:rPr lang="ru-RU" dirty="0" smtClean="0"/>
-            </a:br>
-            <a:r>
-              <a:rPr lang="en-US" b="1" dirty="0" smtClean="0"/>
-              <a:t>State verification</a:t>
-            </a:r>
-          </a:p>
-          <a:p>
-            <a:r>
-              <a:rPr lang="ru-RU" dirty="0" smtClean="0"/>
-              <a:t/>
-            </a:r>
-            <a:br>
-              <a:rPr lang="ru-RU" dirty="0" smtClean="0"/>
-            </a:br>
-            <a:r>
-              <a:rPr lang="ru-RU" sz="1200" b="1" i="0" kern="1200" dirty="0" smtClean="0">
-                <a:solidFill>
-                  <a:schemeClr val="tx1"/>
-                </a:solidFill>
-                <a:effectLst/>
-                <a:latin typeface="+mn-lt"/>
-                <a:ea typeface="+mn-ea"/>
-                <a:cs typeface="+mn-cs"/>
-              </a:rPr>
-              <a:t>Тесты взаимодействия</a:t>
-            </a:r>
-            <a:r>
-              <a:rPr lang="ru-RU" sz="1200" b="0" i="0" kern="1200" dirty="0" smtClean="0">
-                <a:solidFill>
-                  <a:schemeClr val="tx1"/>
-                </a:solidFill>
-                <a:effectLst/>
-                <a:latin typeface="+mn-lt"/>
-                <a:ea typeface="+mn-ea"/>
-                <a:cs typeface="+mn-cs"/>
-              </a:rPr>
-              <a:t> — это тесты, в которых тестируемый объект производит манипуляции с другими объектами. Применяются, когда требуется удостовериться, что тестируемый объект корректно взаимодействует с другими объектами.</a:t>
-            </a:r>
-            <a:r>
-              <a:rPr lang="ru-RU" dirty="0" smtClean="0"/>
-              <a:t/>
-            </a:r>
-            <a:br>
-              <a:rPr lang="ru-RU" dirty="0" smtClean="0"/>
-            </a:br>
-            <a:r>
-              <a:rPr lang="en-US" b="1" dirty="0" smtClean="0"/>
-              <a:t>Behavior</a:t>
-            </a:r>
-            <a:r>
-              <a:rPr lang="en-US" b="1" baseline="0" dirty="0" smtClean="0"/>
-              <a:t> verification</a:t>
-            </a:r>
-          </a:p>
-          <a:p>
-            <a:r>
-              <a:rPr lang="ru-RU" dirty="0" smtClean="0"/>
-              <a:t/>
-            </a:r>
-            <a:br>
-              <a:rPr lang="ru-RU" dirty="0" smtClean="0"/>
-            </a:br>
-            <a:r>
-              <a:rPr lang="ru-RU" sz="1200" b="0" i="0" kern="1200" dirty="0" smtClean="0">
-                <a:solidFill>
-                  <a:schemeClr val="tx1"/>
-                </a:solidFill>
-                <a:effectLst/>
-                <a:latin typeface="+mn-lt"/>
-                <a:ea typeface="+mn-ea"/>
-                <a:cs typeface="+mn-cs"/>
-              </a:rPr>
-              <a:t>Стоит также заметить, что модульный (</a:t>
-            </a:r>
-            <a:r>
-              <a:rPr lang="ru-RU" sz="1200" b="0" i="0" kern="1200" dirty="0" err="1" smtClean="0">
-                <a:solidFill>
-                  <a:schemeClr val="tx1"/>
-                </a:solidFill>
-                <a:effectLst/>
-                <a:latin typeface="+mn-lt"/>
-                <a:ea typeface="+mn-ea"/>
-                <a:cs typeface="+mn-cs"/>
-              </a:rPr>
-              <a:t>unit</a:t>
-            </a:r>
-            <a:r>
-              <a:rPr lang="ru-RU" sz="1200" b="0" i="0" kern="1200" dirty="0" smtClean="0">
-                <a:solidFill>
-                  <a:schemeClr val="tx1"/>
-                </a:solidFill>
-                <a:effectLst/>
-                <a:latin typeface="+mn-lt"/>
-                <a:ea typeface="+mn-ea"/>
-                <a:cs typeface="+mn-cs"/>
-              </a:rPr>
-              <a:t>) тест может запросто превратиться в интеграционный тест, если при тестировании используется реальное окружение(внешние зависимости) — такие как база данных, файловая система и т.д. </a:t>
-            </a:r>
-            <a:endParaRPr lang="en-US" sz="1200" b="0" i="0" kern="1200" dirty="0" smtClean="0">
-              <a:solidFill>
-                <a:schemeClr val="tx1"/>
-              </a:solidFill>
-              <a:effectLst/>
-              <a:latin typeface="+mn-lt"/>
-              <a:ea typeface="+mn-ea"/>
-              <a:cs typeface="+mn-cs"/>
-            </a:endParaRPr>
-          </a:p>
-          <a:p>
-            <a:endParaRPr lang="en-US" sz="1200" b="0" i="0" kern="1200" dirty="0" smtClean="0">
-              <a:solidFill>
-                <a:schemeClr val="tx1"/>
-              </a:solidFill>
-              <a:effectLst/>
-              <a:latin typeface="+mn-lt"/>
-              <a:ea typeface="+mn-ea"/>
-              <a:cs typeface="+mn-cs"/>
-            </a:endParaRPr>
-          </a:p>
-          <a:p>
-            <a:r>
-              <a:rPr lang="ru-RU" dirty="0" smtClean="0"/>
-              <a:t/>
-            </a:r>
-            <a:br>
-              <a:rPr lang="ru-RU" dirty="0" smtClean="0"/>
-            </a:br>
-            <a:r>
-              <a:rPr lang="ru-RU" sz="1200" b="1" i="0" kern="1200" dirty="0" smtClean="0">
-                <a:solidFill>
-                  <a:schemeClr val="tx1"/>
-                </a:solidFill>
-                <a:effectLst/>
-                <a:latin typeface="+mn-lt"/>
-                <a:ea typeface="+mn-ea"/>
-                <a:cs typeface="+mn-cs"/>
-              </a:rPr>
-              <a:t>Интеграционные тесты</a:t>
-            </a:r>
-            <a:r>
-              <a:rPr lang="ru-RU" sz="1200" b="0" i="0" kern="1200" dirty="0" smtClean="0">
-                <a:solidFill>
-                  <a:schemeClr val="tx1"/>
-                </a:solidFill>
-                <a:effectLst/>
-                <a:latin typeface="+mn-lt"/>
-                <a:ea typeface="+mn-ea"/>
-                <a:cs typeface="+mn-cs"/>
-              </a:rPr>
-              <a:t> — это тесты, проверяющие работоспособность двух или более модулей системы, но </a:t>
-            </a:r>
-            <a:r>
-              <a:rPr lang="ru-RU" sz="1200" b="0" i="1" kern="1200" dirty="0" smtClean="0">
-                <a:solidFill>
-                  <a:schemeClr val="tx1"/>
-                </a:solidFill>
-                <a:effectLst/>
-                <a:latin typeface="+mn-lt"/>
-                <a:ea typeface="+mn-ea"/>
-                <a:cs typeface="+mn-cs"/>
-              </a:rPr>
-              <a:t>в совокупности</a:t>
-            </a:r>
-            <a:r>
-              <a:rPr lang="ru-RU" sz="1200" b="0" i="0" kern="1200" dirty="0" smtClean="0">
-                <a:solidFill>
-                  <a:schemeClr val="tx1"/>
-                </a:solidFill>
-                <a:effectLst/>
-                <a:latin typeface="+mn-lt"/>
-                <a:ea typeface="+mn-ea"/>
-                <a:cs typeface="+mn-cs"/>
-              </a:rPr>
-              <a:t> — то есть нескольких объектов как единого блока. </a:t>
-            </a:r>
-            <a:r>
-              <a:rPr lang="ru-RU" dirty="0" smtClean="0"/>
-              <a:t/>
-            </a:r>
-            <a:br>
-              <a:rPr lang="ru-RU" dirty="0" smtClean="0"/>
-            </a:br>
-            <a:r>
-              <a:rPr lang="ru-RU" sz="1200" b="0" i="0" kern="1200" dirty="0" smtClean="0">
-                <a:solidFill>
-                  <a:schemeClr val="tx1"/>
-                </a:solidFill>
-                <a:effectLst/>
-                <a:latin typeface="+mn-lt"/>
-                <a:ea typeface="+mn-ea"/>
-                <a:cs typeface="+mn-cs"/>
-              </a:rPr>
-              <a:t>В тестах взаимодействия же тестируется конкретный, определенный объект и то, как именно он взаимодействует с внешними зависимостями.</a:t>
-            </a:r>
-            <a:r>
-              <a:rPr lang="ru-RU" dirty="0" smtClean="0"/>
-              <a:t/>
-            </a:r>
-            <a:br>
-              <a:rPr lang="ru-RU" dirty="0" smtClean="0"/>
-            </a:br>
-            <a:r>
-              <a:rPr lang="ru-RU" dirty="0" smtClean="0"/>
-              <a:t/>
-            </a:r>
-            <a:br>
-              <a:rPr lang="ru-RU" dirty="0" smtClean="0"/>
-            </a:br>
-            <a:r>
-              <a:rPr lang="ru-RU" sz="1200" b="0" i="1" kern="1200" dirty="0" smtClean="0">
-                <a:solidFill>
-                  <a:schemeClr val="tx1"/>
-                </a:solidFill>
-                <a:effectLst/>
-                <a:latin typeface="+mn-lt"/>
-                <a:ea typeface="+mn-ea"/>
-                <a:cs typeface="+mn-cs"/>
-              </a:rPr>
-              <a:t>Внешняя зависимость</a:t>
-            </a:r>
-            <a:r>
-              <a:rPr lang="ru-RU" sz="1200" b="0" i="0" kern="1200" dirty="0" smtClean="0">
-                <a:solidFill>
-                  <a:schemeClr val="tx1"/>
-                </a:solidFill>
-                <a:effectLst/>
-                <a:latin typeface="+mn-lt"/>
-                <a:ea typeface="+mn-ea"/>
-                <a:cs typeface="+mn-cs"/>
-              </a:rPr>
-              <a:t> — это объект, с которым взаимодействует код и над которым нет прямого контроля. Для ликвидации внешних зависимостей в модульных тестах используются тестовые объекты, например такие как </a:t>
-            </a:r>
-            <a:r>
-              <a:rPr lang="en-US" sz="1200" b="0" i="0" kern="1200" dirty="0" smtClean="0">
-                <a:solidFill>
-                  <a:schemeClr val="tx1"/>
-                </a:solidFill>
-                <a:effectLst/>
-                <a:latin typeface="+mn-lt"/>
-                <a:ea typeface="+mn-ea"/>
-                <a:cs typeface="+mn-cs"/>
-              </a:rPr>
-              <a:t>test-doubles</a:t>
-            </a:r>
-            <a:r>
-              <a:rPr lang="ru-RU" sz="1200" b="0" i="0" kern="1200" dirty="0" smtClean="0">
-                <a:solidFill>
-                  <a:schemeClr val="tx1"/>
-                </a:solidFill>
-                <a:effectLst/>
-                <a:latin typeface="+mn-lt"/>
-                <a:ea typeface="+mn-ea"/>
-                <a:cs typeface="+mn-cs"/>
-              </a:rPr>
-              <a:t>.</a:t>
-            </a:r>
-            <a:endParaRPr lang="en-US" sz="1200" b="0" i="0" kern="1200" dirty="0" smtClean="0">
-              <a:solidFill>
-                <a:schemeClr val="tx1"/>
-              </a:solidFill>
-              <a:effectLst/>
-              <a:latin typeface="+mn-lt"/>
-              <a:ea typeface="+mn-ea"/>
-              <a:cs typeface="+mn-cs"/>
-            </a:endParaRPr>
-          </a:p>
-          <a:p>
-            <a:endParaRPr lang="en-US" sz="1200" b="0" i="0" kern="1200" dirty="0" smtClean="0">
-              <a:solidFill>
-                <a:schemeClr val="tx1"/>
-              </a:solidFill>
-              <a:effectLst/>
-              <a:latin typeface="+mn-lt"/>
-              <a:ea typeface="+mn-ea"/>
-              <a:cs typeface="+mn-cs"/>
-            </a:endParaRPr>
-          </a:p>
-          <a:p>
-            <a:r>
-              <a:rPr lang="ru-RU" sz="1200" b="0" i="0" kern="1200" dirty="0" smtClean="0">
-                <a:solidFill>
-                  <a:schemeClr val="tx1"/>
-                </a:solidFill>
-                <a:effectLst/>
-                <a:latin typeface="+mn-lt"/>
-                <a:ea typeface="+mn-ea"/>
-                <a:cs typeface="+mn-cs"/>
-              </a:rPr>
-              <a:t>Как я уже писал в </a:t>
-            </a:r>
-            <a:r>
-              <a:rPr lang="ru-RU" sz="1200" b="0" i="0" u="none" strike="noStrike" kern="1200" dirty="0" smtClean="0">
-                <a:solidFill>
-                  <a:schemeClr val="tx1"/>
-                </a:solidFill>
-                <a:effectLst/>
-                <a:latin typeface="+mn-lt"/>
-                <a:ea typeface="+mn-ea"/>
-                <a:cs typeface="+mn-cs"/>
-              </a:rPr>
-              <a:t>предыдущем посте об unit-тестировании</a:t>
-            </a:r>
-            <a:r>
-              <a:rPr lang="ru-RU" sz="1200" b="0" i="0" kern="1200" dirty="0" smtClean="0">
-                <a:solidFill>
-                  <a:schemeClr val="tx1"/>
-                </a:solidFill>
-                <a:effectLst/>
-                <a:latin typeface="+mn-lt"/>
-                <a:ea typeface="+mn-ea"/>
-                <a:cs typeface="+mn-cs"/>
-              </a:rPr>
-              <a:t>, иногда, для того, чтобы протестировать какой-нибудь кусок кода (например, метод), нужно довольно сильно постараться. Причем, это еще не тот вид извращений, когда вы тестируете методы UI, проблемы могут начаться с тестирования бизнес-логики. Дело в том, что очень часто тестируемый метод может вызывать методы других классов, которые в данном случае тестировать не нужно. </a:t>
-            </a:r>
-            <a:r>
-              <a:rPr lang="ru-RU" sz="1200" b="0" i="0" kern="1200" dirty="0" err="1" smtClean="0">
-                <a:solidFill>
-                  <a:schemeClr val="tx1"/>
-                </a:solidFill>
-                <a:effectLst/>
-                <a:latin typeface="+mn-lt"/>
-                <a:ea typeface="+mn-ea"/>
-                <a:cs typeface="+mn-cs"/>
-              </a:rPr>
-              <a:t>Unit</a:t>
-            </a:r>
-            <a:r>
-              <a:rPr lang="ru-RU" sz="1200" b="0" i="0" kern="1200" dirty="0" smtClean="0">
-                <a:solidFill>
-                  <a:schemeClr val="tx1"/>
-                </a:solidFill>
-                <a:effectLst/>
-                <a:latin typeface="+mn-lt"/>
-                <a:ea typeface="+mn-ea"/>
-                <a:cs typeface="+mn-cs"/>
-              </a:rPr>
-              <a:t>-тест потому и называется модульным, что тестирует отдельные модули, а не их взаимодействие. Причем, чем меньше тестируемый модуль – тем лучше с точки зрения будущей поддержки тестов. Для тестирования взаимодействия используются интеграционные тесты, где вы уже тестируете скорее полные </a:t>
-            </a:r>
-            <a:r>
-              <a:rPr lang="ru-RU" sz="1200" b="0" i="0" kern="1200" dirty="0" err="1" smtClean="0">
-                <a:solidFill>
-                  <a:schemeClr val="tx1"/>
-                </a:solidFill>
-                <a:effectLst/>
-                <a:latin typeface="+mn-lt"/>
-                <a:ea typeface="+mn-ea"/>
-                <a:cs typeface="+mn-cs"/>
-              </a:rPr>
-              <a:t>use</a:t>
-            </a:r>
-            <a:r>
-              <a:rPr lang="ru-RU" sz="1200" b="0" i="0" kern="1200" dirty="0" smtClean="0">
-                <a:solidFill>
-                  <a:schemeClr val="tx1"/>
-                </a:solidFill>
-                <a:effectLst/>
-                <a:latin typeface="+mn-lt"/>
-                <a:ea typeface="+mn-ea"/>
-                <a:cs typeface="+mn-cs"/>
-              </a:rPr>
-              <a:t> </a:t>
-            </a:r>
-            <a:r>
-              <a:rPr lang="ru-RU" sz="1200" b="0" i="0" kern="1200" dirty="0" err="1" smtClean="0">
-                <a:solidFill>
-                  <a:schemeClr val="tx1"/>
-                </a:solidFill>
-                <a:effectLst/>
-                <a:latin typeface="+mn-lt"/>
-                <a:ea typeface="+mn-ea"/>
-                <a:cs typeface="+mn-cs"/>
-              </a:rPr>
-              <a:t>cases</a:t>
-            </a:r>
-            <a:r>
-              <a:rPr lang="ru-RU" sz="1200" b="0" i="0" kern="1200" dirty="0" smtClean="0">
-                <a:solidFill>
-                  <a:schemeClr val="tx1"/>
-                </a:solidFill>
-                <a:effectLst/>
-                <a:latin typeface="+mn-lt"/>
-                <a:ea typeface="+mn-ea"/>
-                <a:cs typeface="+mn-cs"/>
-              </a:rPr>
-              <a:t>, а не отдельную функциональность.</a:t>
-            </a:r>
-          </a:p>
-          <a:p>
-            <a:r>
-              <a:rPr lang="ru-RU" sz="1200" b="0" i="0" kern="1200" dirty="0" smtClean="0">
-                <a:solidFill>
-                  <a:schemeClr val="tx1"/>
-                </a:solidFill>
-                <a:effectLst/>
-                <a:latin typeface="+mn-lt"/>
-                <a:ea typeface="+mn-ea"/>
-                <a:cs typeface="+mn-cs"/>
-              </a:rPr>
-              <a:t>Однако наши классы очень часто используют другие классы в своей работе. Например, слой бизнес логики (</a:t>
-            </a:r>
-            <a:r>
-              <a:rPr lang="ru-RU" sz="1200" b="0" i="0" kern="1200" dirty="0" err="1" smtClean="0">
-                <a:solidFill>
-                  <a:schemeClr val="tx1"/>
-                </a:solidFill>
-                <a:effectLst/>
-                <a:latin typeface="+mn-lt"/>
-                <a:ea typeface="+mn-ea"/>
-                <a:cs typeface="+mn-cs"/>
-              </a:rPr>
-              <a:t>Business</a:t>
-            </a:r>
-            <a:r>
-              <a:rPr lang="ru-RU" sz="1200" b="0" i="0" kern="1200" dirty="0" smtClean="0">
-                <a:solidFill>
-                  <a:schemeClr val="tx1"/>
-                </a:solidFill>
-                <a:effectLst/>
-                <a:latin typeface="+mn-lt"/>
-                <a:ea typeface="+mn-ea"/>
-                <a:cs typeface="+mn-cs"/>
-              </a:rPr>
-              <a:t> </a:t>
-            </a:r>
-            <a:r>
-              <a:rPr lang="ru-RU" sz="1200" b="0" i="0" kern="1200" dirty="0" err="1" smtClean="0">
-                <a:solidFill>
-                  <a:schemeClr val="tx1"/>
-                </a:solidFill>
-                <a:effectLst/>
-                <a:latin typeface="+mn-lt"/>
-                <a:ea typeface="+mn-ea"/>
-                <a:cs typeface="+mn-cs"/>
-              </a:rPr>
-              <a:t>Logic</a:t>
-            </a:r>
-            <a:r>
-              <a:rPr lang="ru-RU" sz="1200" b="0" i="0" kern="1200" dirty="0" smtClean="0">
-                <a:solidFill>
-                  <a:schemeClr val="tx1"/>
-                </a:solidFill>
-                <a:effectLst/>
-                <a:latin typeface="+mn-lt"/>
-                <a:ea typeface="+mn-ea"/>
-                <a:cs typeface="+mn-cs"/>
-              </a:rPr>
-              <a:t> </a:t>
-            </a:r>
-            <a:r>
-              <a:rPr lang="ru-RU" sz="1200" b="0" i="0" kern="1200" dirty="0" err="1" smtClean="0">
-                <a:solidFill>
-                  <a:schemeClr val="tx1"/>
-                </a:solidFill>
-                <a:effectLst/>
-                <a:latin typeface="+mn-lt"/>
-                <a:ea typeface="+mn-ea"/>
-                <a:cs typeface="+mn-cs"/>
-              </a:rPr>
-              <a:t>layer</a:t>
-            </a:r>
-            <a:r>
-              <a:rPr lang="ru-RU" sz="1200" b="0" i="0" kern="1200" dirty="0" smtClean="0">
-                <a:solidFill>
-                  <a:schemeClr val="tx1"/>
-                </a:solidFill>
-                <a:effectLst/>
-                <a:latin typeface="+mn-lt"/>
-                <a:ea typeface="+mn-ea"/>
-                <a:cs typeface="+mn-cs"/>
-              </a:rPr>
-              <a:t>) часто работает с другими объектами бизнес логики или обращается к слою доступа к данным (</a:t>
-            </a:r>
-            <a:r>
-              <a:rPr lang="ru-RU" sz="1200" b="0" i="0" kern="1200" dirty="0" err="1" smtClean="0">
-                <a:solidFill>
-                  <a:schemeClr val="tx1"/>
-                </a:solidFill>
-                <a:effectLst/>
-                <a:latin typeface="+mn-lt"/>
-                <a:ea typeface="+mn-ea"/>
-                <a:cs typeface="+mn-cs"/>
-              </a:rPr>
-              <a:t>Data</a:t>
-            </a:r>
-            <a:r>
-              <a:rPr lang="ru-RU" sz="1200" b="0" i="0" kern="1200" dirty="0" smtClean="0">
-                <a:solidFill>
-                  <a:schemeClr val="tx1"/>
-                </a:solidFill>
-                <a:effectLst/>
-                <a:latin typeface="+mn-lt"/>
-                <a:ea typeface="+mn-ea"/>
-                <a:cs typeface="+mn-cs"/>
-              </a:rPr>
-              <a:t> </a:t>
-            </a:r>
-            <a:r>
-              <a:rPr lang="ru-RU" sz="1200" b="0" i="0" kern="1200" dirty="0" err="1" smtClean="0">
-                <a:solidFill>
-                  <a:schemeClr val="tx1"/>
-                </a:solidFill>
-                <a:effectLst/>
-                <a:latin typeface="+mn-lt"/>
-                <a:ea typeface="+mn-ea"/>
-                <a:cs typeface="+mn-cs"/>
-              </a:rPr>
-              <a:t>Access</a:t>
-            </a:r>
-            <a:r>
-              <a:rPr lang="ru-RU" sz="1200" b="0" i="0" kern="1200" dirty="0" smtClean="0">
-                <a:solidFill>
-                  <a:schemeClr val="tx1"/>
-                </a:solidFill>
-                <a:effectLst/>
-                <a:latin typeface="+mn-lt"/>
-                <a:ea typeface="+mn-ea"/>
-                <a:cs typeface="+mn-cs"/>
-              </a:rPr>
-              <a:t> </a:t>
-            </a:r>
-            <a:r>
-              <a:rPr lang="ru-RU" sz="1200" b="0" i="0" kern="1200" dirty="0" err="1" smtClean="0">
-                <a:solidFill>
-                  <a:schemeClr val="tx1"/>
-                </a:solidFill>
-                <a:effectLst/>
-                <a:latin typeface="+mn-lt"/>
-                <a:ea typeface="+mn-ea"/>
-                <a:cs typeface="+mn-cs"/>
-              </a:rPr>
-              <a:t>layer</a:t>
-            </a:r>
-            <a:r>
-              <a:rPr lang="ru-RU" sz="1200" b="0" i="0" kern="1200" dirty="0" smtClean="0">
-                <a:solidFill>
-                  <a:schemeClr val="tx1"/>
-                </a:solidFill>
-                <a:effectLst/>
-                <a:latin typeface="+mn-lt"/>
-                <a:ea typeface="+mn-ea"/>
-                <a:cs typeface="+mn-cs"/>
-              </a:rPr>
-              <a:t>). В трехслойной архитектуре веб-приложений это вообще постоянный процесс: </a:t>
-            </a:r>
-            <a:r>
-              <a:rPr lang="ru-RU" sz="1200" b="0" i="0" kern="1200" dirty="0" err="1" smtClean="0">
-                <a:solidFill>
-                  <a:schemeClr val="tx1"/>
-                </a:solidFill>
-                <a:effectLst/>
-                <a:latin typeface="+mn-lt"/>
-                <a:ea typeface="+mn-ea"/>
-                <a:cs typeface="+mn-cs"/>
-              </a:rPr>
-              <a:t>Presentation</a:t>
-            </a:r>
-            <a:r>
-              <a:rPr lang="ru-RU" sz="1200" b="0" i="0" kern="1200" dirty="0" smtClean="0">
-                <a:solidFill>
-                  <a:schemeClr val="tx1"/>
-                </a:solidFill>
-                <a:effectLst/>
-                <a:latin typeface="+mn-lt"/>
-                <a:ea typeface="+mn-ea"/>
-                <a:cs typeface="+mn-cs"/>
-              </a:rPr>
-              <a:t> </a:t>
-            </a:r>
-            <a:r>
-              <a:rPr lang="ru-RU" sz="1200" b="0" i="0" kern="1200" dirty="0" err="1" smtClean="0">
-                <a:solidFill>
-                  <a:schemeClr val="tx1"/>
-                </a:solidFill>
-                <a:effectLst/>
-                <a:latin typeface="+mn-lt"/>
-                <a:ea typeface="+mn-ea"/>
-                <a:cs typeface="+mn-cs"/>
-              </a:rPr>
-              <a:t>layer</a:t>
-            </a:r>
-            <a:r>
-              <a:rPr lang="ru-RU" sz="1200" b="0" i="0" kern="1200" dirty="0" smtClean="0">
-                <a:solidFill>
-                  <a:schemeClr val="tx1"/>
-                </a:solidFill>
-                <a:effectLst/>
-                <a:latin typeface="+mn-lt"/>
-                <a:ea typeface="+mn-ea"/>
-                <a:cs typeface="+mn-cs"/>
-              </a:rPr>
-              <a:t> обращается к </a:t>
-            </a:r>
-            <a:r>
-              <a:rPr lang="ru-RU" sz="1200" b="0" i="0" kern="1200" dirty="0" err="1" smtClean="0">
-                <a:solidFill>
-                  <a:schemeClr val="tx1"/>
-                </a:solidFill>
-                <a:effectLst/>
-                <a:latin typeface="+mn-lt"/>
-                <a:ea typeface="+mn-ea"/>
-                <a:cs typeface="+mn-cs"/>
-              </a:rPr>
-              <a:t>Business</a:t>
-            </a:r>
-            <a:r>
-              <a:rPr lang="ru-RU" sz="1200" b="0" i="0" kern="1200" dirty="0" smtClean="0">
-                <a:solidFill>
-                  <a:schemeClr val="tx1"/>
-                </a:solidFill>
-                <a:effectLst/>
-                <a:latin typeface="+mn-lt"/>
-                <a:ea typeface="+mn-ea"/>
-                <a:cs typeface="+mn-cs"/>
-              </a:rPr>
-              <a:t> </a:t>
-            </a:r>
-            <a:r>
-              <a:rPr lang="ru-RU" sz="1200" b="0" i="0" kern="1200" dirty="0" err="1" smtClean="0">
-                <a:solidFill>
-                  <a:schemeClr val="tx1"/>
-                </a:solidFill>
-                <a:effectLst/>
-                <a:latin typeface="+mn-lt"/>
-                <a:ea typeface="+mn-ea"/>
-                <a:cs typeface="+mn-cs"/>
-              </a:rPr>
-              <a:t>Logic</a:t>
-            </a:r>
-            <a:r>
-              <a:rPr lang="ru-RU" sz="1200" b="0" i="0" kern="1200" dirty="0" smtClean="0">
-                <a:solidFill>
-                  <a:schemeClr val="tx1"/>
-                </a:solidFill>
-                <a:effectLst/>
-                <a:latin typeface="+mn-lt"/>
-                <a:ea typeface="+mn-ea"/>
-                <a:cs typeface="+mn-cs"/>
-              </a:rPr>
-              <a:t> </a:t>
-            </a:r>
-            <a:r>
-              <a:rPr lang="ru-RU" sz="1200" b="0" i="0" kern="1200" dirty="0" err="1" smtClean="0">
-                <a:solidFill>
-                  <a:schemeClr val="tx1"/>
-                </a:solidFill>
-                <a:effectLst/>
-                <a:latin typeface="+mn-lt"/>
-                <a:ea typeface="+mn-ea"/>
-                <a:cs typeface="+mn-cs"/>
-              </a:rPr>
-              <a:t>layer</a:t>
-            </a:r>
-            <a:r>
-              <a:rPr lang="ru-RU" sz="1200" b="0" i="0" kern="1200" dirty="0" smtClean="0">
-                <a:solidFill>
-                  <a:schemeClr val="tx1"/>
-                </a:solidFill>
-                <a:effectLst/>
-                <a:latin typeface="+mn-lt"/>
-                <a:ea typeface="+mn-ea"/>
-                <a:cs typeface="+mn-cs"/>
-              </a:rPr>
-              <a:t>, тот, в свою очередь, к </a:t>
-            </a:r>
-            <a:r>
-              <a:rPr lang="ru-RU" sz="1200" b="0" i="0" kern="1200" dirty="0" err="1" smtClean="0">
-                <a:solidFill>
-                  <a:schemeClr val="tx1"/>
-                </a:solidFill>
-                <a:effectLst/>
-                <a:latin typeface="+mn-lt"/>
-                <a:ea typeface="+mn-ea"/>
-                <a:cs typeface="+mn-cs"/>
-              </a:rPr>
-              <a:t>Data</a:t>
-            </a:r>
-            <a:r>
-              <a:rPr lang="ru-RU" sz="1200" b="0" i="0" kern="1200" dirty="0" smtClean="0">
-                <a:solidFill>
-                  <a:schemeClr val="tx1"/>
-                </a:solidFill>
-                <a:effectLst/>
-                <a:latin typeface="+mn-lt"/>
-                <a:ea typeface="+mn-ea"/>
-                <a:cs typeface="+mn-cs"/>
-              </a:rPr>
-              <a:t> </a:t>
-            </a:r>
-            <a:r>
-              <a:rPr lang="ru-RU" sz="1200" b="0" i="0" kern="1200" dirty="0" err="1" smtClean="0">
-                <a:solidFill>
-                  <a:schemeClr val="tx1"/>
-                </a:solidFill>
-                <a:effectLst/>
-                <a:latin typeface="+mn-lt"/>
-                <a:ea typeface="+mn-ea"/>
-                <a:cs typeface="+mn-cs"/>
-              </a:rPr>
-              <a:t>Access</a:t>
-            </a:r>
-            <a:r>
-              <a:rPr lang="ru-RU" sz="1200" b="0" i="0" kern="1200" dirty="0" smtClean="0">
-                <a:solidFill>
-                  <a:schemeClr val="tx1"/>
-                </a:solidFill>
-                <a:effectLst/>
-                <a:latin typeface="+mn-lt"/>
-                <a:ea typeface="+mn-ea"/>
-                <a:cs typeface="+mn-cs"/>
-              </a:rPr>
-              <a:t> </a:t>
-            </a:r>
-            <a:r>
-              <a:rPr lang="ru-RU" sz="1200" b="0" i="0" kern="1200" dirty="0" err="1" smtClean="0">
-                <a:solidFill>
-                  <a:schemeClr val="tx1"/>
-                </a:solidFill>
-                <a:effectLst/>
-                <a:latin typeface="+mn-lt"/>
-                <a:ea typeface="+mn-ea"/>
-                <a:cs typeface="+mn-cs"/>
-              </a:rPr>
-              <a:t>layer</a:t>
-            </a:r>
-            <a:r>
-              <a:rPr lang="ru-RU" sz="1200" b="0" i="0" kern="1200" dirty="0" smtClean="0">
-                <a:solidFill>
-                  <a:schemeClr val="tx1"/>
-                </a:solidFill>
-                <a:effectLst/>
-                <a:latin typeface="+mn-lt"/>
-                <a:ea typeface="+mn-ea"/>
-                <a:cs typeface="+mn-cs"/>
-              </a:rPr>
-              <a:t>, а </a:t>
-            </a:r>
-            <a:r>
-              <a:rPr lang="ru-RU" sz="1200" b="0" i="0" kern="1200" dirty="0" err="1" smtClean="0">
-                <a:solidFill>
-                  <a:schemeClr val="tx1"/>
-                </a:solidFill>
-                <a:effectLst/>
-                <a:latin typeface="+mn-lt"/>
-                <a:ea typeface="+mn-ea"/>
-                <a:cs typeface="+mn-cs"/>
-              </a:rPr>
-              <a:t>Data</a:t>
-            </a:r>
-            <a:r>
-              <a:rPr lang="ru-RU" sz="1200" b="0" i="0" kern="1200" dirty="0" smtClean="0">
-                <a:solidFill>
-                  <a:schemeClr val="tx1"/>
-                </a:solidFill>
-                <a:effectLst/>
-                <a:latin typeface="+mn-lt"/>
-                <a:ea typeface="+mn-ea"/>
-                <a:cs typeface="+mn-cs"/>
-              </a:rPr>
-              <a:t> </a:t>
-            </a:r>
-            <a:r>
-              <a:rPr lang="ru-RU" sz="1200" b="0" i="0" kern="1200" dirty="0" err="1" smtClean="0">
-                <a:solidFill>
-                  <a:schemeClr val="tx1"/>
-                </a:solidFill>
-                <a:effectLst/>
-                <a:latin typeface="+mn-lt"/>
-                <a:ea typeface="+mn-ea"/>
-                <a:cs typeface="+mn-cs"/>
-              </a:rPr>
-              <a:t>Access</a:t>
-            </a:r>
-            <a:r>
-              <a:rPr lang="ru-RU" sz="1200" b="0" i="0" kern="1200" dirty="0" smtClean="0">
-                <a:solidFill>
-                  <a:schemeClr val="tx1"/>
-                </a:solidFill>
-                <a:effectLst/>
-                <a:latin typeface="+mn-lt"/>
-                <a:ea typeface="+mn-ea"/>
-                <a:cs typeface="+mn-cs"/>
-              </a:rPr>
-              <a:t> </a:t>
-            </a:r>
-            <a:r>
-              <a:rPr lang="ru-RU" sz="1200" b="0" i="0" kern="1200" dirty="0" err="1" smtClean="0">
-                <a:solidFill>
-                  <a:schemeClr val="tx1"/>
-                </a:solidFill>
-                <a:effectLst/>
-                <a:latin typeface="+mn-lt"/>
-                <a:ea typeface="+mn-ea"/>
-                <a:cs typeface="+mn-cs"/>
-              </a:rPr>
-              <a:t>layer</a:t>
-            </a:r>
-            <a:r>
-              <a:rPr lang="ru-RU" sz="1200" b="0" i="0" kern="1200" dirty="0" smtClean="0">
-                <a:solidFill>
-                  <a:schemeClr val="tx1"/>
-                </a:solidFill>
-                <a:effectLst/>
-                <a:latin typeface="+mn-lt"/>
-                <a:ea typeface="+mn-ea"/>
-                <a:cs typeface="+mn-cs"/>
-              </a:rPr>
-              <a:t> – к базе данных. Как же тестировать подобный код, если вызов одного метода влечет за собой цепочку вплоть до базы данных?</a:t>
-            </a:r>
-          </a:p>
-          <a:p>
-            <a:endParaRPr lang="en-US" sz="1200" b="0" i="0" kern="1200" dirty="0" smtClean="0">
-              <a:solidFill>
-                <a:schemeClr val="tx1"/>
-              </a:solidFill>
-              <a:effectLst/>
-              <a:latin typeface="+mn-lt"/>
-              <a:ea typeface="+mn-ea"/>
-              <a:cs typeface="+mn-cs"/>
-            </a:endParaRPr>
-          </a:p>
-          <a:p>
-            <a:endParaRPr lang="en-US" sz="1200" b="0" i="0" kern="1200" dirty="0" smtClean="0">
-              <a:solidFill>
-                <a:schemeClr val="tx1"/>
-              </a:solidFill>
-              <a:effectLst/>
-              <a:latin typeface="+mn-lt"/>
-              <a:ea typeface="+mn-ea"/>
-              <a:cs typeface="+mn-cs"/>
-            </a:endParaRPr>
-          </a:p>
-          <a:p>
-            <a:r>
-              <a:rPr lang="ru-RU" sz="1200" b="0" i="0" kern="1200" dirty="0" smtClean="0">
-                <a:solidFill>
-                  <a:schemeClr val="tx1"/>
-                </a:solidFill>
-                <a:effectLst/>
-                <a:latin typeface="+mn-lt"/>
-                <a:ea typeface="+mn-ea"/>
-                <a:cs typeface="+mn-cs"/>
-              </a:rPr>
-              <a:t>В таких случаях на помощь приходят так называемые </a:t>
-            </a:r>
-            <a:r>
-              <a:rPr lang="ru-RU" sz="1200" b="0" i="0" kern="1200" dirty="0" err="1" smtClean="0">
-                <a:solidFill>
-                  <a:schemeClr val="tx1"/>
-                </a:solidFill>
-                <a:effectLst/>
-                <a:latin typeface="+mn-lt"/>
-                <a:ea typeface="+mn-ea"/>
-                <a:cs typeface="+mn-cs"/>
-              </a:rPr>
-              <a:t>mock</a:t>
-            </a:r>
-            <a:r>
-              <a:rPr lang="ru-RU" sz="1200" b="0" i="0" kern="1200" dirty="0" smtClean="0">
-                <a:solidFill>
-                  <a:schemeClr val="tx1"/>
-                </a:solidFill>
-                <a:effectLst/>
-                <a:latin typeface="+mn-lt"/>
-                <a:ea typeface="+mn-ea"/>
-                <a:cs typeface="+mn-cs"/>
-              </a:rPr>
-              <a:t>-объекты, предназначенные для симуляции поведения реальных объектов во время тестирования. Вообще, понятие </a:t>
-            </a:r>
-            <a:r>
-              <a:rPr lang="ru-RU" sz="1200" b="0" i="0" kern="1200" dirty="0" err="1" smtClean="0">
-                <a:solidFill>
-                  <a:schemeClr val="tx1"/>
-                </a:solidFill>
-                <a:effectLst/>
-                <a:latin typeface="+mn-lt"/>
-                <a:ea typeface="+mn-ea"/>
-                <a:cs typeface="+mn-cs"/>
-              </a:rPr>
-              <a:t>mock</a:t>
-            </a:r>
-            <a:r>
-              <a:rPr lang="ru-RU" sz="1200" b="0" i="0" kern="1200" dirty="0" smtClean="0">
-                <a:solidFill>
-                  <a:schemeClr val="tx1"/>
-                </a:solidFill>
-                <a:effectLst/>
-                <a:latin typeface="+mn-lt"/>
-                <a:ea typeface="+mn-ea"/>
-                <a:cs typeface="+mn-cs"/>
-              </a:rPr>
-              <a:t>-объект достаточно широко: оно может, с одной стороны, обозначать любые тест-дублеры (</a:t>
-            </a:r>
-            <a:r>
-              <a:rPr lang="ru-RU" sz="1200" b="0" i="0" kern="1200" dirty="0" err="1" smtClean="0">
-                <a:solidFill>
-                  <a:schemeClr val="tx1"/>
-                </a:solidFill>
-                <a:effectLst/>
-                <a:latin typeface="+mn-lt"/>
-                <a:ea typeface="+mn-ea"/>
-                <a:cs typeface="+mn-cs"/>
-              </a:rPr>
-              <a:t>Test</a:t>
-            </a:r>
-            <a:r>
-              <a:rPr lang="ru-RU" sz="1200" b="0" i="0" kern="1200" dirty="0" smtClean="0">
-                <a:solidFill>
-                  <a:schemeClr val="tx1"/>
-                </a:solidFill>
-                <a:effectLst/>
-                <a:latin typeface="+mn-lt"/>
-                <a:ea typeface="+mn-ea"/>
-                <a:cs typeface="+mn-cs"/>
-              </a:rPr>
-              <a:t> </a:t>
-            </a:r>
-            <a:r>
-              <a:rPr lang="ru-RU" sz="1200" b="0" i="0" kern="1200" dirty="0" err="1" smtClean="0">
-                <a:solidFill>
-                  <a:schemeClr val="tx1"/>
-                </a:solidFill>
-                <a:effectLst/>
-                <a:latin typeface="+mn-lt"/>
-                <a:ea typeface="+mn-ea"/>
-                <a:cs typeface="+mn-cs"/>
-              </a:rPr>
-              <a:t>Doubles</a:t>
-            </a:r>
-            <a:r>
-              <a:rPr lang="ru-RU" sz="1200" b="0" i="0" kern="1200" dirty="0" smtClean="0">
-                <a:solidFill>
-                  <a:schemeClr val="tx1"/>
-                </a:solidFill>
-                <a:effectLst/>
-                <a:latin typeface="+mn-lt"/>
-                <a:ea typeface="+mn-ea"/>
-                <a:cs typeface="+mn-cs"/>
-              </a:rPr>
-              <a:t>) или конкретный вид этих дублеров – </a:t>
-            </a:r>
-            <a:r>
-              <a:rPr lang="ru-RU" sz="1200" b="0" i="0" kern="1200" dirty="0" err="1" smtClean="0">
-                <a:solidFill>
-                  <a:schemeClr val="tx1"/>
-                </a:solidFill>
-                <a:effectLst/>
-                <a:latin typeface="+mn-lt"/>
-                <a:ea typeface="+mn-ea"/>
-                <a:cs typeface="+mn-cs"/>
-              </a:rPr>
-              <a:t>mock</a:t>
-            </a:r>
-            <a:r>
-              <a:rPr lang="ru-RU" sz="1200" b="0" i="0" kern="1200" dirty="0" smtClean="0">
-                <a:solidFill>
-                  <a:schemeClr val="tx1"/>
-                </a:solidFill>
-                <a:effectLst/>
-                <a:latin typeface="+mn-lt"/>
-                <a:ea typeface="+mn-ea"/>
-                <a:cs typeface="+mn-cs"/>
-              </a:rPr>
-              <a:t>-объекты. Я постараюсь использовать этот термин исключительно во втором случае, чтобы никого не путать, и не запутаться самому :)</a:t>
-            </a:r>
-          </a:p>
-          <a:p>
-            <a:endParaRPr lang="ru-RU" sz="1200" b="0" i="0" kern="1200" dirty="0" smtClean="0">
-              <a:solidFill>
-                <a:schemeClr val="tx1"/>
-              </a:solidFill>
-              <a:effectLst/>
-              <a:latin typeface="+mn-lt"/>
-              <a:ea typeface="+mn-ea"/>
-              <a:cs typeface="+mn-cs"/>
-            </a:endParaRPr>
-          </a:p>
-          <a:p>
-            <a:r>
-              <a:rPr lang="ru-RU" sz="1200" b="0" i="0" kern="1200" dirty="0" smtClean="0">
-                <a:solidFill>
-                  <a:schemeClr val="tx1"/>
-                </a:solidFill>
-                <a:effectLst/>
-                <a:latin typeface="+mn-lt"/>
-                <a:ea typeface="+mn-ea"/>
-                <a:cs typeface="+mn-cs"/>
-              </a:rPr>
-              <a:t>Понятие тест-дублеров введено неким </a:t>
-            </a:r>
-            <a:r>
-              <a:rPr lang="ru-RU" sz="1200" b="0" i="0" kern="1200" dirty="0" err="1" smtClean="0">
-                <a:solidFill>
-                  <a:schemeClr val="tx1"/>
-                </a:solidFill>
-                <a:effectLst/>
-                <a:latin typeface="+mn-lt"/>
-                <a:ea typeface="+mn-ea"/>
-                <a:cs typeface="+mn-cs"/>
-              </a:rPr>
-              <a:t>Gerard</a:t>
-            </a:r>
-            <a:r>
-              <a:rPr lang="ru-RU" sz="1200" b="0" i="0" kern="1200" dirty="0" smtClean="0">
-                <a:solidFill>
-                  <a:schemeClr val="tx1"/>
-                </a:solidFill>
-                <a:effectLst/>
-                <a:latin typeface="+mn-lt"/>
-                <a:ea typeface="+mn-ea"/>
-                <a:cs typeface="+mn-cs"/>
-              </a:rPr>
-              <a:t> </a:t>
-            </a:r>
-            <a:r>
-              <a:rPr lang="ru-RU" sz="1200" b="0" i="0" kern="1200" dirty="0" err="1" smtClean="0">
-                <a:solidFill>
-                  <a:schemeClr val="tx1"/>
-                </a:solidFill>
-                <a:effectLst/>
-                <a:latin typeface="+mn-lt"/>
-                <a:ea typeface="+mn-ea"/>
-                <a:cs typeface="+mn-cs"/>
-              </a:rPr>
-              <a:t>Meszaros</a:t>
-            </a:r>
-            <a:r>
-              <a:rPr lang="ru-RU" sz="1200" b="0" i="0" kern="1200" dirty="0" smtClean="0">
-                <a:solidFill>
-                  <a:schemeClr val="tx1"/>
-                </a:solidFill>
-                <a:effectLst/>
-                <a:latin typeface="+mn-lt"/>
-                <a:ea typeface="+mn-ea"/>
-                <a:cs typeface="+mn-cs"/>
-              </a:rPr>
-              <a:t> в </a:t>
-            </a:r>
-            <a:r>
-              <a:rPr lang="ru-RU" sz="1200" b="0" i="0" u="none" strike="noStrike" kern="1200" dirty="0" smtClean="0">
-                <a:solidFill>
-                  <a:schemeClr val="tx1"/>
-                </a:solidFill>
-                <a:effectLst/>
-                <a:latin typeface="+mn-lt"/>
-                <a:ea typeface="+mn-ea"/>
-                <a:cs typeface="+mn-cs"/>
-                <a:hlinkClick r:id="rId3"/>
-              </a:rPr>
-              <a:t>своей книге «XUnit Test Patterns»</a:t>
-            </a:r>
-            <a:r>
-              <a:rPr lang="ru-RU" sz="1200" b="0" i="0" kern="1200" dirty="0" smtClean="0">
-                <a:solidFill>
-                  <a:schemeClr val="tx1"/>
-                </a:solidFill>
-                <a:effectLst/>
-                <a:latin typeface="+mn-lt"/>
-                <a:ea typeface="+mn-ea"/>
-                <a:cs typeface="+mn-cs"/>
-              </a:rPr>
-              <a:t> и теперь </a:t>
-            </a:r>
-            <a:r>
-              <a:rPr lang="ru-RU" sz="1200" b="0" i="0" u="none" strike="noStrike" kern="1200" dirty="0" smtClean="0">
-                <a:solidFill>
-                  <a:schemeClr val="tx1"/>
-                </a:solidFill>
-                <a:effectLst/>
-                <a:latin typeface="+mn-lt"/>
-                <a:ea typeface="+mn-ea"/>
-                <a:cs typeface="+mn-cs"/>
-                <a:hlinkClick r:id="rId4"/>
-              </a:rPr>
-              <a:t>с подачи</a:t>
-            </a:r>
-            <a:r>
-              <a:rPr lang="ru-RU" sz="1200" b="0" i="0" kern="1200" dirty="0" smtClean="0">
-                <a:solidFill>
-                  <a:schemeClr val="tx1"/>
-                </a:solidFill>
-                <a:effectLst/>
-                <a:latin typeface="+mn-lt"/>
-                <a:ea typeface="+mn-ea"/>
-                <a:cs typeface="+mn-cs"/>
-              </a:rPr>
-              <a:t> небезызвестного Мартина </a:t>
-            </a:r>
-            <a:r>
-              <a:rPr lang="ru-RU" sz="1200" b="0" i="0" kern="1200" dirty="0" err="1" smtClean="0">
-                <a:solidFill>
-                  <a:schemeClr val="tx1"/>
-                </a:solidFill>
-                <a:effectLst/>
-                <a:latin typeface="+mn-lt"/>
-                <a:ea typeface="+mn-ea"/>
-                <a:cs typeface="+mn-cs"/>
-              </a:rPr>
-              <a:t>Фаулера</a:t>
-            </a:r>
-            <a:r>
-              <a:rPr lang="ru-RU" sz="1200" b="0" i="0" kern="1200" dirty="0" smtClean="0">
-                <a:solidFill>
-                  <a:schemeClr val="tx1"/>
-                </a:solidFill>
-                <a:effectLst/>
-                <a:latin typeface="+mn-lt"/>
-                <a:ea typeface="+mn-ea"/>
-                <a:cs typeface="+mn-cs"/>
-              </a:rPr>
-              <a:t> эта терминология набирает популярность. </a:t>
-            </a:r>
-            <a:r>
-              <a:rPr lang="ru-RU" sz="1200" b="0" i="0" kern="1200" dirty="0" err="1" smtClean="0">
-                <a:solidFill>
-                  <a:schemeClr val="tx1"/>
-                </a:solidFill>
-                <a:effectLst/>
-                <a:latin typeface="+mn-lt"/>
-                <a:ea typeface="+mn-ea"/>
-                <a:cs typeface="+mn-cs"/>
-              </a:rPr>
-              <a:t>Джерард</a:t>
-            </a:r>
-            <a:r>
-              <a:rPr lang="ru-RU" sz="1200" b="0" i="0" kern="1200" dirty="0" smtClean="0">
-                <a:solidFill>
-                  <a:schemeClr val="tx1"/>
-                </a:solidFill>
-                <a:effectLst/>
-                <a:latin typeface="+mn-lt"/>
-                <a:ea typeface="+mn-ea"/>
-                <a:cs typeface="+mn-cs"/>
-              </a:rPr>
-              <a:t> и Мартин делят все тест-дублеры на 4 группы:</a:t>
-            </a:r>
-            <a:endParaRPr lang="en-US" sz="1200" b="0" i="0" kern="1200" dirty="0" smtClean="0">
-              <a:solidFill>
-                <a:schemeClr val="tx1"/>
-              </a:solidFill>
-              <a:effectLst/>
-              <a:latin typeface="+mn-lt"/>
-              <a:ea typeface="+mn-ea"/>
-              <a:cs typeface="+mn-cs"/>
-            </a:endParaRPr>
-          </a:p>
-          <a:p>
-            <a:r>
-              <a:rPr lang="en-US" sz="1200" b="0" i="0" kern="1200" dirty="0" smtClean="0">
-                <a:solidFill>
-                  <a:schemeClr val="tx1"/>
-                </a:solidFill>
-                <a:effectLst/>
-                <a:latin typeface="+mn-lt"/>
-                <a:ea typeface="+mn-ea"/>
-                <a:cs typeface="+mn-cs"/>
-              </a:rPr>
-              <a:t>http://</a:t>
-            </a:r>
-            <a:r>
-              <a:rPr lang="en-US" sz="1200" b="0" i="0" kern="1200" dirty="0" err="1" smtClean="0">
-                <a:solidFill>
-                  <a:schemeClr val="tx1"/>
-                </a:solidFill>
-                <a:effectLst/>
-                <a:latin typeface="+mn-lt"/>
-                <a:ea typeface="+mn-ea"/>
-                <a:cs typeface="+mn-cs"/>
-              </a:rPr>
-              <a:t>habrahabr.ru</a:t>
-            </a:r>
-            <a:r>
-              <a:rPr lang="en-US" sz="1200" b="0" i="0" kern="1200" dirty="0" smtClean="0">
-                <a:solidFill>
-                  <a:schemeClr val="tx1"/>
-                </a:solidFill>
-                <a:effectLst/>
-                <a:latin typeface="+mn-lt"/>
-                <a:ea typeface="+mn-ea"/>
-                <a:cs typeface="+mn-cs"/>
-              </a:rPr>
-              <a:t>/post/116372/</a:t>
-            </a:r>
-          </a:p>
-          <a:p>
-            <a:r>
-              <a:rPr lang="en-US" dirty="0" smtClean="0"/>
-              <a:t>http://</a:t>
-            </a:r>
-            <a:r>
-              <a:rPr lang="en-US" dirty="0" err="1" smtClean="0"/>
-              <a:t>xunitpatterns.com</a:t>
-            </a:r>
-            <a:r>
-              <a:rPr lang="en-US" dirty="0" smtClean="0"/>
-              <a:t>/</a:t>
+              <a:t> и т.д. Словом, будут делать только то, что от них требуется. Разделяем и властвуем. Настоящие реализации мы должны протестировать отдельно в своих собственных тестовых классах. Сейчас мы тестируем только контроллер.</a:t>
             </a:r>
             <a:endParaRPr lang="en-US" dirty="0"/>
           </a:p>
@@ -11990,7 +9978,7 @@
           <a:p>
             <a:fld id="{07D34B46-4A0F-491A-A398-B220DCB32F65}" type="slidenum">
               <a:rPr lang="en-US" smtClean="0"/>
-              <a:t>30</a:t>
+              <a:t>29</a:t>
             </a:fld>
             <a:endParaRPr lang="en-US"/>
           </a:p>
@@ -11999,7 +9987,7 @@
     </p:spTree>
     <p:extLst>
       <p:ext uri="{BB962C8B-B14F-4D97-AF65-F5344CB8AC3E}">
-        <p14:creationId xmlns:p14="http://schemas.microsoft.com/office/powerpoint/2010/main" val="1671294892"/>
+        <p14:creationId xmlns:p14="http://schemas.microsoft.com/office/powerpoint/2010/main" val="78012497"/>
       </p:ext>
     </p:extLst>
   </p:cSld>
@@ -12054,63 +10042,2052 @@
           <a:lstStyle/>
           <a:p>
             <a:r>
+              <a:rPr lang="ru-RU" sz="1200" b="1" i="0" kern="1200" dirty="0" smtClean="0">
+                <a:solidFill>
+                  <a:schemeClr val="tx1"/>
+                </a:solidFill>
+                <a:effectLst/>
+                <a:latin typeface="+mn-lt"/>
+                <a:ea typeface="+mn-ea"/>
+                <a:cs typeface="+mn-cs"/>
+              </a:rPr>
+              <a:t>— </a:t>
+            </a:r>
+            <a:r>
+              <a:rPr lang="ru-RU" sz="1200" b="1" i="0" kern="1200" dirty="0" err="1" smtClean="0">
+                <a:solidFill>
+                  <a:schemeClr val="tx1"/>
+                </a:solidFill>
+                <a:effectLst/>
+                <a:latin typeface="+mn-lt"/>
+                <a:ea typeface="+mn-ea"/>
+                <a:cs typeface="+mn-cs"/>
+              </a:rPr>
+              <a:t>dummy</a:t>
+            </a:r>
+            <a:r>
+              <a:rPr lang="ru-RU" sz="1200" b="1" i="0" kern="1200" dirty="0" smtClean="0">
+                <a:solidFill>
+                  <a:schemeClr val="tx1"/>
+                </a:solidFill>
+                <a:effectLst/>
+                <a:latin typeface="+mn-lt"/>
+                <a:ea typeface="+mn-ea"/>
+                <a:cs typeface="+mn-cs"/>
+              </a:rPr>
+              <a:t> </a:t>
+            </a:r>
+            <a:r>
+              <a:rPr lang="ru-RU" sz="1200" b="1" i="0" kern="1200" dirty="0" err="1" smtClean="0">
+                <a:solidFill>
+                  <a:schemeClr val="tx1"/>
+                </a:solidFill>
+                <a:effectLst/>
+                <a:latin typeface="+mn-lt"/>
+                <a:ea typeface="+mn-ea"/>
+                <a:cs typeface="+mn-cs"/>
+              </a:rPr>
+              <a:t>object</a:t>
+            </a:r>
+            <a:r>
+              <a:rPr lang="ru-RU" sz="1200" b="0" i="0" kern="1200" dirty="0" smtClean="0">
+                <a:solidFill>
+                  <a:schemeClr val="tx1"/>
+                </a:solidFill>
+                <a:effectLst/>
+                <a:latin typeface="+mn-lt"/>
+                <a:ea typeface="+mn-ea"/>
+                <a:cs typeface="+mn-cs"/>
+              </a:rPr>
+              <a:t>, который обычно передается в тестируемый класс в качестве параметра, но не имеет поведения, с ним ничего не происходит, никакие методы не вызываются. Примером таких </a:t>
+            </a:r>
+            <a:r>
+              <a:rPr lang="ru-RU" sz="1200" b="0" i="0" kern="1200" dirty="0" err="1" smtClean="0">
+                <a:solidFill>
+                  <a:schemeClr val="tx1"/>
+                </a:solidFill>
+                <a:effectLst/>
+                <a:latin typeface="+mn-lt"/>
+                <a:ea typeface="+mn-ea"/>
+                <a:cs typeface="+mn-cs"/>
+              </a:rPr>
+              <a:t>dummy</a:t>
+            </a:r>
+            <a:r>
+              <a:rPr lang="ru-RU" sz="1200" b="0" i="0" kern="1200" dirty="0" smtClean="0">
+                <a:solidFill>
+                  <a:schemeClr val="tx1"/>
+                </a:solidFill>
+                <a:effectLst/>
+                <a:latin typeface="+mn-lt"/>
+                <a:ea typeface="+mn-ea"/>
+                <a:cs typeface="+mn-cs"/>
+              </a:rPr>
+              <a:t>-объектов являются </a:t>
+            </a:r>
+            <a:r>
+              <a:rPr lang="ru-RU" sz="1200" b="0" i="0" kern="1200" dirty="0" err="1" smtClean="0">
+                <a:solidFill>
+                  <a:schemeClr val="tx1"/>
+                </a:solidFill>
+                <a:effectLst/>
+                <a:latin typeface="+mn-lt"/>
+                <a:ea typeface="+mn-ea"/>
+                <a:cs typeface="+mn-cs"/>
+              </a:rPr>
+              <a:t>new</a:t>
+            </a:r>
+            <a:r>
+              <a:rPr lang="ru-RU" sz="1200" b="0" i="0" kern="1200" dirty="0" smtClean="0">
+                <a:solidFill>
+                  <a:schemeClr val="tx1"/>
+                </a:solidFill>
+                <a:effectLst/>
+                <a:latin typeface="+mn-lt"/>
+                <a:ea typeface="+mn-ea"/>
+                <a:cs typeface="+mn-cs"/>
+              </a:rPr>
+              <a:t> </a:t>
+            </a:r>
+            <a:r>
+              <a:rPr lang="ru-RU" sz="1200" b="0" i="0" kern="1200" dirty="0" err="1" smtClean="0">
+                <a:solidFill>
+                  <a:schemeClr val="tx1"/>
+                </a:solidFill>
+                <a:effectLst/>
+                <a:latin typeface="+mn-lt"/>
+                <a:ea typeface="+mn-ea"/>
+                <a:cs typeface="+mn-cs"/>
+              </a:rPr>
+              <a:t>object</a:t>
+            </a:r>
+            <a:r>
+              <a:rPr lang="ru-RU" sz="1200" b="0" i="0" kern="1200" dirty="0" smtClean="0">
+                <a:solidFill>
+                  <a:schemeClr val="tx1"/>
+                </a:solidFill>
+                <a:effectLst/>
+                <a:latin typeface="+mn-lt"/>
+                <a:ea typeface="+mn-ea"/>
+                <a:cs typeface="+mn-cs"/>
+              </a:rPr>
+              <a:t>(), </a:t>
+            </a:r>
+            <a:r>
+              <a:rPr lang="ru-RU" sz="1200" b="0" i="0" kern="1200" dirty="0" err="1" smtClean="0">
+                <a:solidFill>
+                  <a:schemeClr val="tx1"/>
+                </a:solidFill>
+                <a:effectLst/>
+                <a:latin typeface="+mn-lt"/>
+                <a:ea typeface="+mn-ea"/>
+                <a:cs typeface="+mn-cs"/>
+              </a:rPr>
+              <a:t>null</a:t>
+            </a:r>
+            <a:r>
+              <a:rPr lang="ru-RU" sz="1200" b="0" i="0" kern="1200" dirty="0" smtClean="0">
+                <a:solidFill>
+                  <a:schemeClr val="tx1"/>
+                </a:solidFill>
+                <a:effectLst/>
+                <a:latin typeface="+mn-lt"/>
+                <a:ea typeface="+mn-ea"/>
+                <a:cs typeface="+mn-cs"/>
+              </a:rPr>
+              <a:t>, «</a:t>
+            </a:r>
+            <a:r>
+              <a:rPr lang="ru-RU" sz="1200" b="0" i="0" kern="1200" dirty="0" err="1" smtClean="0">
+                <a:solidFill>
+                  <a:schemeClr val="tx1"/>
+                </a:solidFill>
+                <a:effectLst/>
+                <a:latin typeface="+mn-lt"/>
+                <a:ea typeface="+mn-ea"/>
+                <a:cs typeface="+mn-cs"/>
+              </a:rPr>
+              <a:t>Ignored</a:t>
+            </a:r>
+            <a:r>
+              <a:rPr lang="ru-RU" sz="1200" b="0" i="0" kern="1200" dirty="0" smtClean="0">
+                <a:solidFill>
+                  <a:schemeClr val="tx1"/>
+                </a:solidFill>
+                <a:effectLst/>
+                <a:latin typeface="+mn-lt"/>
+                <a:ea typeface="+mn-ea"/>
+                <a:cs typeface="+mn-cs"/>
+              </a:rPr>
+              <a:t> </a:t>
+            </a:r>
+            <a:r>
+              <a:rPr lang="ru-RU" sz="1200" b="0" i="0" kern="1200" dirty="0" err="1" smtClean="0">
+                <a:solidFill>
+                  <a:schemeClr val="tx1"/>
+                </a:solidFill>
+                <a:effectLst/>
+                <a:latin typeface="+mn-lt"/>
+                <a:ea typeface="+mn-ea"/>
+                <a:cs typeface="+mn-cs"/>
+              </a:rPr>
+              <a:t>String</a:t>
+            </a:r>
+            <a:r>
+              <a:rPr lang="ru-RU" sz="1200" b="0" i="0" kern="1200" dirty="0" smtClean="0">
+                <a:solidFill>
+                  <a:schemeClr val="tx1"/>
+                </a:solidFill>
+                <a:effectLst/>
+                <a:latin typeface="+mn-lt"/>
+                <a:ea typeface="+mn-ea"/>
+                <a:cs typeface="+mn-cs"/>
+              </a:rPr>
+              <a:t>» и т.д.</a:t>
+            </a:r>
+            <a:r>
+              <a:rPr lang="ru-RU" dirty="0" smtClean="0"/>
+              <a:t/>
+            </a:r>
+            <a:br>
+              <a:rPr lang="ru-RU" dirty="0" smtClean="0"/>
+            </a:br>
+            <a:r>
+              <a:rPr lang="ru-RU" dirty="0" smtClean="0"/>
+              <a:t/>
+            </a:r>
+            <a:br>
+              <a:rPr lang="ru-RU" dirty="0" smtClean="0"/>
+            </a:br>
+            <a:r>
+              <a:rPr lang="ru-RU" sz="1200" b="1" i="0" kern="1200" dirty="0" smtClean="0">
+                <a:solidFill>
+                  <a:schemeClr val="tx1"/>
+                </a:solidFill>
+                <a:effectLst/>
+                <a:latin typeface="+mn-lt"/>
+                <a:ea typeface="+mn-ea"/>
+                <a:cs typeface="+mn-cs"/>
+              </a:rPr>
+              <a:t>— </a:t>
+            </a:r>
+            <a:r>
+              <a:rPr lang="ru-RU" sz="1200" b="1" i="0" kern="1200" dirty="0" err="1" smtClean="0">
+                <a:solidFill>
+                  <a:schemeClr val="tx1"/>
+                </a:solidFill>
+                <a:effectLst/>
+                <a:latin typeface="+mn-lt"/>
+                <a:ea typeface="+mn-ea"/>
+                <a:cs typeface="+mn-cs"/>
+              </a:rPr>
+              <a:t>test</a:t>
+            </a:r>
+            <a:r>
+              <a:rPr lang="ru-RU" sz="1200" b="1" i="0" kern="1200" dirty="0" smtClean="0">
+                <a:solidFill>
+                  <a:schemeClr val="tx1"/>
+                </a:solidFill>
+                <a:effectLst/>
+                <a:latin typeface="+mn-lt"/>
+                <a:ea typeface="+mn-ea"/>
+                <a:cs typeface="+mn-cs"/>
+              </a:rPr>
+              <a:t> </a:t>
+            </a:r>
+            <a:r>
+              <a:rPr lang="ru-RU" sz="1200" b="1" i="0" kern="1200" dirty="0" err="1" smtClean="0">
+                <a:solidFill>
+                  <a:schemeClr val="tx1"/>
+                </a:solidFill>
+                <a:effectLst/>
+                <a:latin typeface="+mn-lt"/>
+                <a:ea typeface="+mn-ea"/>
+                <a:cs typeface="+mn-cs"/>
+              </a:rPr>
+              <a:t>stub</a:t>
+            </a:r>
+            <a:r>
+              <a:rPr lang="ru-RU" sz="1200" b="0" i="0" kern="1200" dirty="0" smtClean="0">
+                <a:solidFill>
+                  <a:schemeClr val="tx1"/>
+                </a:solidFill>
+                <a:effectLst/>
+                <a:latin typeface="+mn-lt"/>
+                <a:ea typeface="+mn-ea"/>
+                <a:cs typeface="+mn-cs"/>
+              </a:rPr>
+              <a:t> (заглушка), используется для получения данных из внешней зависимости, подменяя её. При этом игнорирует все данные, могущие поступать из тестируемого объекта в </a:t>
+            </a:r>
+            <a:r>
+              <a:rPr lang="ru-RU" sz="1200" b="0" i="0" kern="1200" dirty="0" err="1" smtClean="0">
+                <a:solidFill>
+                  <a:schemeClr val="tx1"/>
+                </a:solidFill>
+                <a:effectLst/>
+                <a:latin typeface="+mn-lt"/>
+                <a:ea typeface="+mn-ea"/>
+                <a:cs typeface="+mn-cs"/>
+              </a:rPr>
+              <a:t>stub</a:t>
+            </a:r>
+            <a:r>
+              <a:rPr lang="ru-RU" sz="1200" b="0" i="0" kern="1200" dirty="0" smtClean="0">
+                <a:solidFill>
+                  <a:schemeClr val="tx1"/>
+                </a:solidFill>
+                <a:effectLst/>
+                <a:latin typeface="+mn-lt"/>
+                <a:ea typeface="+mn-ea"/>
+                <a:cs typeface="+mn-cs"/>
+              </a:rPr>
+              <a:t>. Один из самых популярных видов тестовых объектов. Тестируемый объект использует чтение из конфигурационного файла? Передаем ему </a:t>
+            </a:r>
+            <a:r>
+              <a:rPr lang="ru-RU" sz="1200" b="0" i="0" kern="1200" dirty="0" err="1" smtClean="0">
+                <a:solidFill>
+                  <a:schemeClr val="tx1"/>
+                </a:solidFill>
+                <a:effectLst/>
+                <a:latin typeface="+mn-lt"/>
+                <a:ea typeface="+mn-ea"/>
+                <a:cs typeface="+mn-cs"/>
+              </a:rPr>
+              <a:t>ConfigFileStub</a:t>
+            </a:r>
+            <a:r>
+              <a:rPr lang="ru-RU" sz="1200" b="0" i="0" kern="1200" dirty="0" smtClean="0">
+                <a:solidFill>
+                  <a:schemeClr val="tx1"/>
+                </a:solidFill>
+                <a:effectLst/>
+                <a:latin typeface="+mn-lt"/>
+                <a:ea typeface="+mn-ea"/>
+                <a:cs typeface="+mn-cs"/>
+              </a:rPr>
+              <a:t> возвращающий тестовые строки конфигурации для избавления зависимости на файловую систему.</a:t>
+            </a:r>
+            <a:r>
+              <a:rPr lang="ru-RU" dirty="0" smtClean="0"/>
+              <a:t/>
+            </a:r>
+            <a:br>
+              <a:rPr lang="ru-RU" dirty="0" smtClean="0"/>
+            </a:br>
+            <a:r>
+              <a:rPr lang="ru-RU" dirty="0" smtClean="0"/>
+              <a:t/>
+            </a:r>
+            <a:br>
+              <a:rPr lang="ru-RU" dirty="0" smtClean="0"/>
+            </a:br>
+            <a:r>
+              <a:rPr lang="ru-RU" sz="1200" b="1" i="0" kern="1200" dirty="0" smtClean="0">
+                <a:solidFill>
+                  <a:schemeClr val="tx1"/>
+                </a:solidFill>
+                <a:effectLst/>
+                <a:latin typeface="+mn-lt"/>
+                <a:ea typeface="+mn-ea"/>
+                <a:cs typeface="+mn-cs"/>
+              </a:rPr>
+              <a:t>— </a:t>
+            </a:r>
+            <a:r>
+              <a:rPr lang="ru-RU" sz="1200" b="1" i="0" kern="1200" dirty="0" err="1" smtClean="0">
+                <a:solidFill>
+                  <a:schemeClr val="tx1"/>
+                </a:solidFill>
+                <a:effectLst/>
+                <a:latin typeface="+mn-lt"/>
+                <a:ea typeface="+mn-ea"/>
+                <a:cs typeface="+mn-cs"/>
+              </a:rPr>
+              <a:t>test</a:t>
+            </a:r>
+            <a:r>
+              <a:rPr lang="ru-RU" sz="1200" b="1" i="0" kern="1200" dirty="0" smtClean="0">
+                <a:solidFill>
+                  <a:schemeClr val="tx1"/>
+                </a:solidFill>
+                <a:effectLst/>
+                <a:latin typeface="+mn-lt"/>
+                <a:ea typeface="+mn-ea"/>
+                <a:cs typeface="+mn-cs"/>
+              </a:rPr>
+              <a:t> </a:t>
+            </a:r>
+            <a:r>
+              <a:rPr lang="ru-RU" sz="1200" b="1" i="0" kern="1200" dirty="0" err="1" smtClean="0">
+                <a:solidFill>
+                  <a:schemeClr val="tx1"/>
+                </a:solidFill>
+                <a:effectLst/>
+                <a:latin typeface="+mn-lt"/>
+                <a:ea typeface="+mn-ea"/>
+                <a:cs typeface="+mn-cs"/>
+              </a:rPr>
+              <a:t>spy</a:t>
+            </a:r>
+            <a:r>
+              <a:rPr lang="ru-RU" sz="1200" b="0" i="0" kern="1200" dirty="0" smtClean="0">
+                <a:solidFill>
+                  <a:schemeClr val="tx1"/>
+                </a:solidFill>
+                <a:effectLst/>
+                <a:latin typeface="+mn-lt"/>
+                <a:ea typeface="+mn-ea"/>
+                <a:cs typeface="+mn-cs"/>
+              </a:rPr>
+              <a:t> (тестовый шпион), используется для тестов взаимодействия, основной функцией является запись данных и вызовов, поступающих из тестируемого объекта для последующей проверки корректности вызова зависимого объекта. Позволяет проверить логику именно нашего тестируемого объекта, без проверок зависимых объектов.</a:t>
+            </a:r>
+            <a:r>
+              <a:rPr lang="ru-RU" dirty="0" smtClean="0"/>
+              <a:t/>
+            </a:r>
+            <a:br>
+              <a:rPr lang="ru-RU" dirty="0" smtClean="0"/>
+            </a:br>
+            <a:r>
+              <a:rPr lang="ru-RU" dirty="0" smtClean="0"/>
+              <a:t/>
+            </a:r>
+            <a:br>
+              <a:rPr lang="ru-RU" dirty="0" smtClean="0"/>
+            </a:br>
+            <a:r>
+              <a:rPr lang="ru-RU" sz="1200" b="1" i="0" kern="1200" dirty="0" smtClean="0">
+                <a:solidFill>
+                  <a:schemeClr val="tx1"/>
+                </a:solidFill>
+                <a:effectLst/>
+                <a:latin typeface="+mn-lt"/>
+                <a:ea typeface="+mn-ea"/>
+                <a:cs typeface="+mn-cs"/>
+              </a:rPr>
+              <a:t>— </a:t>
+            </a:r>
+            <a:r>
+              <a:rPr lang="ru-RU" sz="1200" b="1" i="0" kern="1200" dirty="0" err="1" smtClean="0">
+                <a:solidFill>
+                  <a:schemeClr val="tx1"/>
+                </a:solidFill>
+                <a:effectLst/>
+                <a:latin typeface="+mn-lt"/>
+                <a:ea typeface="+mn-ea"/>
+                <a:cs typeface="+mn-cs"/>
+              </a:rPr>
+              <a:t>mock</a:t>
+            </a:r>
+            <a:r>
+              <a:rPr lang="ru-RU" sz="1200" b="1" i="0" kern="1200" dirty="0" smtClean="0">
+                <a:solidFill>
+                  <a:schemeClr val="tx1"/>
+                </a:solidFill>
+                <a:effectLst/>
+                <a:latin typeface="+mn-lt"/>
+                <a:ea typeface="+mn-ea"/>
+                <a:cs typeface="+mn-cs"/>
+              </a:rPr>
+              <a:t> </a:t>
+            </a:r>
+            <a:r>
+              <a:rPr lang="ru-RU" sz="1200" b="1" i="0" kern="1200" dirty="0" err="1" smtClean="0">
+                <a:solidFill>
+                  <a:schemeClr val="tx1"/>
+                </a:solidFill>
+                <a:effectLst/>
+                <a:latin typeface="+mn-lt"/>
+                <a:ea typeface="+mn-ea"/>
+                <a:cs typeface="+mn-cs"/>
+              </a:rPr>
+              <a:t>object</a:t>
+            </a:r>
+            <a:r>
+              <a:rPr lang="ru-RU" sz="1200" b="0" i="0" kern="1200" dirty="0" smtClean="0">
+                <a:solidFill>
+                  <a:schemeClr val="tx1"/>
+                </a:solidFill>
+                <a:effectLst/>
+                <a:latin typeface="+mn-lt"/>
+                <a:ea typeface="+mn-ea"/>
+                <a:cs typeface="+mn-cs"/>
+              </a:rPr>
+              <a:t> (мок-объект), очень похож на тестовый шпион, однако не записывает последовательность вызовов с переданными параметрами для последующей проверки, а может сам выкидывать исключения при некорректно переданных данных. Т.е. именно мок-объект проверяет корректность поведения тестируемого объекта.</a:t>
+            </a:r>
+            <a:r>
+              <a:rPr lang="ru-RU" dirty="0" smtClean="0"/>
+              <a:t/>
+            </a:r>
+            <a:br>
+              <a:rPr lang="ru-RU" dirty="0" smtClean="0"/>
+            </a:br>
+            <a:r>
+              <a:rPr lang="ru-RU" dirty="0" smtClean="0"/>
+              <a:t/>
+            </a:r>
+            <a:br>
+              <a:rPr lang="ru-RU" dirty="0" smtClean="0"/>
+            </a:br>
+            <a:r>
+              <a:rPr lang="ru-RU" sz="1200" b="1" i="0" kern="1200" dirty="0" smtClean="0">
+                <a:solidFill>
+                  <a:schemeClr val="tx1"/>
+                </a:solidFill>
+                <a:effectLst/>
+                <a:latin typeface="+mn-lt"/>
+                <a:ea typeface="+mn-ea"/>
+                <a:cs typeface="+mn-cs"/>
+              </a:rPr>
+              <a:t>— </a:t>
+            </a:r>
+            <a:r>
+              <a:rPr lang="ru-RU" sz="1200" b="1" i="0" kern="1200" dirty="0" err="1" smtClean="0">
+                <a:solidFill>
+                  <a:schemeClr val="tx1"/>
+                </a:solidFill>
+                <a:effectLst/>
+                <a:latin typeface="+mn-lt"/>
+                <a:ea typeface="+mn-ea"/>
+                <a:cs typeface="+mn-cs"/>
+              </a:rPr>
+              <a:t>fake</a:t>
+            </a:r>
+            <a:r>
+              <a:rPr lang="ru-RU" sz="1200" b="1" i="0" kern="1200" dirty="0" smtClean="0">
+                <a:solidFill>
+                  <a:schemeClr val="tx1"/>
+                </a:solidFill>
+                <a:effectLst/>
+                <a:latin typeface="+mn-lt"/>
+                <a:ea typeface="+mn-ea"/>
+                <a:cs typeface="+mn-cs"/>
+              </a:rPr>
+              <a:t> </a:t>
+            </a:r>
+            <a:r>
+              <a:rPr lang="ru-RU" sz="1200" b="1" i="0" kern="1200" dirty="0" err="1" smtClean="0">
+                <a:solidFill>
+                  <a:schemeClr val="tx1"/>
+                </a:solidFill>
+                <a:effectLst/>
+                <a:latin typeface="+mn-lt"/>
+                <a:ea typeface="+mn-ea"/>
+                <a:cs typeface="+mn-cs"/>
+              </a:rPr>
+              <a:t>object</a:t>
+            </a:r>
+            <a:r>
+              <a:rPr lang="ru-RU" sz="1200" b="0" i="0" kern="1200" dirty="0" smtClean="0">
+                <a:solidFill>
+                  <a:schemeClr val="tx1"/>
+                </a:solidFill>
+                <a:effectLst/>
+                <a:latin typeface="+mn-lt"/>
+                <a:ea typeface="+mn-ea"/>
+                <a:cs typeface="+mn-cs"/>
+              </a:rPr>
+              <a:t> (фальшивый объект), используется в основном чтобы запускать (</a:t>
+            </a:r>
+            <a:r>
+              <a:rPr lang="ru-RU" sz="1200" b="0" i="0" kern="1200" dirty="0" err="1" smtClean="0">
+                <a:solidFill>
+                  <a:schemeClr val="tx1"/>
+                </a:solidFill>
+                <a:effectLst/>
+                <a:latin typeface="+mn-lt"/>
+                <a:ea typeface="+mn-ea"/>
+                <a:cs typeface="+mn-cs"/>
+              </a:rPr>
+              <a:t>незапускаемые</a:t>
+            </a:r>
+            <a:r>
+              <a:rPr lang="ru-RU" sz="1200" b="0" i="0" kern="1200" dirty="0" smtClean="0">
+                <a:solidFill>
+                  <a:schemeClr val="tx1"/>
+                </a:solidFill>
+                <a:effectLst/>
+                <a:latin typeface="+mn-lt"/>
+                <a:ea typeface="+mn-ea"/>
+                <a:cs typeface="+mn-cs"/>
+              </a:rPr>
+              <a:t>) тесты (быстрее) и ускорения их работы. Эдакая замена тяжеловесного внешнего зависимого объекта его легковесной реализацией. Основные примеры — эмулятор для конкретного приложения БД в памяти (</a:t>
+            </a:r>
+            <a:r>
+              <a:rPr lang="ru-RU" sz="1200" b="0" i="0" kern="1200" dirty="0" err="1" smtClean="0">
+                <a:solidFill>
+                  <a:schemeClr val="tx1"/>
+                </a:solidFill>
+                <a:effectLst/>
+                <a:latin typeface="+mn-lt"/>
+                <a:ea typeface="+mn-ea"/>
+                <a:cs typeface="+mn-cs"/>
+              </a:rPr>
+              <a:t>fake</a:t>
+            </a:r>
+            <a:r>
+              <a:rPr lang="ru-RU" sz="1200" b="0" i="0" kern="1200" dirty="0" smtClean="0">
+                <a:solidFill>
+                  <a:schemeClr val="tx1"/>
+                </a:solidFill>
+                <a:effectLst/>
+                <a:latin typeface="+mn-lt"/>
+                <a:ea typeface="+mn-ea"/>
+                <a:cs typeface="+mn-cs"/>
+              </a:rPr>
+              <a:t> </a:t>
+            </a:r>
+            <a:r>
+              <a:rPr lang="ru-RU" sz="1200" b="0" i="0" kern="1200" dirty="0" err="1" smtClean="0">
+                <a:solidFill>
+                  <a:schemeClr val="tx1"/>
+                </a:solidFill>
+                <a:effectLst/>
+                <a:latin typeface="+mn-lt"/>
+                <a:ea typeface="+mn-ea"/>
+                <a:cs typeface="+mn-cs"/>
+              </a:rPr>
+              <a:t>database</a:t>
+            </a:r>
+            <a:r>
+              <a:rPr lang="ru-RU" sz="1200" b="0" i="0" kern="1200" dirty="0" smtClean="0">
+                <a:solidFill>
+                  <a:schemeClr val="tx1"/>
+                </a:solidFill>
+                <a:effectLst/>
+                <a:latin typeface="+mn-lt"/>
+                <a:ea typeface="+mn-ea"/>
+                <a:cs typeface="+mn-cs"/>
+              </a:rPr>
+              <a:t>) или фальшивый </a:t>
+            </a:r>
+            <a:r>
+              <a:rPr lang="ru-RU" sz="1200" b="0" i="0" kern="1200" dirty="0" err="1" smtClean="0">
+                <a:solidFill>
+                  <a:schemeClr val="tx1"/>
+                </a:solidFill>
+                <a:effectLst/>
+                <a:latin typeface="+mn-lt"/>
+                <a:ea typeface="+mn-ea"/>
+                <a:cs typeface="+mn-cs"/>
+              </a:rPr>
+              <a:t>вебсервис</a:t>
+            </a:r>
+            <a:r>
+              <a:rPr lang="ru-RU" sz="1200" b="0" i="0" kern="1200" dirty="0" smtClean="0">
+                <a:solidFill>
+                  <a:schemeClr val="tx1"/>
+                </a:solidFill>
+                <a:effectLst/>
+                <a:latin typeface="+mn-lt"/>
+                <a:ea typeface="+mn-ea"/>
+                <a:cs typeface="+mn-cs"/>
+              </a:rPr>
+              <a:t>.</a:t>
+            </a:r>
+            <a:endParaRPr lang="en-US" sz="1200" b="0" i="0" kern="1200" dirty="0" smtClean="0">
+              <a:solidFill>
+                <a:schemeClr val="tx1"/>
+              </a:solidFill>
+              <a:effectLst/>
+              <a:latin typeface="+mn-lt"/>
+              <a:ea typeface="+mn-ea"/>
+              <a:cs typeface="+mn-cs"/>
+            </a:endParaRPr>
+          </a:p>
+          <a:p>
+            <a:r>
+              <a:rPr lang="ru-RU" sz="1200" b="0" i="0" kern="1200" dirty="0" smtClean="0">
+                <a:solidFill>
+                  <a:schemeClr val="tx1"/>
+                </a:solidFill>
+                <a:effectLst/>
+                <a:latin typeface="+mn-lt"/>
+                <a:ea typeface="+mn-ea"/>
+                <a:cs typeface="+mn-cs"/>
+              </a:rPr>
+              <a:t>Кент </a:t>
+            </a:r>
+            <a:r>
+              <a:rPr lang="ru-RU" sz="1200" b="0" i="0" kern="1200" dirty="0" err="1" smtClean="0">
+                <a:solidFill>
+                  <a:schemeClr val="tx1"/>
+                </a:solidFill>
+                <a:effectLst/>
+                <a:latin typeface="+mn-lt"/>
+                <a:ea typeface="+mn-ea"/>
+                <a:cs typeface="+mn-cs"/>
+              </a:rPr>
+              <a:t>Бэк</a:t>
+            </a:r>
+            <a:endParaRPr lang="ru-RU" sz="1200" b="0" i="0" kern="1200" dirty="0" smtClean="0">
+              <a:solidFill>
+                <a:schemeClr val="tx1"/>
+              </a:solidFill>
+              <a:effectLst/>
+              <a:latin typeface="+mn-lt"/>
+              <a:ea typeface="+mn-ea"/>
+              <a:cs typeface="+mn-cs"/>
+            </a:endParaRPr>
+          </a:p>
+          <a:p>
+            <a:endParaRPr lang="ru-RU" sz="1200" b="0" i="0" kern="1200" dirty="0" smtClean="0">
+              <a:solidFill>
+                <a:schemeClr val="tx1"/>
+              </a:solidFill>
+              <a:effectLst/>
+              <a:latin typeface="+mn-lt"/>
+              <a:ea typeface="+mn-ea"/>
+              <a:cs typeface="+mn-cs"/>
+            </a:endParaRPr>
+          </a:p>
+          <a:p>
+            <a:r>
+              <a:rPr lang="ru-RU" sz="1200" b="0" i="0" kern="1200" dirty="0" smtClean="0">
+                <a:solidFill>
+                  <a:schemeClr val="tx1"/>
+                </a:solidFill>
+                <a:effectLst/>
+                <a:latin typeface="+mn-lt"/>
+                <a:ea typeface="+mn-ea"/>
+                <a:cs typeface="+mn-cs"/>
+              </a:rPr>
+              <a:t>Глобально модульные тесты можно условно поделить на две группы: тесты состояния (</a:t>
+            </a:r>
+            <a:r>
+              <a:rPr lang="ru-RU" sz="1200" b="0" i="1" kern="1200" dirty="0" err="1" smtClean="0">
+                <a:solidFill>
+                  <a:schemeClr val="tx1"/>
+                </a:solidFill>
+                <a:effectLst/>
+                <a:latin typeface="+mn-lt"/>
+                <a:ea typeface="+mn-ea"/>
+                <a:cs typeface="+mn-cs"/>
+              </a:rPr>
+              <a:t>state</a:t>
+            </a:r>
+            <a:r>
+              <a:rPr lang="ru-RU" sz="1200" b="0" i="1" kern="1200" dirty="0" smtClean="0">
+                <a:solidFill>
+                  <a:schemeClr val="tx1"/>
+                </a:solidFill>
+                <a:effectLst/>
+                <a:latin typeface="+mn-lt"/>
+                <a:ea typeface="+mn-ea"/>
+                <a:cs typeface="+mn-cs"/>
+              </a:rPr>
+              <a:t> </a:t>
+            </a:r>
+            <a:r>
+              <a:rPr lang="ru-RU" sz="1200" b="0" i="1" kern="1200" dirty="0" err="1" smtClean="0">
+                <a:solidFill>
+                  <a:schemeClr val="tx1"/>
+                </a:solidFill>
+                <a:effectLst/>
+                <a:latin typeface="+mn-lt"/>
+                <a:ea typeface="+mn-ea"/>
+                <a:cs typeface="+mn-cs"/>
+              </a:rPr>
+              <a:t>based</a:t>
+            </a:r>
+            <a:r>
+              <a:rPr lang="ru-RU" sz="1200" b="0" i="0" kern="1200" dirty="0" smtClean="0">
+                <a:solidFill>
+                  <a:schemeClr val="tx1"/>
+                </a:solidFill>
+                <a:effectLst/>
+                <a:latin typeface="+mn-lt"/>
+                <a:ea typeface="+mn-ea"/>
+                <a:cs typeface="+mn-cs"/>
+              </a:rPr>
+              <a:t>) и тесты взаимодействия (</a:t>
+            </a:r>
+            <a:r>
+              <a:rPr lang="ru-RU" sz="1200" b="0" i="1" kern="1200" dirty="0" err="1" smtClean="0">
+                <a:solidFill>
+                  <a:schemeClr val="tx1"/>
+                </a:solidFill>
+                <a:effectLst/>
+                <a:latin typeface="+mn-lt"/>
+                <a:ea typeface="+mn-ea"/>
+                <a:cs typeface="+mn-cs"/>
+              </a:rPr>
+              <a:t>interaction</a:t>
+            </a:r>
+            <a:r>
+              <a:rPr lang="ru-RU" sz="1200" b="0" i="1" kern="1200" dirty="0" smtClean="0">
+                <a:solidFill>
+                  <a:schemeClr val="tx1"/>
+                </a:solidFill>
+                <a:effectLst/>
+                <a:latin typeface="+mn-lt"/>
+                <a:ea typeface="+mn-ea"/>
+                <a:cs typeface="+mn-cs"/>
+              </a:rPr>
+              <a:t> </a:t>
+            </a:r>
+            <a:r>
+              <a:rPr lang="ru-RU" sz="1200" b="0" i="1" kern="1200" dirty="0" err="1" smtClean="0">
+                <a:solidFill>
+                  <a:schemeClr val="tx1"/>
+                </a:solidFill>
+                <a:effectLst/>
+                <a:latin typeface="+mn-lt"/>
+                <a:ea typeface="+mn-ea"/>
+                <a:cs typeface="+mn-cs"/>
+              </a:rPr>
+              <a:t>tests</a:t>
+            </a:r>
+            <a:r>
+              <a:rPr lang="ru-RU" sz="1200" b="0" i="0" kern="1200" dirty="0" smtClean="0">
+                <a:solidFill>
+                  <a:schemeClr val="tx1"/>
+                </a:solidFill>
+                <a:effectLst/>
+                <a:latin typeface="+mn-lt"/>
+                <a:ea typeface="+mn-ea"/>
+                <a:cs typeface="+mn-cs"/>
+              </a:rPr>
+              <a:t>).</a:t>
+            </a:r>
+            <a:endParaRPr lang="en-US" sz="1200" b="0" i="0" kern="1200" dirty="0" smtClean="0">
+              <a:solidFill>
+                <a:schemeClr val="tx1"/>
+              </a:solidFill>
+              <a:effectLst/>
+              <a:latin typeface="+mn-lt"/>
+              <a:ea typeface="+mn-ea"/>
+              <a:cs typeface="+mn-cs"/>
+            </a:endParaRPr>
+          </a:p>
+          <a:p>
+            <a:r>
+              <a:rPr lang="ru-RU" sz="1200" b="1" i="0" kern="1200" dirty="0" smtClean="0">
+                <a:solidFill>
+                  <a:schemeClr val="tx1"/>
+                </a:solidFill>
+                <a:effectLst/>
+                <a:latin typeface="+mn-lt"/>
+                <a:ea typeface="+mn-ea"/>
+                <a:cs typeface="+mn-cs"/>
+              </a:rPr>
+              <a:t>Тесты состояния</a:t>
+            </a:r>
+            <a:r>
+              <a:rPr lang="ru-RU" sz="1200" b="0" i="0" kern="1200" dirty="0" smtClean="0">
+                <a:solidFill>
+                  <a:schemeClr val="tx1"/>
+                </a:solidFill>
+                <a:effectLst/>
+                <a:latin typeface="+mn-lt"/>
+                <a:ea typeface="+mn-ea"/>
+                <a:cs typeface="+mn-cs"/>
+              </a:rPr>
+              <a:t> — тесты, проверяющие что вызываемый метод объекта отработал корректно, проверяя состояние тестируемого объекта после вызова метода.</a:t>
+            </a:r>
+            <a:r>
+              <a:rPr lang="ru-RU" dirty="0" smtClean="0"/>
+              <a:t/>
+            </a:r>
+            <a:br>
+              <a:rPr lang="ru-RU" dirty="0" smtClean="0"/>
+            </a:br>
+            <a:r>
+              <a:rPr lang="en-US" b="1" dirty="0" smtClean="0"/>
+              <a:t>State verification</a:t>
+            </a:r>
+          </a:p>
+          <a:p>
+            <a:r>
+              <a:rPr lang="ru-RU" dirty="0" smtClean="0"/>
+              <a:t/>
+            </a:r>
+            <a:br>
+              <a:rPr lang="ru-RU" dirty="0" smtClean="0"/>
+            </a:br>
+            <a:r>
+              <a:rPr lang="ru-RU" sz="1200" b="1" i="0" kern="1200" dirty="0" smtClean="0">
+                <a:solidFill>
+                  <a:schemeClr val="tx1"/>
+                </a:solidFill>
+                <a:effectLst/>
+                <a:latin typeface="+mn-lt"/>
+                <a:ea typeface="+mn-ea"/>
+                <a:cs typeface="+mn-cs"/>
+              </a:rPr>
+              <a:t>Тесты взаимодействия</a:t>
+            </a:r>
+            <a:r>
+              <a:rPr lang="ru-RU" sz="1200" b="0" i="0" kern="1200" dirty="0" smtClean="0">
+                <a:solidFill>
+                  <a:schemeClr val="tx1"/>
+                </a:solidFill>
+                <a:effectLst/>
+                <a:latin typeface="+mn-lt"/>
+                <a:ea typeface="+mn-ea"/>
+                <a:cs typeface="+mn-cs"/>
+              </a:rPr>
+              <a:t> — это тесты, в которых тестируемый объект производит манипуляции с другими объектами. Применяются, когда требуется удостовериться, что тестируемый объект корректно взаимодействует с другими объектами.</a:t>
+            </a:r>
+            <a:r>
+              <a:rPr lang="ru-RU" dirty="0" smtClean="0"/>
+              <a:t/>
+            </a:r>
+            <a:br>
+              <a:rPr lang="ru-RU" dirty="0" smtClean="0"/>
+            </a:br>
+            <a:r>
+              <a:rPr lang="en-US" b="1" dirty="0" smtClean="0"/>
+              <a:t>Behavior</a:t>
+            </a:r>
+            <a:r>
+              <a:rPr lang="en-US" b="1" baseline="0" dirty="0" smtClean="0"/>
+              <a:t> verification</a:t>
+            </a:r>
+          </a:p>
+          <a:p>
+            <a:r>
+              <a:rPr lang="ru-RU" dirty="0" smtClean="0"/>
+              <a:t/>
+            </a:r>
+            <a:br>
+              <a:rPr lang="ru-RU" dirty="0" smtClean="0"/>
+            </a:br>
+            <a:r>
+              <a:rPr lang="ru-RU" sz="1200" b="0" i="0" kern="1200" dirty="0" smtClean="0">
+                <a:solidFill>
+                  <a:schemeClr val="tx1"/>
+                </a:solidFill>
+                <a:effectLst/>
+                <a:latin typeface="+mn-lt"/>
+                <a:ea typeface="+mn-ea"/>
+                <a:cs typeface="+mn-cs"/>
+              </a:rPr>
+              <a:t>Стоит также заметить, что модульный (</a:t>
+            </a:r>
+            <a:r>
+              <a:rPr lang="ru-RU" sz="1200" b="0" i="0" kern="1200" dirty="0" err="1" smtClean="0">
+                <a:solidFill>
+                  <a:schemeClr val="tx1"/>
+                </a:solidFill>
+                <a:effectLst/>
+                <a:latin typeface="+mn-lt"/>
+                <a:ea typeface="+mn-ea"/>
+                <a:cs typeface="+mn-cs"/>
+              </a:rPr>
+              <a:t>unit</a:t>
+            </a:r>
+            <a:r>
+              <a:rPr lang="ru-RU" sz="1200" b="0" i="0" kern="1200" dirty="0" smtClean="0">
+                <a:solidFill>
+                  <a:schemeClr val="tx1"/>
+                </a:solidFill>
+                <a:effectLst/>
+                <a:latin typeface="+mn-lt"/>
+                <a:ea typeface="+mn-ea"/>
+                <a:cs typeface="+mn-cs"/>
+              </a:rPr>
+              <a:t>) тест может запросто превратиться в интеграционный тест, если при тестировании используется реальное окружение(внешние зависимости) — такие как база данных, файловая система и т.д. </a:t>
+            </a:r>
+            <a:endParaRPr lang="en-US" sz="1200" b="0" i="0" kern="1200" dirty="0" smtClean="0">
+              <a:solidFill>
+                <a:schemeClr val="tx1"/>
+              </a:solidFill>
+              <a:effectLst/>
+              <a:latin typeface="+mn-lt"/>
+              <a:ea typeface="+mn-ea"/>
+              <a:cs typeface="+mn-cs"/>
+            </a:endParaRPr>
+          </a:p>
+          <a:p>
+            <a:endParaRPr lang="en-US" sz="1200" b="0" i="0" kern="1200" dirty="0" smtClean="0">
+              <a:solidFill>
+                <a:schemeClr val="tx1"/>
+              </a:solidFill>
+              <a:effectLst/>
+              <a:latin typeface="+mn-lt"/>
+              <a:ea typeface="+mn-ea"/>
+              <a:cs typeface="+mn-cs"/>
+            </a:endParaRPr>
+          </a:p>
+          <a:p>
+            <a:r>
+              <a:rPr lang="ru-RU" dirty="0" smtClean="0"/>
+              <a:t/>
+            </a:r>
+            <a:br>
+              <a:rPr lang="ru-RU" dirty="0" smtClean="0"/>
+            </a:br>
+            <a:r>
+              <a:rPr lang="ru-RU" sz="1200" b="1" i="0" kern="1200" dirty="0" smtClean="0">
+                <a:solidFill>
+                  <a:schemeClr val="tx1"/>
+                </a:solidFill>
+                <a:effectLst/>
+                <a:latin typeface="+mn-lt"/>
+                <a:ea typeface="+mn-ea"/>
+                <a:cs typeface="+mn-cs"/>
+              </a:rPr>
+              <a:t>Интеграционные тесты</a:t>
+            </a:r>
+            <a:r>
+              <a:rPr lang="ru-RU" sz="1200" b="0" i="0" kern="1200" dirty="0" smtClean="0">
+                <a:solidFill>
+                  <a:schemeClr val="tx1"/>
+                </a:solidFill>
+                <a:effectLst/>
+                <a:latin typeface="+mn-lt"/>
+                <a:ea typeface="+mn-ea"/>
+                <a:cs typeface="+mn-cs"/>
+              </a:rPr>
+              <a:t> — это тесты, проверяющие работоспособность двух или более модулей системы, но </a:t>
+            </a:r>
+            <a:r>
+              <a:rPr lang="ru-RU" sz="1200" b="0" i="1" kern="1200" dirty="0" smtClean="0">
+                <a:solidFill>
+                  <a:schemeClr val="tx1"/>
+                </a:solidFill>
+                <a:effectLst/>
+                <a:latin typeface="+mn-lt"/>
+                <a:ea typeface="+mn-ea"/>
+                <a:cs typeface="+mn-cs"/>
+              </a:rPr>
+              <a:t>в совокупности</a:t>
+            </a:r>
+            <a:r>
+              <a:rPr lang="ru-RU" sz="1200" b="0" i="0" kern="1200" dirty="0" smtClean="0">
+                <a:solidFill>
+                  <a:schemeClr val="tx1"/>
+                </a:solidFill>
+                <a:effectLst/>
+                <a:latin typeface="+mn-lt"/>
+                <a:ea typeface="+mn-ea"/>
+                <a:cs typeface="+mn-cs"/>
+              </a:rPr>
+              <a:t> — то есть нескольких объектов как единого блока. </a:t>
+            </a:r>
+            <a:r>
+              <a:rPr lang="ru-RU" dirty="0" smtClean="0"/>
+              <a:t/>
+            </a:r>
+            <a:br>
+              <a:rPr lang="ru-RU" dirty="0" smtClean="0"/>
+            </a:br>
+            <a:r>
+              <a:rPr lang="ru-RU" sz="1200" b="0" i="0" kern="1200" dirty="0" smtClean="0">
+                <a:solidFill>
+                  <a:schemeClr val="tx1"/>
+                </a:solidFill>
+                <a:effectLst/>
+                <a:latin typeface="+mn-lt"/>
+                <a:ea typeface="+mn-ea"/>
+                <a:cs typeface="+mn-cs"/>
+              </a:rPr>
+              <a:t>В тестах взаимодействия же тестируется конкретный, определенный объект и то, как именно он взаимодействует с внешними зависимостями.</a:t>
+            </a:r>
+            <a:r>
+              <a:rPr lang="ru-RU" dirty="0" smtClean="0"/>
+              <a:t/>
+            </a:r>
+            <a:br>
+              <a:rPr lang="ru-RU" dirty="0" smtClean="0"/>
+            </a:br>
+            <a:r>
+              <a:rPr lang="ru-RU" dirty="0" smtClean="0"/>
+              <a:t/>
+            </a:r>
+            <a:br>
+              <a:rPr lang="ru-RU" dirty="0" smtClean="0"/>
+            </a:br>
+            <a:r>
+              <a:rPr lang="ru-RU" sz="1200" b="0" i="1" kern="1200" dirty="0" smtClean="0">
+                <a:solidFill>
+                  <a:schemeClr val="tx1"/>
+                </a:solidFill>
+                <a:effectLst/>
+                <a:latin typeface="+mn-lt"/>
+                <a:ea typeface="+mn-ea"/>
+                <a:cs typeface="+mn-cs"/>
+              </a:rPr>
+              <a:t>Внешняя зависимость</a:t>
+            </a:r>
+            <a:r>
+              <a:rPr lang="ru-RU" sz="1200" b="0" i="0" kern="1200" dirty="0" smtClean="0">
+                <a:solidFill>
+                  <a:schemeClr val="tx1"/>
+                </a:solidFill>
+                <a:effectLst/>
+                <a:latin typeface="+mn-lt"/>
+                <a:ea typeface="+mn-ea"/>
+                <a:cs typeface="+mn-cs"/>
+              </a:rPr>
+              <a:t> — это объект, с которым взаимодействует код и над которым нет прямого контроля. Для ликвидации внешних зависимостей в модульных тестах используются тестовые объекты, например такие как </a:t>
+            </a:r>
+            <a:r>
+              <a:rPr lang="en-US" sz="1200" b="0" i="0" kern="1200" dirty="0" smtClean="0">
+                <a:solidFill>
+                  <a:schemeClr val="tx1"/>
+                </a:solidFill>
+                <a:effectLst/>
+                <a:latin typeface="+mn-lt"/>
+                <a:ea typeface="+mn-ea"/>
+                <a:cs typeface="+mn-cs"/>
+              </a:rPr>
+              <a:t>test-doubles</a:t>
+            </a:r>
+            <a:r>
+              <a:rPr lang="ru-RU" sz="1200" b="0" i="0" kern="1200" dirty="0" smtClean="0">
+                <a:solidFill>
+                  <a:schemeClr val="tx1"/>
+                </a:solidFill>
+                <a:effectLst/>
+                <a:latin typeface="+mn-lt"/>
+                <a:ea typeface="+mn-ea"/>
+                <a:cs typeface="+mn-cs"/>
+              </a:rPr>
+              <a:t>.</a:t>
+            </a:r>
+            <a:endParaRPr lang="en-US" sz="1200" b="0" i="0" kern="1200" dirty="0" smtClean="0">
+              <a:solidFill>
+                <a:schemeClr val="tx1"/>
+              </a:solidFill>
+              <a:effectLst/>
+              <a:latin typeface="+mn-lt"/>
+              <a:ea typeface="+mn-ea"/>
+              <a:cs typeface="+mn-cs"/>
+            </a:endParaRPr>
+          </a:p>
+          <a:p>
+            <a:endParaRPr lang="en-US" sz="1200" b="0" i="0" kern="1200" dirty="0" smtClean="0">
+              <a:solidFill>
+                <a:schemeClr val="tx1"/>
+              </a:solidFill>
+              <a:effectLst/>
+              <a:latin typeface="+mn-lt"/>
+              <a:ea typeface="+mn-ea"/>
+              <a:cs typeface="+mn-cs"/>
+            </a:endParaRPr>
+          </a:p>
+          <a:p>
+            <a:r>
+              <a:rPr lang="ru-RU" sz="1200" b="0" i="0" kern="1200" dirty="0" smtClean="0">
+                <a:solidFill>
+                  <a:schemeClr val="tx1"/>
+                </a:solidFill>
+                <a:effectLst/>
+                <a:latin typeface="+mn-lt"/>
+                <a:ea typeface="+mn-ea"/>
+                <a:cs typeface="+mn-cs"/>
+              </a:rPr>
+              <a:t>Как я уже писал в </a:t>
+            </a:r>
+            <a:r>
+              <a:rPr lang="ru-RU" sz="1200" b="0" i="0" u="none" strike="noStrike" kern="1200" dirty="0" smtClean="0">
+                <a:solidFill>
+                  <a:schemeClr val="tx1"/>
+                </a:solidFill>
+                <a:effectLst/>
+                <a:latin typeface="+mn-lt"/>
+                <a:ea typeface="+mn-ea"/>
+                <a:cs typeface="+mn-cs"/>
+              </a:rPr>
+              <a:t>предыдущем посте об unit-тестировании</a:t>
+            </a:r>
+            <a:r>
+              <a:rPr lang="ru-RU" sz="1200" b="0" i="0" kern="1200" dirty="0" smtClean="0">
+                <a:solidFill>
+                  <a:schemeClr val="tx1"/>
+                </a:solidFill>
+                <a:effectLst/>
+                <a:latin typeface="+mn-lt"/>
+                <a:ea typeface="+mn-ea"/>
+                <a:cs typeface="+mn-cs"/>
+              </a:rPr>
+              <a:t>, иногда, для того, чтобы протестировать какой-нибудь кусок кода (например, метод), нужно довольно сильно постараться. Причем, это еще не тот вид извращений, когда вы тестируете методы UI, проблемы могут начаться с тестирования бизнес-логики. Дело в том, что очень часто тестируемый метод может вызывать методы других классов, которые в данном случае тестировать не нужно. </a:t>
+            </a:r>
+            <a:r>
+              <a:rPr lang="ru-RU" sz="1200" b="0" i="0" kern="1200" dirty="0" err="1" smtClean="0">
+                <a:solidFill>
+                  <a:schemeClr val="tx1"/>
+                </a:solidFill>
+                <a:effectLst/>
+                <a:latin typeface="+mn-lt"/>
+                <a:ea typeface="+mn-ea"/>
+                <a:cs typeface="+mn-cs"/>
+              </a:rPr>
+              <a:t>Unit</a:t>
+            </a:r>
+            <a:r>
+              <a:rPr lang="ru-RU" sz="1200" b="0" i="0" kern="1200" dirty="0" smtClean="0">
+                <a:solidFill>
+                  <a:schemeClr val="tx1"/>
+                </a:solidFill>
+                <a:effectLst/>
+                <a:latin typeface="+mn-lt"/>
+                <a:ea typeface="+mn-ea"/>
+                <a:cs typeface="+mn-cs"/>
+              </a:rPr>
+              <a:t>-тест потому и называется модульным, что тестирует отдельные модули, а не их взаимодействие. Причем, чем меньше тестируемый модуль – тем лучше с точки зрения будущей поддержки тестов. Для тестирования взаимодействия используются интеграционные тесты, где вы уже тестируете скорее полные </a:t>
+            </a:r>
+            <a:r>
+              <a:rPr lang="ru-RU" sz="1200" b="0" i="0" kern="1200" dirty="0" err="1" smtClean="0">
+                <a:solidFill>
+                  <a:schemeClr val="tx1"/>
+                </a:solidFill>
+                <a:effectLst/>
+                <a:latin typeface="+mn-lt"/>
+                <a:ea typeface="+mn-ea"/>
+                <a:cs typeface="+mn-cs"/>
+              </a:rPr>
+              <a:t>use</a:t>
+            </a:r>
+            <a:r>
+              <a:rPr lang="ru-RU" sz="1200" b="0" i="0" kern="1200" dirty="0" smtClean="0">
+                <a:solidFill>
+                  <a:schemeClr val="tx1"/>
+                </a:solidFill>
+                <a:effectLst/>
+                <a:latin typeface="+mn-lt"/>
+                <a:ea typeface="+mn-ea"/>
+                <a:cs typeface="+mn-cs"/>
+              </a:rPr>
+              <a:t> </a:t>
+            </a:r>
+            <a:r>
+              <a:rPr lang="ru-RU" sz="1200" b="0" i="0" kern="1200" dirty="0" err="1" smtClean="0">
+                <a:solidFill>
+                  <a:schemeClr val="tx1"/>
+                </a:solidFill>
+                <a:effectLst/>
+                <a:latin typeface="+mn-lt"/>
+                <a:ea typeface="+mn-ea"/>
+                <a:cs typeface="+mn-cs"/>
+              </a:rPr>
+              <a:t>cases</a:t>
+            </a:r>
+            <a:r>
+              <a:rPr lang="ru-RU" sz="1200" b="0" i="0" kern="1200" dirty="0" smtClean="0">
+                <a:solidFill>
+                  <a:schemeClr val="tx1"/>
+                </a:solidFill>
+                <a:effectLst/>
+                <a:latin typeface="+mn-lt"/>
+                <a:ea typeface="+mn-ea"/>
+                <a:cs typeface="+mn-cs"/>
+              </a:rPr>
+              <a:t>, а не отдельную функциональность.</a:t>
+            </a:r>
+          </a:p>
+          <a:p>
+            <a:r>
+              <a:rPr lang="ru-RU" sz="1200" b="0" i="0" kern="1200" dirty="0" smtClean="0">
+                <a:solidFill>
+                  <a:schemeClr val="tx1"/>
+                </a:solidFill>
+                <a:effectLst/>
+                <a:latin typeface="+mn-lt"/>
+                <a:ea typeface="+mn-ea"/>
+                <a:cs typeface="+mn-cs"/>
+              </a:rPr>
+              <a:t>Однако наши классы очень часто используют другие классы в своей работе. Например, слой бизнес логики (</a:t>
+            </a:r>
+            <a:r>
+              <a:rPr lang="ru-RU" sz="1200" b="0" i="0" kern="1200" dirty="0" err="1" smtClean="0">
+                <a:solidFill>
+                  <a:schemeClr val="tx1"/>
+                </a:solidFill>
+                <a:effectLst/>
+                <a:latin typeface="+mn-lt"/>
+                <a:ea typeface="+mn-ea"/>
+                <a:cs typeface="+mn-cs"/>
+              </a:rPr>
+              <a:t>Business</a:t>
+            </a:r>
+            <a:r>
+              <a:rPr lang="ru-RU" sz="1200" b="0" i="0" kern="1200" dirty="0" smtClean="0">
+                <a:solidFill>
+                  <a:schemeClr val="tx1"/>
+                </a:solidFill>
+                <a:effectLst/>
+                <a:latin typeface="+mn-lt"/>
+                <a:ea typeface="+mn-ea"/>
+                <a:cs typeface="+mn-cs"/>
+              </a:rPr>
+              <a:t> </a:t>
+            </a:r>
+            <a:r>
+              <a:rPr lang="ru-RU" sz="1200" b="0" i="0" kern="1200" dirty="0" err="1" smtClean="0">
+                <a:solidFill>
+                  <a:schemeClr val="tx1"/>
+                </a:solidFill>
+                <a:effectLst/>
+                <a:latin typeface="+mn-lt"/>
+                <a:ea typeface="+mn-ea"/>
+                <a:cs typeface="+mn-cs"/>
+              </a:rPr>
+              <a:t>Logic</a:t>
+            </a:r>
+            <a:r>
+              <a:rPr lang="ru-RU" sz="1200" b="0" i="0" kern="1200" dirty="0" smtClean="0">
+                <a:solidFill>
+                  <a:schemeClr val="tx1"/>
+                </a:solidFill>
+                <a:effectLst/>
+                <a:latin typeface="+mn-lt"/>
+                <a:ea typeface="+mn-ea"/>
+                <a:cs typeface="+mn-cs"/>
+              </a:rPr>
+              <a:t> </a:t>
+            </a:r>
+            <a:r>
+              <a:rPr lang="ru-RU" sz="1200" b="0" i="0" kern="1200" dirty="0" err="1" smtClean="0">
+                <a:solidFill>
+                  <a:schemeClr val="tx1"/>
+                </a:solidFill>
+                <a:effectLst/>
+                <a:latin typeface="+mn-lt"/>
+                <a:ea typeface="+mn-ea"/>
+                <a:cs typeface="+mn-cs"/>
+              </a:rPr>
+              <a:t>layer</a:t>
+            </a:r>
+            <a:r>
+              <a:rPr lang="ru-RU" sz="1200" b="0" i="0" kern="1200" dirty="0" smtClean="0">
+                <a:solidFill>
+                  <a:schemeClr val="tx1"/>
+                </a:solidFill>
+                <a:effectLst/>
+                <a:latin typeface="+mn-lt"/>
+                <a:ea typeface="+mn-ea"/>
+                <a:cs typeface="+mn-cs"/>
+              </a:rPr>
+              <a:t>) часто работает с другими объектами бизнес логики или обращается к слою доступа к данным (</a:t>
+            </a:r>
+            <a:r>
+              <a:rPr lang="ru-RU" sz="1200" b="0" i="0" kern="1200" dirty="0" err="1" smtClean="0">
+                <a:solidFill>
+                  <a:schemeClr val="tx1"/>
+                </a:solidFill>
+                <a:effectLst/>
+                <a:latin typeface="+mn-lt"/>
+                <a:ea typeface="+mn-ea"/>
+                <a:cs typeface="+mn-cs"/>
+              </a:rPr>
+              <a:t>Data</a:t>
+            </a:r>
+            <a:r>
+              <a:rPr lang="ru-RU" sz="1200" b="0" i="0" kern="1200" dirty="0" smtClean="0">
+                <a:solidFill>
+                  <a:schemeClr val="tx1"/>
+                </a:solidFill>
+                <a:effectLst/>
+                <a:latin typeface="+mn-lt"/>
+                <a:ea typeface="+mn-ea"/>
+                <a:cs typeface="+mn-cs"/>
+              </a:rPr>
+              <a:t> </a:t>
+            </a:r>
+            <a:r>
+              <a:rPr lang="ru-RU" sz="1200" b="0" i="0" kern="1200" dirty="0" err="1" smtClean="0">
+                <a:solidFill>
+                  <a:schemeClr val="tx1"/>
+                </a:solidFill>
+                <a:effectLst/>
+                <a:latin typeface="+mn-lt"/>
+                <a:ea typeface="+mn-ea"/>
+                <a:cs typeface="+mn-cs"/>
+              </a:rPr>
+              <a:t>Access</a:t>
+            </a:r>
+            <a:r>
+              <a:rPr lang="ru-RU" sz="1200" b="0" i="0" kern="1200" dirty="0" smtClean="0">
+                <a:solidFill>
+                  <a:schemeClr val="tx1"/>
+                </a:solidFill>
+                <a:effectLst/>
+                <a:latin typeface="+mn-lt"/>
+                <a:ea typeface="+mn-ea"/>
+                <a:cs typeface="+mn-cs"/>
+              </a:rPr>
+              <a:t> </a:t>
+            </a:r>
+            <a:r>
+              <a:rPr lang="ru-RU" sz="1200" b="0" i="0" kern="1200" dirty="0" err="1" smtClean="0">
+                <a:solidFill>
+                  <a:schemeClr val="tx1"/>
+                </a:solidFill>
+                <a:effectLst/>
+                <a:latin typeface="+mn-lt"/>
+                <a:ea typeface="+mn-ea"/>
+                <a:cs typeface="+mn-cs"/>
+              </a:rPr>
+              <a:t>layer</a:t>
+            </a:r>
+            <a:r>
+              <a:rPr lang="ru-RU" sz="1200" b="0" i="0" kern="1200" dirty="0" smtClean="0">
+                <a:solidFill>
+                  <a:schemeClr val="tx1"/>
+                </a:solidFill>
+                <a:effectLst/>
+                <a:latin typeface="+mn-lt"/>
+                <a:ea typeface="+mn-ea"/>
+                <a:cs typeface="+mn-cs"/>
+              </a:rPr>
+              <a:t>). В трехслойной архитектуре веб-приложений это вообще постоянный процесс: </a:t>
+            </a:r>
+            <a:r>
+              <a:rPr lang="ru-RU" sz="1200" b="0" i="0" kern="1200" dirty="0" err="1" smtClean="0">
+                <a:solidFill>
+                  <a:schemeClr val="tx1"/>
+                </a:solidFill>
+                <a:effectLst/>
+                <a:latin typeface="+mn-lt"/>
+                <a:ea typeface="+mn-ea"/>
+                <a:cs typeface="+mn-cs"/>
+              </a:rPr>
+              <a:t>Presentation</a:t>
+            </a:r>
+            <a:r>
+              <a:rPr lang="ru-RU" sz="1200" b="0" i="0" kern="1200" dirty="0" smtClean="0">
+                <a:solidFill>
+                  <a:schemeClr val="tx1"/>
+                </a:solidFill>
+                <a:effectLst/>
+                <a:latin typeface="+mn-lt"/>
+                <a:ea typeface="+mn-ea"/>
+                <a:cs typeface="+mn-cs"/>
+              </a:rPr>
+              <a:t> </a:t>
+            </a:r>
+            <a:r>
+              <a:rPr lang="ru-RU" sz="1200" b="0" i="0" kern="1200" dirty="0" err="1" smtClean="0">
+                <a:solidFill>
+                  <a:schemeClr val="tx1"/>
+                </a:solidFill>
+                <a:effectLst/>
+                <a:latin typeface="+mn-lt"/>
+                <a:ea typeface="+mn-ea"/>
+                <a:cs typeface="+mn-cs"/>
+              </a:rPr>
+              <a:t>layer</a:t>
+            </a:r>
+            <a:r>
+              <a:rPr lang="ru-RU" sz="1200" b="0" i="0" kern="1200" dirty="0" smtClean="0">
+                <a:solidFill>
+                  <a:schemeClr val="tx1"/>
+                </a:solidFill>
+                <a:effectLst/>
+                <a:latin typeface="+mn-lt"/>
+                <a:ea typeface="+mn-ea"/>
+                <a:cs typeface="+mn-cs"/>
+              </a:rPr>
+              <a:t> обращается к </a:t>
+            </a:r>
+            <a:r>
+              <a:rPr lang="ru-RU" sz="1200" b="0" i="0" kern="1200" dirty="0" err="1" smtClean="0">
+                <a:solidFill>
+                  <a:schemeClr val="tx1"/>
+                </a:solidFill>
+                <a:effectLst/>
+                <a:latin typeface="+mn-lt"/>
+                <a:ea typeface="+mn-ea"/>
+                <a:cs typeface="+mn-cs"/>
+              </a:rPr>
+              <a:t>Business</a:t>
+            </a:r>
+            <a:r>
+              <a:rPr lang="ru-RU" sz="1200" b="0" i="0" kern="1200" dirty="0" smtClean="0">
+                <a:solidFill>
+                  <a:schemeClr val="tx1"/>
+                </a:solidFill>
+                <a:effectLst/>
+                <a:latin typeface="+mn-lt"/>
+                <a:ea typeface="+mn-ea"/>
+                <a:cs typeface="+mn-cs"/>
+              </a:rPr>
+              <a:t> </a:t>
+            </a:r>
+            <a:r>
+              <a:rPr lang="ru-RU" sz="1200" b="0" i="0" kern="1200" dirty="0" err="1" smtClean="0">
+                <a:solidFill>
+                  <a:schemeClr val="tx1"/>
+                </a:solidFill>
+                <a:effectLst/>
+                <a:latin typeface="+mn-lt"/>
+                <a:ea typeface="+mn-ea"/>
+                <a:cs typeface="+mn-cs"/>
+              </a:rPr>
+              <a:t>Logic</a:t>
+            </a:r>
+            <a:r>
+              <a:rPr lang="ru-RU" sz="1200" b="0" i="0" kern="1200" dirty="0" smtClean="0">
+                <a:solidFill>
+                  <a:schemeClr val="tx1"/>
+                </a:solidFill>
+                <a:effectLst/>
+                <a:latin typeface="+mn-lt"/>
+                <a:ea typeface="+mn-ea"/>
+                <a:cs typeface="+mn-cs"/>
+              </a:rPr>
+              <a:t> </a:t>
+            </a:r>
+            <a:r>
+              <a:rPr lang="ru-RU" sz="1200" b="0" i="0" kern="1200" dirty="0" err="1" smtClean="0">
+                <a:solidFill>
+                  <a:schemeClr val="tx1"/>
+                </a:solidFill>
+                <a:effectLst/>
+                <a:latin typeface="+mn-lt"/>
+                <a:ea typeface="+mn-ea"/>
+                <a:cs typeface="+mn-cs"/>
+              </a:rPr>
+              <a:t>layer</a:t>
+            </a:r>
+            <a:r>
+              <a:rPr lang="ru-RU" sz="1200" b="0" i="0" kern="1200" dirty="0" smtClean="0">
+                <a:solidFill>
+                  <a:schemeClr val="tx1"/>
+                </a:solidFill>
+                <a:effectLst/>
+                <a:latin typeface="+mn-lt"/>
+                <a:ea typeface="+mn-ea"/>
+                <a:cs typeface="+mn-cs"/>
+              </a:rPr>
+              <a:t>, тот, в свою очередь, к </a:t>
+            </a:r>
+            <a:r>
+              <a:rPr lang="ru-RU" sz="1200" b="0" i="0" kern="1200" dirty="0" err="1" smtClean="0">
+                <a:solidFill>
+                  <a:schemeClr val="tx1"/>
+                </a:solidFill>
+                <a:effectLst/>
+                <a:latin typeface="+mn-lt"/>
+                <a:ea typeface="+mn-ea"/>
+                <a:cs typeface="+mn-cs"/>
+              </a:rPr>
+              <a:t>Data</a:t>
+            </a:r>
+            <a:r>
+              <a:rPr lang="ru-RU" sz="1200" b="0" i="0" kern="1200" dirty="0" smtClean="0">
+                <a:solidFill>
+                  <a:schemeClr val="tx1"/>
+                </a:solidFill>
+                <a:effectLst/>
+                <a:latin typeface="+mn-lt"/>
+                <a:ea typeface="+mn-ea"/>
+                <a:cs typeface="+mn-cs"/>
+              </a:rPr>
+              <a:t> </a:t>
+            </a:r>
+            <a:r>
+              <a:rPr lang="ru-RU" sz="1200" b="0" i="0" kern="1200" dirty="0" err="1" smtClean="0">
+                <a:solidFill>
+                  <a:schemeClr val="tx1"/>
+                </a:solidFill>
+                <a:effectLst/>
+                <a:latin typeface="+mn-lt"/>
+                <a:ea typeface="+mn-ea"/>
+                <a:cs typeface="+mn-cs"/>
+              </a:rPr>
+              <a:t>Access</a:t>
+            </a:r>
+            <a:r>
+              <a:rPr lang="ru-RU" sz="1200" b="0" i="0" kern="1200" dirty="0" smtClean="0">
+                <a:solidFill>
+                  <a:schemeClr val="tx1"/>
+                </a:solidFill>
+                <a:effectLst/>
+                <a:latin typeface="+mn-lt"/>
+                <a:ea typeface="+mn-ea"/>
+                <a:cs typeface="+mn-cs"/>
+              </a:rPr>
+              <a:t> </a:t>
+            </a:r>
+            <a:r>
+              <a:rPr lang="ru-RU" sz="1200" b="0" i="0" kern="1200" dirty="0" err="1" smtClean="0">
+                <a:solidFill>
+                  <a:schemeClr val="tx1"/>
+                </a:solidFill>
+                <a:effectLst/>
+                <a:latin typeface="+mn-lt"/>
+                <a:ea typeface="+mn-ea"/>
+                <a:cs typeface="+mn-cs"/>
+              </a:rPr>
+              <a:t>layer</a:t>
+            </a:r>
+            <a:r>
+              <a:rPr lang="ru-RU" sz="1200" b="0" i="0" kern="1200" dirty="0" smtClean="0">
+                <a:solidFill>
+                  <a:schemeClr val="tx1"/>
+                </a:solidFill>
+                <a:effectLst/>
+                <a:latin typeface="+mn-lt"/>
+                <a:ea typeface="+mn-ea"/>
+                <a:cs typeface="+mn-cs"/>
+              </a:rPr>
+              <a:t>, а </a:t>
+            </a:r>
+            <a:r>
+              <a:rPr lang="ru-RU" sz="1200" b="0" i="0" kern="1200" dirty="0" err="1" smtClean="0">
+                <a:solidFill>
+                  <a:schemeClr val="tx1"/>
+                </a:solidFill>
+                <a:effectLst/>
+                <a:latin typeface="+mn-lt"/>
+                <a:ea typeface="+mn-ea"/>
+                <a:cs typeface="+mn-cs"/>
+              </a:rPr>
+              <a:t>Data</a:t>
+            </a:r>
+            <a:r>
+              <a:rPr lang="ru-RU" sz="1200" b="0" i="0" kern="1200" dirty="0" smtClean="0">
+                <a:solidFill>
+                  <a:schemeClr val="tx1"/>
+                </a:solidFill>
+                <a:effectLst/>
+                <a:latin typeface="+mn-lt"/>
+                <a:ea typeface="+mn-ea"/>
+                <a:cs typeface="+mn-cs"/>
+              </a:rPr>
+              <a:t> </a:t>
+            </a:r>
+            <a:r>
+              <a:rPr lang="ru-RU" sz="1200" b="0" i="0" kern="1200" dirty="0" err="1" smtClean="0">
+                <a:solidFill>
+                  <a:schemeClr val="tx1"/>
+                </a:solidFill>
+                <a:effectLst/>
+                <a:latin typeface="+mn-lt"/>
+                <a:ea typeface="+mn-ea"/>
+                <a:cs typeface="+mn-cs"/>
+              </a:rPr>
+              <a:t>Access</a:t>
+            </a:r>
+            <a:r>
+              <a:rPr lang="ru-RU" sz="1200" b="0" i="0" kern="1200" dirty="0" smtClean="0">
+                <a:solidFill>
+                  <a:schemeClr val="tx1"/>
+                </a:solidFill>
+                <a:effectLst/>
+                <a:latin typeface="+mn-lt"/>
+                <a:ea typeface="+mn-ea"/>
+                <a:cs typeface="+mn-cs"/>
+              </a:rPr>
+              <a:t> </a:t>
+            </a:r>
+            <a:r>
+              <a:rPr lang="ru-RU" sz="1200" b="0" i="0" kern="1200" dirty="0" err="1" smtClean="0">
+                <a:solidFill>
+                  <a:schemeClr val="tx1"/>
+                </a:solidFill>
+                <a:effectLst/>
+                <a:latin typeface="+mn-lt"/>
+                <a:ea typeface="+mn-ea"/>
+                <a:cs typeface="+mn-cs"/>
+              </a:rPr>
+              <a:t>layer</a:t>
+            </a:r>
+            <a:r>
+              <a:rPr lang="ru-RU" sz="1200" b="0" i="0" kern="1200" dirty="0" smtClean="0">
+                <a:solidFill>
+                  <a:schemeClr val="tx1"/>
+                </a:solidFill>
+                <a:effectLst/>
+                <a:latin typeface="+mn-lt"/>
+                <a:ea typeface="+mn-ea"/>
+                <a:cs typeface="+mn-cs"/>
+              </a:rPr>
+              <a:t> – к базе данных. Как же тестировать подобный код, если вызов одного метода влечет за собой цепочку вплоть до базы данных?</a:t>
+            </a:r>
+          </a:p>
+          <a:p>
+            <a:endParaRPr lang="en-US" sz="1200" b="0" i="0" kern="1200" dirty="0" smtClean="0">
+              <a:solidFill>
+                <a:schemeClr val="tx1"/>
+              </a:solidFill>
+              <a:effectLst/>
+              <a:latin typeface="+mn-lt"/>
+              <a:ea typeface="+mn-ea"/>
+              <a:cs typeface="+mn-cs"/>
+            </a:endParaRPr>
+          </a:p>
+          <a:p>
+            <a:endParaRPr lang="en-US" sz="1200" b="0" i="0" kern="1200" dirty="0" smtClean="0">
+              <a:solidFill>
+                <a:schemeClr val="tx1"/>
+              </a:solidFill>
+              <a:effectLst/>
+              <a:latin typeface="+mn-lt"/>
+              <a:ea typeface="+mn-ea"/>
+              <a:cs typeface="+mn-cs"/>
+            </a:endParaRPr>
+          </a:p>
+          <a:p>
+            <a:r>
+              <a:rPr lang="ru-RU" sz="1200" b="0" i="0" kern="1200" dirty="0" smtClean="0">
+                <a:solidFill>
+                  <a:schemeClr val="tx1"/>
+                </a:solidFill>
+                <a:effectLst/>
+                <a:latin typeface="+mn-lt"/>
+                <a:ea typeface="+mn-ea"/>
+                <a:cs typeface="+mn-cs"/>
+              </a:rPr>
+              <a:t>В таких случаях на помощь приходят так называемые </a:t>
+            </a:r>
+            <a:r>
+              <a:rPr lang="ru-RU" sz="1200" b="0" i="0" kern="1200" dirty="0" err="1" smtClean="0">
+                <a:solidFill>
+                  <a:schemeClr val="tx1"/>
+                </a:solidFill>
+                <a:effectLst/>
+                <a:latin typeface="+mn-lt"/>
+                <a:ea typeface="+mn-ea"/>
+                <a:cs typeface="+mn-cs"/>
+              </a:rPr>
+              <a:t>mock</a:t>
+            </a:r>
+            <a:r>
+              <a:rPr lang="ru-RU" sz="1200" b="0" i="0" kern="1200" dirty="0" smtClean="0">
+                <a:solidFill>
+                  <a:schemeClr val="tx1"/>
+                </a:solidFill>
+                <a:effectLst/>
+                <a:latin typeface="+mn-lt"/>
+                <a:ea typeface="+mn-ea"/>
+                <a:cs typeface="+mn-cs"/>
+              </a:rPr>
+              <a:t>-объекты, предназначенные для симуляции поведения реальных объектов во время тестирования. Вообще, понятие </a:t>
+            </a:r>
+            <a:r>
+              <a:rPr lang="ru-RU" sz="1200" b="0" i="0" kern="1200" dirty="0" err="1" smtClean="0">
+                <a:solidFill>
+                  <a:schemeClr val="tx1"/>
+                </a:solidFill>
+                <a:effectLst/>
+                <a:latin typeface="+mn-lt"/>
+                <a:ea typeface="+mn-ea"/>
+                <a:cs typeface="+mn-cs"/>
+              </a:rPr>
+              <a:t>mock</a:t>
+            </a:r>
+            <a:r>
+              <a:rPr lang="ru-RU" sz="1200" b="0" i="0" kern="1200" dirty="0" smtClean="0">
+                <a:solidFill>
+                  <a:schemeClr val="tx1"/>
+                </a:solidFill>
+                <a:effectLst/>
+                <a:latin typeface="+mn-lt"/>
+                <a:ea typeface="+mn-ea"/>
+                <a:cs typeface="+mn-cs"/>
+              </a:rPr>
+              <a:t>-объект достаточно широко: оно может, с одной стороны, обозначать любые тест-дублеры (</a:t>
+            </a:r>
+            <a:r>
+              <a:rPr lang="ru-RU" sz="1200" b="0" i="0" kern="1200" dirty="0" err="1" smtClean="0">
+                <a:solidFill>
+                  <a:schemeClr val="tx1"/>
+                </a:solidFill>
+                <a:effectLst/>
+                <a:latin typeface="+mn-lt"/>
+                <a:ea typeface="+mn-ea"/>
+                <a:cs typeface="+mn-cs"/>
+              </a:rPr>
+              <a:t>Test</a:t>
+            </a:r>
+            <a:r>
+              <a:rPr lang="ru-RU" sz="1200" b="0" i="0" kern="1200" dirty="0" smtClean="0">
+                <a:solidFill>
+                  <a:schemeClr val="tx1"/>
+                </a:solidFill>
+                <a:effectLst/>
+                <a:latin typeface="+mn-lt"/>
+                <a:ea typeface="+mn-ea"/>
+                <a:cs typeface="+mn-cs"/>
+              </a:rPr>
+              <a:t> </a:t>
+            </a:r>
+            <a:r>
+              <a:rPr lang="ru-RU" sz="1200" b="0" i="0" kern="1200" dirty="0" err="1" smtClean="0">
+                <a:solidFill>
+                  <a:schemeClr val="tx1"/>
+                </a:solidFill>
+                <a:effectLst/>
+                <a:latin typeface="+mn-lt"/>
+                <a:ea typeface="+mn-ea"/>
+                <a:cs typeface="+mn-cs"/>
+              </a:rPr>
+              <a:t>Doubles</a:t>
+            </a:r>
+            <a:r>
+              <a:rPr lang="ru-RU" sz="1200" b="0" i="0" kern="1200" dirty="0" smtClean="0">
+                <a:solidFill>
+                  <a:schemeClr val="tx1"/>
+                </a:solidFill>
+                <a:effectLst/>
+                <a:latin typeface="+mn-lt"/>
+                <a:ea typeface="+mn-ea"/>
+                <a:cs typeface="+mn-cs"/>
+              </a:rPr>
+              <a:t>) или конкретный вид этих дублеров – </a:t>
+            </a:r>
+            <a:r>
+              <a:rPr lang="ru-RU" sz="1200" b="0" i="0" kern="1200" dirty="0" err="1" smtClean="0">
+                <a:solidFill>
+                  <a:schemeClr val="tx1"/>
+                </a:solidFill>
+                <a:effectLst/>
+                <a:latin typeface="+mn-lt"/>
+                <a:ea typeface="+mn-ea"/>
+                <a:cs typeface="+mn-cs"/>
+              </a:rPr>
+              <a:t>mock</a:t>
+            </a:r>
+            <a:r>
+              <a:rPr lang="ru-RU" sz="1200" b="0" i="0" kern="1200" dirty="0" smtClean="0">
+                <a:solidFill>
+                  <a:schemeClr val="tx1"/>
+                </a:solidFill>
+                <a:effectLst/>
+                <a:latin typeface="+mn-lt"/>
+                <a:ea typeface="+mn-ea"/>
+                <a:cs typeface="+mn-cs"/>
+              </a:rPr>
+              <a:t>-объекты. Я постараюсь использовать этот термин исключительно во втором случае, чтобы никого не путать, и не запутаться самому :)</a:t>
+            </a:r>
+          </a:p>
+          <a:p>
+            <a:endParaRPr lang="ru-RU" sz="1200" b="0" i="0" kern="1200" dirty="0" smtClean="0">
+              <a:solidFill>
+                <a:schemeClr val="tx1"/>
+              </a:solidFill>
+              <a:effectLst/>
+              <a:latin typeface="+mn-lt"/>
+              <a:ea typeface="+mn-ea"/>
+              <a:cs typeface="+mn-cs"/>
+            </a:endParaRPr>
+          </a:p>
+          <a:p>
+            <a:r>
+              <a:rPr lang="ru-RU" sz="1200" b="0" i="0" kern="1200" dirty="0" smtClean="0">
+                <a:solidFill>
+                  <a:schemeClr val="tx1"/>
+                </a:solidFill>
+                <a:effectLst/>
+                <a:latin typeface="+mn-lt"/>
+                <a:ea typeface="+mn-ea"/>
+                <a:cs typeface="+mn-cs"/>
+              </a:rPr>
+              <a:t>Понятие тест-дублеров введено неким </a:t>
+            </a:r>
+            <a:r>
+              <a:rPr lang="ru-RU" sz="1200" b="0" i="0" kern="1200" dirty="0" err="1" smtClean="0">
+                <a:solidFill>
+                  <a:schemeClr val="tx1"/>
+                </a:solidFill>
+                <a:effectLst/>
+                <a:latin typeface="+mn-lt"/>
+                <a:ea typeface="+mn-ea"/>
+                <a:cs typeface="+mn-cs"/>
+              </a:rPr>
+              <a:t>Gerard</a:t>
+            </a:r>
+            <a:r>
+              <a:rPr lang="ru-RU" sz="1200" b="0" i="0" kern="1200" dirty="0" smtClean="0">
+                <a:solidFill>
+                  <a:schemeClr val="tx1"/>
+                </a:solidFill>
+                <a:effectLst/>
+                <a:latin typeface="+mn-lt"/>
+                <a:ea typeface="+mn-ea"/>
+                <a:cs typeface="+mn-cs"/>
+              </a:rPr>
+              <a:t> </a:t>
+            </a:r>
+            <a:r>
+              <a:rPr lang="ru-RU" sz="1200" b="0" i="0" kern="1200" dirty="0" err="1" smtClean="0">
+                <a:solidFill>
+                  <a:schemeClr val="tx1"/>
+                </a:solidFill>
+                <a:effectLst/>
+                <a:latin typeface="+mn-lt"/>
+                <a:ea typeface="+mn-ea"/>
+                <a:cs typeface="+mn-cs"/>
+              </a:rPr>
+              <a:t>Meszaros</a:t>
+            </a:r>
+            <a:r>
+              <a:rPr lang="ru-RU" sz="1200" b="0" i="0" kern="1200" dirty="0" smtClean="0">
+                <a:solidFill>
+                  <a:schemeClr val="tx1"/>
+                </a:solidFill>
+                <a:effectLst/>
+                <a:latin typeface="+mn-lt"/>
+                <a:ea typeface="+mn-ea"/>
+                <a:cs typeface="+mn-cs"/>
+              </a:rPr>
+              <a:t> в </a:t>
+            </a:r>
+            <a:r>
+              <a:rPr lang="ru-RU" sz="1200" b="0" i="0" u="none" strike="noStrike" kern="1200" dirty="0" smtClean="0">
+                <a:solidFill>
+                  <a:schemeClr val="tx1"/>
+                </a:solidFill>
+                <a:effectLst/>
+                <a:latin typeface="+mn-lt"/>
+                <a:ea typeface="+mn-ea"/>
+                <a:cs typeface="+mn-cs"/>
+                <a:hlinkClick r:id="rId3"/>
+              </a:rPr>
+              <a:t>своей книге «XUnit Test Patterns»</a:t>
+            </a:r>
+            <a:r>
+              <a:rPr lang="ru-RU" sz="1200" b="0" i="0" kern="1200" dirty="0" smtClean="0">
+                <a:solidFill>
+                  <a:schemeClr val="tx1"/>
+                </a:solidFill>
+                <a:effectLst/>
+                <a:latin typeface="+mn-lt"/>
+                <a:ea typeface="+mn-ea"/>
+                <a:cs typeface="+mn-cs"/>
+              </a:rPr>
+              <a:t> и теперь </a:t>
+            </a:r>
+            <a:r>
+              <a:rPr lang="ru-RU" sz="1200" b="0" i="0" u="none" strike="noStrike" kern="1200" dirty="0" smtClean="0">
+                <a:solidFill>
+                  <a:schemeClr val="tx1"/>
+                </a:solidFill>
+                <a:effectLst/>
+                <a:latin typeface="+mn-lt"/>
+                <a:ea typeface="+mn-ea"/>
+                <a:cs typeface="+mn-cs"/>
+                <a:hlinkClick r:id="rId4"/>
+              </a:rPr>
+              <a:t>с подачи</a:t>
+            </a:r>
+            <a:r>
+              <a:rPr lang="ru-RU" sz="1200" b="0" i="0" kern="1200" dirty="0" smtClean="0">
+                <a:solidFill>
+                  <a:schemeClr val="tx1"/>
+                </a:solidFill>
+                <a:effectLst/>
+                <a:latin typeface="+mn-lt"/>
+                <a:ea typeface="+mn-ea"/>
+                <a:cs typeface="+mn-cs"/>
+              </a:rPr>
+              <a:t> небезызвестного Мартина </a:t>
+            </a:r>
+            <a:r>
+              <a:rPr lang="ru-RU" sz="1200" b="0" i="0" kern="1200" dirty="0" err="1" smtClean="0">
+                <a:solidFill>
+                  <a:schemeClr val="tx1"/>
+                </a:solidFill>
+                <a:effectLst/>
+                <a:latin typeface="+mn-lt"/>
+                <a:ea typeface="+mn-ea"/>
+                <a:cs typeface="+mn-cs"/>
+              </a:rPr>
+              <a:t>Фаулера</a:t>
+            </a:r>
+            <a:r>
+              <a:rPr lang="ru-RU" sz="1200" b="0" i="0" kern="1200" dirty="0" smtClean="0">
+                <a:solidFill>
+                  <a:schemeClr val="tx1"/>
+                </a:solidFill>
+                <a:effectLst/>
+                <a:latin typeface="+mn-lt"/>
+                <a:ea typeface="+mn-ea"/>
+                <a:cs typeface="+mn-cs"/>
+              </a:rPr>
+              <a:t> эта терминология набирает популярность. </a:t>
+            </a:r>
+            <a:r>
+              <a:rPr lang="ru-RU" sz="1200" b="0" i="0" kern="1200" dirty="0" err="1" smtClean="0">
+                <a:solidFill>
+                  <a:schemeClr val="tx1"/>
+                </a:solidFill>
+                <a:effectLst/>
+                <a:latin typeface="+mn-lt"/>
+                <a:ea typeface="+mn-ea"/>
+                <a:cs typeface="+mn-cs"/>
+              </a:rPr>
+              <a:t>Джерард</a:t>
+            </a:r>
+            <a:r>
+              <a:rPr lang="ru-RU" sz="1200" b="0" i="0" kern="1200" dirty="0" smtClean="0">
+                <a:solidFill>
+                  <a:schemeClr val="tx1"/>
+                </a:solidFill>
+                <a:effectLst/>
+                <a:latin typeface="+mn-lt"/>
+                <a:ea typeface="+mn-ea"/>
+                <a:cs typeface="+mn-cs"/>
+              </a:rPr>
+              <a:t> и Мартин делят все тест-дублеры на 4 группы:</a:t>
+            </a:r>
+            <a:endParaRPr lang="en-US" sz="1200" b="0" i="0" kern="1200" dirty="0" smtClean="0">
+              <a:solidFill>
+                <a:schemeClr val="tx1"/>
+              </a:solidFill>
+              <a:effectLst/>
+              <a:latin typeface="+mn-lt"/>
+              <a:ea typeface="+mn-ea"/>
+              <a:cs typeface="+mn-cs"/>
+            </a:endParaRPr>
+          </a:p>
+          <a:p>
+            <a:r>
+              <a:rPr lang="en-US" sz="1200" b="0" i="0" kern="1200" dirty="0" smtClean="0">
+                <a:solidFill>
+                  <a:schemeClr val="tx1"/>
+                </a:solidFill>
+                <a:effectLst/>
+                <a:latin typeface="+mn-lt"/>
+                <a:ea typeface="+mn-ea"/>
+                <a:cs typeface="+mn-cs"/>
+              </a:rPr>
+              <a:t>http://</a:t>
+            </a:r>
+            <a:r>
+              <a:rPr lang="en-US" sz="1200" b="0" i="0" kern="1200" dirty="0" err="1" smtClean="0">
+                <a:solidFill>
+                  <a:schemeClr val="tx1"/>
+                </a:solidFill>
+                <a:effectLst/>
+                <a:latin typeface="+mn-lt"/>
+                <a:ea typeface="+mn-ea"/>
+                <a:cs typeface="+mn-cs"/>
+              </a:rPr>
+              <a:t>habrahabr.ru</a:t>
+            </a:r>
+            <a:r>
+              <a:rPr lang="en-US" sz="1200" b="0" i="0" kern="1200" dirty="0" smtClean="0">
+                <a:solidFill>
+                  <a:schemeClr val="tx1"/>
+                </a:solidFill>
+                <a:effectLst/>
+                <a:latin typeface="+mn-lt"/>
+                <a:ea typeface="+mn-ea"/>
+                <a:cs typeface="+mn-cs"/>
+              </a:rPr>
+              <a:t>/post/116372/</a:t>
+            </a:r>
+          </a:p>
+          <a:p>
+            <a:r>
               <a:rPr lang="en-US" dirty="0" smtClean="0"/>
               <a:t>http://</a:t>
             </a:r>
             <a:r>
               <a:rPr lang="en-US" dirty="0" err="1" smtClean="0"/>
-              <a:t>habrahabr.ru</a:t>
+              <a:t>xunitpatterns.com</a:t>
             </a:r>
             <a:r>
               <a:rPr lang="en-US" dirty="0" smtClean="0"/>
-              <a:t>/post/150859/</a:t>
-            </a:r>
-          </a:p>
-          <a:p>
-            <a:r>
-              <a:rPr lang="en-US" dirty="0" smtClean="0"/>
-              <a:t>http://</a:t>
-            </a:r>
-            <a:r>
-              <a:rPr lang="en-US" dirty="0" err="1" smtClean="0"/>
-              <a:t>sergeyteplyakov.blogspot.com.by</a:t>
-            </a:r>
-            <a:r>
-              <a:rPr lang="en-US" dirty="0" smtClean="0"/>
-              <a:t>/2011/12/blog-</a:t>
-            </a:r>
-            <a:r>
-              <a:rPr lang="en-US" dirty="0" err="1" smtClean="0"/>
-              <a:t>post.html</a:t>
-            </a:r>
-            <a:endParaRPr lang="en-US" dirty="0" smtClean="0"/>
-          </a:p>
-          <a:p>
-            <a:r>
-              <a:rPr lang="en-US" dirty="0" smtClean="0"/>
-              <a:t>http://</a:t>
-            </a:r>
-            <a:r>
-              <a:rPr lang="en-US" dirty="0" err="1" smtClean="0"/>
-              <a:t>sergeyteplyakov.blogspot.com.by</a:t>
-            </a:r>
-            <a:r>
-              <a:rPr lang="en-US" dirty="0" smtClean="0"/>
-              <a:t>/2014/01/</a:t>
-            </a:r>
-            <a:r>
-              <a:rPr lang="en-US" dirty="0" err="1" smtClean="0"/>
-              <a:t>microsoft</a:t>
-            </a:r>
-            <a:r>
-              <a:rPr lang="en-US" dirty="0" smtClean="0"/>
-              <a:t>-fakes-state-</a:t>
-            </a:r>
-            <a:r>
-              <a:rPr lang="en-US" smtClean="0"/>
-              <a:t>verification.html</a:t>
-            </a:r>
-            <a:endParaRPr lang="en-US"/>
+              <a:t>/</a:t>
+            </a:r>
+            <a:endParaRPr lang="en-US" dirty="0"/>
           </a:p>
         </p:txBody>
       </p:sp>
@@ -12131,7 +12108,7 @@
           <a:p>
             <a:fld id="{07D34B46-4A0F-491A-A398-B220DCB32F65}" type="slidenum">
               <a:rPr lang="en-US" smtClean="0"/>
-              <a:t>32</a:t>
+              <a:t>30</a:t>
             </a:fld>
             <a:endParaRPr lang="en-US"/>
           </a:p>
@@ -12140,7 +12117,7 @@
     </p:spTree>
     <p:extLst>
       <p:ext uri="{BB962C8B-B14F-4D97-AF65-F5344CB8AC3E}">
-        <p14:creationId xmlns:p14="http://schemas.microsoft.com/office/powerpoint/2010/main" val="1597322404"/>
+        <p14:creationId xmlns:p14="http://schemas.microsoft.com/office/powerpoint/2010/main" val="1671294892"/>
       </p:ext>
     </p:extLst>
   </p:cSld>
@@ -12194,7 +12171,64 @@
           <a:bodyPr/>
           <a:lstStyle/>
           <a:p>
-            <a:endParaRPr lang="en-US" dirty="0"/>
+            <a:r>
+              <a:rPr lang="en-US" dirty="0" smtClean="0"/>
+              <a:t>http://</a:t>
+            </a:r>
+            <a:r>
+              <a:rPr lang="en-US" dirty="0" err="1" smtClean="0"/>
+              <a:t>habrahabr.ru</a:t>
+            </a:r>
+            <a:r>
+              <a:rPr lang="en-US" dirty="0" smtClean="0"/>
+              <a:t>/post/150859/</a:t>
+            </a:r>
+          </a:p>
+          <a:p>
+            <a:r>
+              <a:rPr lang="en-US" dirty="0" smtClean="0"/>
+              <a:t>http://</a:t>
+            </a:r>
+            <a:r>
+              <a:rPr lang="en-US" dirty="0" err="1" smtClean="0"/>
+              <a:t>sergeyteplyakov.blogspot.com.by</a:t>
+            </a:r>
+            <a:r>
+              <a:rPr lang="en-US" dirty="0" smtClean="0"/>
+              <a:t>/2011/12/blog-</a:t>
+            </a:r>
+            <a:r>
+              <a:rPr lang="en-US" dirty="0" err="1" smtClean="0"/>
+              <a:t>post.html</a:t>
+            </a:r>
+            <a:endParaRPr lang="en-US" dirty="0" smtClean="0"/>
+          </a:p>
+          <a:p>
+            <a:r>
+              <a:rPr lang="en-US" dirty="0" smtClean="0"/>
+              <a:t>http://</a:t>
+            </a:r>
+            <a:r>
+              <a:rPr lang="en-US" dirty="0" err="1" smtClean="0"/>
+              <a:t>sergeyteplyakov.blogspot.com.by</a:t>
+            </a:r>
+            <a:r>
+              <a:rPr lang="en-US" dirty="0" smtClean="0"/>
+              <a:t>/2014/01/</a:t>
+            </a:r>
+            <a:r>
+              <a:rPr lang="en-US" dirty="0" err="1" smtClean="0"/>
+              <a:t>microsoft</a:t>
+            </a:r>
+            <a:r>
+              <a:rPr lang="en-US" dirty="0" smtClean="0"/>
+              <a:t>-fakes-state-</a:t>
+            </a:r>
+            <a:r>
+              <a:rPr lang="en-US" smtClean="0"/>
+              <a:t>verification.html</a:t>
+            </a:r>
+            <a:endParaRPr lang="en-US"/>
           </a:p>
         </p:txBody>
       </p:sp>
@@ -12215,7 +12249,7 @@
           <a:p>
             <a:fld id="{07D34B46-4A0F-491A-A398-B220DCB32F65}" type="slidenum">
               <a:rPr lang="en-US" smtClean="0"/>
-              <a:t>36</a:t>
+              <a:t>32</a:t>
             </a:fld>
             <a:endParaRPr lang="en-US"/>
           </a:p>
@@ -12224,7 +12258,7 @@
     </p:spTree>
     <p:extLst>
       <p:ext uri="{BB962C8B-B14F-4D97-AF65-F5344CB8AC3E}">
-        <p14:creationId xmlns:p14="http://schemas.microsoft.com/office/powerpoint/2010/main" val="726371155"/>
+        <p14:creationId xmlns:p14="http://schemas.microsoft.com/office/powerpoint/2010/main" val="1597322404"/>
       </p:ext>
     </p:extLst>
   </p:cSld>
@@ -13002,6 +13036,90 @@
     <p:extLst>
       <p:ext uri="{BB962C8B-B14F-4D97-AF65-F5344CB8AC3E}">
         <p14:creationId xmlns:p14="http://schemas.microsoft.com/office/powerpoint/2010/main" val="610515434"/>
+      </p:ext>
+    </p:extLst>
+  </p:cSld>
+  <p:clrMapOvr>
+    <a:masterClrMapping/>
+  </p:clrMapOvr>
+</p:notes>
+</file>
+
+<file path=ppt/notesSlides/notesSlide20.xml><?xml version="1.0" encoding="utf-8"?>
+<p:notes xmlns:a="http://schemas.openxmlformats.org/drawingml/2006/main" xmlns:r="http://schemas.openxmlformats.org/officeDocument/2006/relationships" xmlns:p="http://schemas.openxmlformats.org/presentationml/2006/main">
+  <p:cSld>
+    <p:spTree>
+      <p:nvGrpSpPr>
+        <p:cNvPr id="1" name=""/>
+        <p:cNvGrpSpPr/>
+        <p:nvPr/>
+      </p:nvGrpSpPr>
+      <p:grpSpPr>
+        <a:xfrm>
+          <a:off x="0" y="0"/>
+          <a:ext cx="0" cy="0"/>
+          <a:chOff x="0" y="0"/>
+          <a:chExt cx="0" cy="0"/>
+        </a:xfrm>
+      </p:grpSpPr>
+      <p:sp>
+        <p:nvSpPr>
+          <p:cNvPr id="2" name="Slide Image Placeholder 1"/>
+          <p:cNvSpPr>
+            <a:spLocks noGrp="1" noRot="1" noChangeAspect="1"/>
+          </p:cNvSpPr>
+          <p:nvPr>
+            <p:ph type="sldImg"/>
+          </p:nvPr>
+        </p:nvSpPr>
+        <p:spPr/>
+      </p:sp>
+      <p:sp>
+        <p:nvSpPr>
+          <p:cNvPr id="3" name="Notes Placeholder 2"/>
+          <p:cNvSpPr>
+            <a:spLocks noGrp="1"/>
+          </p:cNvSpPr>
+          <p:nvPr>
+            <p:ph type="body" idx="1"/>
+          </p:nvPr>
+        </p:nvSpPr>
+        <p:spPr/>
+        <p:txBody>
+          <a:bodyPr/>
+          <a:lstStyle/>
+          <a:p>
+            <a:endParaRPr lang="en-US" dirty="0"/>
+          </a:p>
+        </p:txBody>
+      </p:sp>
+      <p:sp>
+        <p:nvSpPr>
+          <p:cNvPr id="4" name="Slide Number Placeholder 3"/>
+          <p:cNvSpPr>
+            <a:spLocks noGrp="1"/>
+          </p:cNvSpPr>
+          <p:nvPr>
+            <p:ph type="sldNum" sz="quarter" idx="10"/>
+          </p:nvPr>
+        </p:nvSpPr>
+        <p:spPr/>
+        <p:txBody>
+          <a:bodyPr/>
+          <a:lstStyle/>
+          <a:p>
+            <a:fld id="{07D34B46-4A0F-491A-A398-B220DCB32F65}" type="slidenum">
+              <a:rPr lang="en-US" smtClean="0"/>
+              <a:t>36</a:t>
+            </a:fld>
+            <a:endParaRPr lang="en-US"/>
+          </a:p>
+        </p:txBody>
+      </p:sp>
+    </p:spTree>
+    <p:extLst>
+      <p:ext uri="{BB962C8B-B14F-4D97-AF65-F5344CB8AC3E}">
+        <p14:creationId xmlns:p14="http://schemas.microsoft.com/office/powerpoint/2010/main" val="726371155"/>
       </p:ext>
     </p:extLst>
   </p:cSld>
@@ -13934,16 +14052,13 @@
               <a:rPr lang="ru-RU" dirty="0" smtClean="0"/>
               <a:t>,</a:t>
             </a:r>
+            <a:endParaRPr lang="en-US" dirty="0" smtClean="0"/>
           </a:p>
           <a:p>
             <a:pPr marL="285750" indent="-285750" algn="just">
               <a:buFont typeface="Wingdings" charset="2"/>
               <a:buChar char="ü"/>
             </a:pPr>
-            <a:r>
-              <a:rPr lang="ru-RU" i="1" dirty="0" smtClean="0"/>
-              <a:t>Системное </a:t>
-            </a:r>
             <a:r>
               <a:rPr lang="ru-RU" sz="1200" b="0" i="0" kern="1200" dirty="0" smtClean="0">
                 <a:solidFill>
@@ -13991,7 +14106,7 @@
           <a:p>
             <a:fld id="{07D34B46-4A0F-491A-A398-B220DCB32F65}" type="slidenum">
               <a:rPr lang="en-US" smtClean="0"/>
-              <a:t>6</a:t>
+              <a:t>7</a:t>
             </a:fld>
             <a:endParaRPr lang="en-US"/>
           </a:p>
@@ -14054,7 +14169,6 @@
           <a:bodyPr/>
           <a:lstStyle/>
           <a:p>
-            <a:pPr fontAlgn="base"/>
             <a:r>
               <a:rPr lang="ru-RU" sz="1200" b="0" i="0" kern="1200" dirty="0" smtClean="0">
                 <a:solidFill>
@@ -14065,191 +14179,8 @@
                 <a:ea typeface="+mn-ea"/>
                 <a:cs typeface="+mn-cs"/>
               </a:rPr>
-              <a:t>В своей практике я много раз встречался с проектами старше года. Они делятся на три категории:</a:t>
-            </a:r>
-            <a:r>
-              <a:rPr lang="ru-RU" dirty="0" smtClean="0"/>
-              <a:t/>
-            </a:r>
-            <a:br>
-              <a:rPr lang="ru-RU" dirty="0" smtClean="0"/>
-            </a:br>
-            <a:r>
-              <a:rPr lang="ru-RU" sz="1200" b="1" i="0" kern="1200" dirty="0" smtClean="0">
-                <a:solidFill>
-                  <a:schemeClr val="tx1"/>
-                </a:solidFill>
-                <a:effectLst/>
-                <a:latin typeface="+mn-lt"/>
-                <a:ea typeface="+mn-ea"/>
-                <a:cs typeface="+mn-cs"/>
-              </a:rPr>
-              <a:t>Без покрытия тестами. </a:t>
-            </a:r>
-            <a:r>
-              <a:rPr lang="ru-RU" sz="1200" b="0" i="0" kern="1200" dirty="0" smtClean="0">
-                <a:solidFill>
-                  <a:schemeClr val="tx1"/>
-                </a:solidFill>
-                <a:effectLst/>
-                <a:latin typeface="+mn-lt"/>
-                <a:ea typeface="+mn-ea"/>
-                <a:cs typeface="+mn-cs"/>
-              </a:rPr>
-              <a:t>Обычно такие системы сопровождаются спагетти-кодом и уволившимися ведущими разработчиками. Никто в компании не знает, как именно все это работает. Да и что оно в конечном итоге должно делать, сотрудники представляют весьма отдаленно.</a:t>
-            </a:r>
-          </a:p>
-          <a:p>
-            <a:pPr fontAlgn="base"/>
-            <a:r>
-              <a:rPr lang="ru-RU" sz="1200" b="1" i="0" kern="1200" dirty="0" smtClean="0">
-                <a:solidFill>
-                  <a:schemeClr val="tx1"/>
-                </a:solidFill>
-                <a:effectLst/>
-                <a:latin typeface="+mn-lt"/>
-                <a:ea typeface="+mn-ea"/>
-                <a:cs typeface="+mn-cs"/>
-              </a:rPr>
-              <a:t>С тестами, которые никто не запускает и не поддерживает. </a:t>
-            </a:r>
-            <a:r>
-              <a:rPr lang="ru-RU" sz="1200" b="0" i="0" kern="1200" dirty="0" smtClean="0">
-                <a:solidFill>
-                  <a:schemeClr val="tx1"/>
-                </a:solidFill>
-                <a:effectLst/>
-                <a:latin typeface="+mn-lt"/>
-                <a:ea typeface="+mn-ea"/>
-                <a:cs typeface="+mn-cs"/>
-              </a:rPr>
-              <a:t>Тесты в системе есть, но что они тестируют, и какой от них ожидается результат, неизвестно. Ситуация уже лучше. Присутствует какая-никакая архитектура, есть понимание, что такое слабая связанность. Можно отыскать некоторые документы. Скорее всего, в компании еще работает главный разработчик системы, который держит в голове особенности и хитросплетения кода.</a:t>
-            </a:r>
-          </a:p>
-          <a:p>
-            <a:pPr fontAlgn="base"/>
-            <a:r>
-              <a:rPr lang="ru-RU" sz="1200" b="1" i="0" kern="1200" dirty="0" smtClean="0">
-                <a:solidFill>
-                  <a:schemeClr val="tx1"/>
-                </a:solidFill>
-                <a:effectLst/>
-                <a:latin typeface="+mn-lt"/>
-                <a:ea typeface="+mn-ea"/>
-                <a:cs typeface="+mn-cs"/>
-              </a:rPr>
-              <a:t>С серьезным покрытием. Все тесты проходят.</a:t>
-            </a:r>
-            <a:r>
-              <a:rPr lang="ru-RU" sz="1200" b="0" i="0" kern="1200" dirty="0" smtClean="0">
-                <a:solidFill>
-                  <a:schemeClr val="tx1"/>
-                </a:solidFill>
-                <a:effectLst/>
-                <a:latin typeface="+mn-lt"/>
-                <a:ea typeface="+mn-ea"/>
-                <a:cs typeface="+mn-cs"/>
-              </a:rPr>
-              <a:t> Если тесты в проекте действительно запускаются, то их много. Гораздо больше, чем в системах из предыдущей группы. И теперь каждый из них – атомарный: один тест проверяет только одну вещь. Тест является спецификацией метода класса, контрактом: какие входные параметры ожидает этот метод, и что остальные компоненты системы ждут от него на выходе. Таких систем гораздо меньше. В них присутствует актуальная спецификация. Текста немного: обычно пара страниц, с описанием основных </a:t>
-            </a:r>
-            <a:r>
-              <a:rPr lang="ru-RU" sz="1200" b="0" i="0" kern="1200" dirty="0" err="1" smtClean="0">
-                <a:solidFill>
-                  <a:schemeClr val="tx1"/>
-                </a:solidFill>
-                <a:effectLst/>
-                <a:latin typeface="+mn-lt"/>
-                <a:ea typeface="+mn-ea"/>
-                <a:cs typeface="+mn-cs"/>
-              </a:rPr>
-              <a:t>фич</a:t>
-            </a:r>
-            <a:r>
-              <a:rPr lang="ru-RU" sz="1200" b="0" i="0" kern="1200" dirty="0" smtClean="0">
-                <a:solidFill>
-                  <a:schemeClr val="tx1"/>
-                </a:solidFill>
-                <a:effectLst/>
-                <a:latin typeface="+mn-lt"/>
-                <a:ea typeface="+mn-ea"/>
-                <a:cs typeface="+mn-cs"/>
-              </a:rPr>
-              <a:t>, схем серверов и </a:t>
-            </a:r>
-            <a:r>
-              <a:rPr lang="ru-RU" sz="1200" b="0" i="1" kern="1200" dirty="0" err="1" smtClean="0">
-                <a:solidFill>
-                  <a:schemeClr val="tx1"/>
-                </a:solidFill>
-                <a:effectLst/>
-                <a:latin typeface="+mn-lt"/>
-                <a:ea typeface="+mn-ea"/>
-                <a:cs typeface="+mn-cs"/>
-              </a:rPr>
-              <a:t>getting</a:t>
-            </a:r>
-            <a:r>
-              <a:rPr lang="ru-RU" sz="1200" b="0" i="1" kern="1200" dirty="0" smtClean="0">
-                <a:solidFill>
-                  <a:schemeClr val="tx1"/>
-                </a:solidFill>
-                <a:effectLst/>
-                <a:latin typeface="+mn-lt"/>
-                <a:ea typeface="+mn-ea"/>
-                <a:cs typeface="+mn-cs"/>
-              </a:rPr>
-              <a:t> </a:t>
-            </a:r>
-            <a:r>
-              <a:rPr lang="ru-RU" sz="1200" b="0" i="1" kern="1200" dirty="0" err="1" smtClean="0">
-                <a:solidFill>
-                  <a:schemeClr val="tx1"/>
-                </a:solidFill>
-                <a:effectLst/>
-                <a:latin typeface="+mn-lt"/>
-                <a:ea typeface="+mn-ea"/>
-                <a:cs typeface="+mn-cs"/>
-              </a:rPr>
-              <a:t>started</a:t>
-            </a:r>
-            <a:r>
-              <a:rPr lang="ru-RU" sz="1200" b="0" i="1" kern="1200" dirty="0" smtClean="0">
-                <a:solidFill>
-                  <a:schemeClr val="tx1"/>
-                </a:solidFill>
-                <a:effectLst/>
-                <a:latin typeface="+mn-lt"/>
-                <a:ea typeface="+mn-ea"/>
-                <a:cs typeface="+mn-cs"/>
-              </a:rPr>
-              <a:t> </a:t>
-            </a:r>
-            <a:r>
-              <a:rPr lang="ru-RU" sz="1200" b="0" i="1" kern="1200" dirty="0" err="1" smtClean="0">
-                <a:solidFill>
-                  <a:schemeClr val="tx1"/>
-                </a:solidFill>
-                <a:effectLst/>
-                <a:latin typeface="+mn-lt"/>
-                <a:ea typeface="+mn-ea"/>
-                <a:cs typeface="+mn-cs"/>
-              </a:rPr>
-              <a:t>guide’ом</a:t>
-            </a:r>
-            <a:r>
-              <a:rPr lang="ru-RU" sz="1200" b="0" i="0" kern="1200" dirty="0" smtClean="0">
-                <a:solidFill>
-                  <a:schemeClr val="tx1"/>
-                </a:solidFill>
-                <a:effectLst/>
-                <a:latin typeface="+mn-lt"/>
-                <a:ea typeface="+mn-ea"/>
-                <a:cs typeface="+mn-cs"/>
-              </a:rPr>
-              <a:t>. В этом случае проект не зависит от людей. Разработчики могут приходить и уходить. Система надежно протестирована и сама рассказывает о себе путем тестов.</a:t>
-            </a:r>
-          </a:p>
-          <a:p>
+              <a:t>В первых трех случаях по объективным причинам (сжатые сроки, бюджеты, размытые цели или очень простые требования) вы не получите выигрыша от написания тестов.</a:t>
+            </a:r>
             <a:endParaRPr lang="en-US" dirty="0"/>
           </a:p>
         </p:txBody>
@@ -14271,7 +14202,7 @@
           <a:p>
             <a:fld id="{07D34B46-4A0F-491A-A398-B220DCB32F65}" type="slidenum">
               <a:rPr lang="en-US" smtClean="0"/>
-              <a:t>10</a:t>
+              <a:t>8</a:t>
             </a:fld>
             <a:endParaRPr lang="en-US"/>
           </a:p>
@@ -14280,7 +14211,7 @@
     </p:spTree>
     <p:extLst>
       <p:ext uri="{BB962C8B-B14F-4D97-AF65-F5344CB8AC3E}">
-        <p14:creationId xmlns:p14="http://schemas.microsoft.com/office/powerpoint/2010/main" val="219544266"/>
+        <p14:creationId xmlns:p14="http://schemas.microsoft.com/office/powerpoint/2010/main" val="1374344043"/>
       </p:ext>
     </p:extLst>
   </p:cSld>
@@ -14334,32 +14265,200 @@
           <a:bodyPr/>
           <a:lstStyle/>
           <a:p>
-            <a:pPr marL="0" marR="0" lvl="0" indent="0" algn="l" defTabSz="914400" rtl="0" eaLnBrk="1" fontAlgn="auto" latinLnBrk="0" hangingPunct="1">
-              <a:lnSpc>
-                <a:spcPct val="100000"/>
-              </a:lnSpc>
-              <a:spcBef>
-                <a:spcPts val="0"/>
-              </a:spcBef>
-              <a:spcAft>
-                <a:spcPts val="0"/>
-              </a:spcAft>
-              <a:buClrTx/>
-              <a:buSzTx/>
-              <a:buFontTx/>
-              <a:buNone/>
-              <a:tabLst/>
-              <a:defRPr/>
-            </a:pPr>
+            <a:pPr fontAlgn="base"/>
+            <a:r>
+              <a:rPr lang="ru-RU" sz="1200" b="0" i="0" kern="1200" dirty="0" smtClean="0">
+                <a:solidFill>
+                  <a:schemeClr val="tx1"/>
+                </a:solidFill>
+                <a:effectLst/>
+                <a:latin typeface="+mn-lt"/>
+                <a:ea typeface="+mn-ea"/>
+                <a:cs typeface="+mn-cs"/>
+              </a:rPr>
+              <a:t>В своей практике я много раз встречался с проектами старше года. Они делятся на три категории:</a:t>
+            </a:r>
             <a:r>
               <a:rPr lang="ru-RU" dirty="0" smtClean="0"/>
-              <a:t>- </a:t>
-            </a:r>
-            <a:r>
-              <a:rPr lang="ru-RU" b="0" dirty="0" smtClean="0"/>
-              <a:t>тест является спецификацией метода класса, контрактом: какие входные параметры ожидает этот метод, и что остальные компоненты системы ждут от него на выходе</a:t>
-            </a:r>
-            <a:endParaRPr lang="ru-RU" dirty="0" smtClean="0"/>
+              <a:t/>
+            </a:r>
+            <a:br>
+              <a:rPr lang="ru-RU" dirty="0" smtClean="0"/>
+            </a:br>
+            <a:r>
+              <a:rPr lang="ru-RU" sz="1200" b="1" i="0" kern="1200" dirty="0" smtClean="0">
+                <a:solidFill>
+                  <a:schemeClr val="tx1"/>
+                </a:solidFill>
+                <a:effectLst/>
+                <a:latin typeface="+mn-lt"/>
+                <a:ea typeface="+mn-ea"/>
+                <a:cs typeface="+mn-cs"/>
+              </a:rPr>
+              <a:t>Без покрытия тестами. </a:t>
+            </a:r>
+            <a:r>
+              <a:rPr lang="ru-RU" sz="1200" b="0" i="0" kern="1200" dirty="0" smtClean="0">
+                <a:solidFill>
+                  <a:schemeClr val="tx1"/>
+                </a:solidFill>
+                <a:effectLst/>
+                <a:latin typeface="+mn-lt"/>
+                <a:ea typeface="+mn-ea"/>
+                <a:cs typeface="+mn-cs"/>
+              </a:rPr>
+              <a:t>Обычно такие системы сопровождаются спагетти-кодом и уволившимися ведущими разработчиками. Никто в компании не знает, как именно все это работает. Да и что оно в конечном итоге должно делать, сотрудники представляют весьма отдаленно.</a:t>
+            </a:r>
+          </a:p>
+          <a:p>
+            <a:pPr fontAlgn="base"/>
+            <a:r>
+              <a:rPr lang="ru-RU" sz="1200" b="1" i="0" kern="1200" dirty="0" smtClean="0">
+                <a:solidFill>
+                  <a:schemeClr val="tx1"/>
+                </a:solidFill>
+                <a:effectLst/>
+                <a:latin typeface="+mn-lt"/>
+                <a:ea typeface="+mn-ea"/>
+                <a:cs typeface="+mn-cs"/>
+              </a:rPr>
+              <a:t>С тестами, которые никто не запускает и не поддерживает. </a:t>
+            </a:r>
+            <a:r>
+              <a:rPr lang="ru-RU" sz="1200" b="0" i="0" kern="1200" dirty="0" smtClean="0">
+                <a:solidFill>
+                  <a:schemeClr val="tx1"/>
+                </a:solidFill>
+                <a:effectLst/>
+                <a:latin typeface="+mn-lt"/>
+                <a:ea typeface="+mn-ea"/>
+                <a:cs typeface="+mn-cs"/>
+              </a:rPr>
+              <a:t>Тесты в системе есть, но что они тестируют, и какой от них ожидается результат, неизвестно. Ситуация уже лучше. Присутствует какая-никакая архитектура, есть понимание, что такое слабая связанность. Можно отыскать некоторые документы. Скорее всего, в компании еще работает главный разработчик системы, который держит в голове особенности и хитросплетения кода.</a:t>
+            </a:r>
+          </a:p>
+          <a:p>
+            <a:pPr fontAlgn="base"/>
+            <a:r>
+              <a:rPr lang="ru-RU" sz="1200" b="1" i="0" kern="1200" dirty="0" smtClean="0">
+                <a:solidFill>
+                  <a:schemeClr val="tx1"/>
+                </a:solidFill>
+                <a:effectLst/>
+                <a:latin typeface="+mn-lt"/>
+                <a:ea typeface="+mn-ea"/>
+                <a:cs typeface="+mn-cs"/>
+              </a:rPr>
+              <a:t>С серьезным покрытием. Все тесты проходят.</a:t>
+            </a:r>
+            <a:r>
+              <a:rPr lang="ru-RU" sz="1200" b="0" i="0" kern="1200" dirty="0" smtClean="0">
+                <a:solidFill>
+                  <a:schemeClr val="tx1"/>
+                </a:solidFill>
+                <a:effectLst/>
+                <a:latin typeface="+mn-lt"/>
+                <a:ea typeface="+mn-ea"/>
+                <a:cs typeface="+mn-cs"/>
+              </a:rPr>
+              <a:t> Если тесты в проекте действительно запускаются, то их много. Гораздо больше, чем в системах из предыдущей группы. И теперь каждый из них – атомарный: один тест проверяет только одну вещь. Тест является спецификацией метода класса, контрактом: какие входные параметры ожидает этот метод, и что остальные компоненты системы ждут от него на выходе. Таких систем гораздо меньше. В них присутствует актуальная спецификация. Текста немного: обычно пара страниц, с описанием основных </a:t>
+            </a:r>
+            <a:r>
+              <a:rPr lang="ru-RU" sz="1200" b="0" i="0" kern="1200" dirty="0" err="1" smtClean="0">
+                <a:solidFill>
+                  <a:schemeClr val="tx1"/>
+                </a:solidFill>
+                <a:effectLst/>
+                <a:latin typeface="+mn-lt"/>
+                <a:ea typeface="+mn-ea"/>
+                <a:cs typeface="+mn-cs"/>
+              </a:rPr>
+              <a:t>фич</a:t>
+            </a:r>
+            <a:r>
+              <a:rPr lang="ru-RU" sz="1200" b="0" i="0" kern="1200" dirty="0" smtClean="0">
+                <a:solidFill>
+                  <a:schemeClr val="tx1"/>
+                </a:solidFill>
+                <a:effectLst/>
+                <a:latin typeface="+mn-lt"/>
+                <a:ea typeface="+mn-ea"/>
+                <a:cs typeface="+mn-cs"/>
+              </a:rPr>
+              <a:t>, схем серверов и </a:t>
+            </a:r>
+            <a:r>
+              <a:rPr lang="ru-RU" sz="1200" b="0" i="1" kern="1200" dirty="0" err="1" smtClean="0">
+                <a:solidFill>
+                  <a:schemeClr val="tx1"/>
+                </a:solidFill>
+                <a:effectLst/>
+                <a:latin typeface="+mn-lt"/>
+                <a:ea typeface="+mn-ea"/>
+                <a:cs typeface="+mn-cs"/>
+              </a:rPr>
+              <a:t>getting</a:t>
+            </a:r>
+            <a:r>
+              <a:rPr lang="ru-RU" sz="1200" b="0" i="1" kern="1200" dirty="0" smtClean="0">
+                <a:solidFill>
+                  <a:schemeClr val="tx1"/>
+                </a:solidFill>
+                <a:effectLst/>
+                <a:latin typeface="+mn-lt"/>
+                <a:ea typeface="+mn-ea"/>
+                <a:cs typeface="+mn-cs"/>
+              </a:rPr>
+              <a:t> </a:t>
+            </a:r>
+            <a:r>
+              <a:rPr lang="ru-RU" sz="1200" b="0" i="1" kern="1200" dirty="0" err="1" smtClean="0">
+                <a:solidFill>
+                  <a:schemeClr val="tx1"/>
+                </a:solidFill>
+                <a:effectLst/>
+                <a:latin typeface="+mn-lt"/>
+                <a:ea typeface="+mn-ea"/>
+                <a:cs typeface="+mn-cs"/>
+              </a:rPr>
+              <a:t>started</a:t>
+            </a:r>
+            <a:r>
+              <a:rPr lang="ru-RU" sz="1200" b="0" i="1" kern="1200" dirty="0" smtClean="0">
+                <a:solidFill>
+                  <a:schemeClr val="tx1"/>
+                </a:solidFill>
+                <a:effectLst/>
+                <a:latin typeface="+mn-lt"/>
+                <a:ea typeface="+mn-ea"/>
+                <a:cs typeface="+mn-cs"/>
+              </a:rPr>
+              <a:t> </a:t>
+            </a:r>
+            <a:r>
+              <a:rPr lang="ru-RU" sz="1200" b="0" i="1" kern="1200" dirty="0" err="1" smtClean="0">
+                <a:solidFill>
+                  <a:schemeClr val="tx1"/>
+                </a:solidFill>
+                <a:effectLst/>
+                <a:latin typeface="+mn-lt"/>
+                <a:ea typeface="+mn-ea"/>
+                <a:cs typeface="+mn-cs"/>
+              </a:rPr>
+              <a:t>guide’ом</a:t>
+            </a:r>
+            <a:r>
+              <a:rPr lang="ru-RU" sz="1200" b="0" i="0" kern="1200" dirty="0" smtClean="0">
+                <a:solidFill>
+                  <a:schemeClr val="tx1"/>
+                </a:solidFill>
+                <a:effectLst/>
+                <a:latin typeface="+mn-lt"/>
+                <a:ea typeface="+mn-ea"/>
+                <a:cs typeface="+mn-cs"/>
+              </a:rPr>
+              <a:t>. В этом случае проект не зависит от людей. Разработчики могут приходить и уходить. Система надежно протестирована и сама рассказывает о себе путем тестов.</a:t>
+            </a:r>
           </a:p>
           <a:p>
             <a:endParaRPr lang="en-US" dirty="0"/>
@@ -14383,7 +14482,7 @@
           <a:p>
             <a:fld id="{07D34B46-4A0F-491A-A398-B220DCB32F65}" type="slidenum">
               <a:rPr lang="en-US" smtClean="0"/>
-              <a:t>11</a:t>
+              <a:t>10</a:t>
             </a:fld>
             <a:endParaRPr lang="en-US"/>
           </a:p>
@@ -14392,7 +14491,7 @@
     </p:spTree>
     <p:extLst>
       <p:ext uri="{BB962C8B-B14F-4D97-AF65-F5344CB8AC3E}">
-        <p14:creationId xmlns:p14="http://schemas.microsoft.com/office/powerpoint/2010/main" val="1433102829"/>
+        <p14:creationId xmlns:p14="http://schemas.microsoft.com/office/powerpoint/2010/main" val="219544266"/>
       </p:ext>
     </p:extLst>
   </p:cSld>
@@ -14446,24 +14545,34 @@
           <a:bodyPr/>
           <a:lstStyle/>
           <a:p>
-            <a:r>
-              <a:rPr lang="ru-RU" sz="1200" kern="1200" dirty="0" smtClean="0">
-                <a:solidFill>
-                  <a:schemeClr val="tx1"/>
-                </a:solidFill>
-                <a:effectLst/>
-                <a:latin typeface="+mn-lt"/>
-                <a:ea typeface="+mn-ea"/>
-                <a:cs typeface="+mn-cs"/>
-              </a:rPr>
-              <a:t>При организации модульных тестов обычно придерживаются определенного соответствия имен между тестируемым и тестирующим кодами</a:t>
-            </a:r>
-            <a:r>
-              <a:rPr lang="ru-RU" dirty="0" smtClean="0">
-                <a:effectLst/>
-              </a:rPr>
-              <a:t> </a:t>
-            </a:r>
+            <a:pPr marL="0" marR="0" lvl="0" indent="0" algn="l" defTabSz="914400" rtl="0" eaLnBrk="1" fontAlgn="auto" latinLnBrk="0" hangingPunct="1">
+              <a:lnSpc>
+                <a:spcPct val="100000"/>
+              </a:lnSpc>
+              <a:spcBef>
+                <a:spcPts val="0"/>
+              </a:spcBef>
+              <a:spcAft>
+                <a:spcPts val="0"/>
+              </a:spcAft>
+              <a:buClrTx/>
+              <a:buSzTx/>
+              <a:buFontTx/>
+              <a:buNone/>
+              <a:tabLst/>
+              <a:defRPr/>
+            </a:pPr>
+            <a:r>
+              <a:rPr lang="ru-RU" dirty="0" smtClean="0"/>
+              <a:t>- </a:t>
+            </a:r>
+            <a:r>
+              <a:rPr lang="ru-RU" b="0" dirty="0" smtClean="0"/>
+              <a:t>тест является спецификацией метода класса, контрактом: какие входные параметры ожидает этот метод, и что остальные компоненты системы ждут от него на выходе</a:t>
+            </a:r>
+            <a:endParaRPr lang="ru-RU" dirty="0" smtClean="0"/>
+          </a:p>
+          <a:p>
             <a:endParaRPr lang="en-US" dirty="0"/>
           </a:p>
         </p:txBody>
@@ -14485,7 +14594,7 @@
           <a:p>
             <a:fld id="{07D34B46-4A0F-491A-A398-B220DCB32F65}" type="slidenum">
               <a:rPr lang="en-US" smtClean="0"/>
-              <a:t>14</a:t>
+              <a:t>11</a:t>
             </a:fld>
             <a:endParaRPr lang="en-US"/>
           </a:p>
@@ -14494,7 +14603,7 @@
     </p:spTree>
     <p:extLst>
       <p:ext uri="{BB962C8B-B14F-4D97-AF65-F5344CB8AC3E}">
-        <p14:creationId xmlns:p14="http://schemas.microsoft.com/office/powerpoint/2010/main" val="1111800030"/>
+        <p14:creationId xmlns:p14="http://schemas.microsoft.com/office/powerpoint/2010/main" val="1433102829"/>
       </p:ext>
     </p:extLst>
   </p:cSld>
@@ -21618,11 +21727,11 @@
   <p:clrMapOvr>
     <a:masterClrMapping/>
   </p:clrMapOvr>
-  <mc:AlternateContent xmlns:mc="http://schemas.openxmlformats.org/markup-compatibility/2006" xmlns:p14="http://schemas.microsoft.com/office/powerpoint/2010/main">
-    <mc:Choice Requires="p14">
+  <mc:AlternateContent xmlns:mc="http://schemas.openxmlformats.org/markup-compatibility/2006">
+    <mc:Choice xmlns:p14="http://schemas.microsoft.com/office/powerpoint/2010/main" Requires="p14">
       <p:transition spd="slow" p14:dur="2000"/>
     </mc:Choice>
-    <mc:Fallback xmlns="">
+    <mc:Fallback>
       <p:transition spd="slow"/>
     </mc:Fallback>
   </mc:AlternateContent>
@@ -22825,7 +22934,7 @@
 </file>
 
 <file path=ppt/slides/slide23.xml><?xml version="1.0" encoding="utf-8"?>
-<p:sld xmlns:a="http://schemas.openxmlformats.org/drawingml/2006/main" xmlns:r="http://schemas.openxmlformats.org/officeDocument/2006/relationships" xmlns:p="http://schemas.openxmlformats.org/presentationml/2006/main" show="0">
+<p:sld xmlns:a="http://schemas.openxmlformats.org/drawingml/2006/main" xmlns:r="http://schemas.openxmlformats.org/officeDocument/2006/relationships" xmlns:p="http://schemas.openxmlformats.org/presentationml/2006/main">
   <p:cSld>
     <p:spTree>
       <p:nvGrpSpPr>
@@ -26895,7 +27004,7 @@
 </file>
 
 <file path=ppt/slides/slide29.xml><?xml version="1.0" encoding="utf-8"?>
-<p:sld xmlns:a="http://schemas.openxmlformats.org/drawingml/2006/main" xmlns:r="http://schemas.openxmlformats.org/officeDocument/2006/relationships" xmlns:p="http://schemas.openxmlformats.org/presentationml/2006/main" show="0">
+<p:sld xmlns:a="http://schemas.openxmlformats.org/drawingml/2006/main" xmlns:r="http://schemas.openxmlformats.org/officeDocument/2006/relationships" xmlns:p="http://schemas.openxmlformats.org/presentationml/2006/main">
   <p:cSld>
     <p:spTree>
       <p:nvGrpSpPr>
@@ -32153,6 +32262,294 @@
           </a:p>
         </p:txBody>
       </p:sp>
+      <p:sp>
+        <p:nvSpPr>
+          <p:cNvPr id="5" name="Content Placeholder 4"/>
+          <p:cNvSpPr>
+            <a:spLocks noGrp="1"/>
+          </p:cNvSpPr>
+          <p:nvPr>
+            <p:ph idx="1"/>
+          </p:nvPr>
+        </p:nvSpPr>
+        <p:spPr/>
+        <p:txBody>
+          <a:bodyPr/>
+          <a:lstStyle/>
+          <a:p>
+            <a:pPr marL="0" indent="0">
+              <a:buNone/>
+            </a:pPr>
+            <a:r>
+              <a:rPr lang="ru-RU" sz="1500" dirty="0"/>
+              <a:t>Ученик спросил великого мастера программирования Летящего Пера:</a:t>
+            </a:r>
+          </a:p>
+          <a:p>
+            <a:pPr marL="0" indent="0">
+              <a:buNone/>
+            </a:pPr>
+            <a:r>
+              <a:rPr lang="ru-RU" sz="1500" i="1" dirty="0"/>
+              <a:t>"Что превращает тест в юнит-тест?"</a:t>
+            </a:r>
+            <a:endParaRPr lang="ru-RU" sz="1500" dirty="0"/>
+          </a:p>
+          <a:p>
+            <a:pPr marL="0" indent="0">
+              <a:buNone/>
+            </a:pPr>
+            <a:r>
+              <a:rPr lang="ru-RU" sz="1500" dirty="0"/>
+              <a:t>Великий мастер программирования ответил:</a:t>
+            </a:r>
+          </a:p>
+          <a:p>
+            <a:pPr marL="0" indent="0">
+              <a:buNone/>
+            </a:pPr>
+            <a:r>
+              <a:rPr lang="ru-RU" sz="1500" i="1" dirty="0"/>
+              <a:t>"Если он обращается к базе, значит, он не юнит-тест.</a:t>
+            </a:r>
+            <a:br>
+              <a:rPr lang="ru-RU" sz="1500" i="1" dirty="0"/>
+            </a:br>
+            <a:r>
+              <a:rPr lang="ru-RU" sz="1500" i="1" dirty="0"/>
+              <a:t>Если он обращается к сети, значит, он не юнит-тест.</a:t>
+            </a:r>
+            <a:br>
+              <a:rPr lang="ru-RU" sz="1500" i="1" dirty="0"/>
+            </a:br>
+            <a:r>
+              <a:rPr lang="ru-RU" sz="1500" i="1" dirty="0"/>
+              <a:t>Если он обращается к файловой системе, значит, он не юнит-тест.</a:t>
+            </a:r>
+            <a:br>
+              <a:rPr lang="ru-RU" sz="1500" i="1" dirty="0"/>
+            </a:br>
+            <a:r>
+              <a:rPr lang="ru-RU" sz="1500" i="1" dirty="0"/>
+              <a:t>Если он не может выполняться одновременно с другими тестами, значит, он не юнит тест.</a:t>
+            </a:r>
+            <a:br>
+              <a:rPr lang="ru-RU" sz="1500" i="1" dirty="0"/>
+            </a:br>
+            <a:r>
+              <a:rPr lang="ru-RU" sz="1500" i="1" dirty="0"/>
+              <a:t>Если ты должен делать что-то с окружением, чтобы выполнить тест, значит, он не юнит тест".</a:t>
+            </a:r>
+            <a:endParaRPr lang="ru-RU" sz="1500" dirty="0"/>
+          </a:p>
+          <a:p>
+            <a:pPr marL="0" indent="0">
+              <a:buNone/>
+            </a:pPr>
+            <a:r>
+              <a:rPr lang="ru-RU" sz="1500" dirty="0"/>
+              <a:t>Другой мастер-программист присоединился и начал возражать.</a:t>
+            </a:r>
+            <a:br>
+              <a:rPr lang="ru-RU" sz="1500" dirty="0"/>
+            </a:br>
+            <a:r>
+              <a:rPr lang="ru-RU" sz="1500" dirty="0"/>
+              <a:t>"</a:t>
+            </a:r>
+            <a:r>
+              <a:rPr lang="ru-RU" sz="1500" i="1" dirty="0"/>
+              <a:t>Извините, что я спросил</a:t>
+            </a:r>
+            <a:r>
+              <a:rPr lang="ru-RU" sz="1500" dirty="0"/>
+              <a:t>", — сказал ученик. </a:t>
+            </a:r>
+            <a:br>
+              <a:rPr lang="ru-RU" sz="1500" dirty="0"/>
+            </a:br>
+            <a:r>
+              <a:rPr lang="ru-RU" sz="1500" dirty="0"/>
+              <a:t>Позже ночью он получил записку от величайшего мастера-программиста. Записка гласила:</a:t>
+            </a:r>
+          </a:p>
+          <a:p>
+            <a:pPr marL="0" indent="0">
+              <a:buNone/>
+            </a:pPr>
+            <a:r>
+              <a:rPr lang="ru-RU" sz="1500" i="1" dirty="0"/>
+              <a:t>"Ответ великого мастера Летящего Пера прекрасный ориентир.</a:t>
+            </a:r>
+            <a:br>
+              <a:rPr lang="ru-RU" sz="1500" i="1" dirty="0"/>
+            </a:br>
+            <a:r>
+              <a:rPr lang="ru-RU" sz="1500" i="1" dirty="0"/>
+              <a:t>Следуй ему, и в большинстве случаев не пожалеешь.</a:t>
+            </a:r>
+            <a:br>
+              <a:rPr lang="ru-RU" sz="1500" i="1" dirty="0"/>
+            </a:br>
+            <a:r>
+              <a:rPr lang="ru-RU" sz="1500" i="1" dirty="0"/>
+              <a:t>Но не стоит застревать на догме.</a:t>
+            </a:r>
+            <a:br>
+              <a:rPr lang="ru-RU" sz="1500" i="1" dirty="0"/>
+            </a:br>
+            <a:r>
+              <a:rPr lang="ru-RU" sz="1500" i="1" dirty="0"/>
+              <a:t>Пиши тест, который должен быть написан".</a:t>
+            </a:r>
+            <a:endParaRPr lang="ru-RU" sz="1500" dirty="0"/>
+          </a:p>
+          <a:p>
+            <a:pPr marL="0" indent="0">
+              <a:buNone/>
+            </a:pPr>
+            <a:r>
+              <a:rPr lang="ru-RU" sz="1500" dirty="0"/>
+              <a:t>Ученик спал хорошо.</a:t>
+            </a:r>
+            <a:br>
+              <a:rPr lang="ru-RU" sz="1500" dirty="0"/>
+            </a:br>
+            <a:r>
+              <a:rPr lang="ru-RU" sz="1500" dirty="0"/>
+              <a:t>Мастера все еще продолжали спорить глубокой ночью</a:t>
+            </a:r>
+            <a:r>
+              <a:rPr lang="ru-RU" sz="1500" dirty="0" smtClean="0"/>
+              <a:t>.</a:t>
+            </a:r>
+            <a:endParaRPr lang="ru-RU" sz="1500" dirty="0"/>
+          </a:p>
+        </p:txBody>
+      </p:sp>
+    </p:spTree>
+    <p:extLst>
+      <p:ext uri="{BB962C8B-B14F-4D97-AF65-F5344CB8AC3E}">
+        <p14:creationId xmlns:p14="http://schemas.microsoft.com/office/powerpoint/2010/main" val="476564285"/>
+      </p:ext>
+    </p:extLst>
+  </p:cSld>
+  <p:clrMapOvr>
+    <a:masterClrMapping/>
+  </p:clrMapOvr>
+  <mc:AlternateContent xmlns:mc="http://schemas.openxmlformats.org/markup-compatibility/2006">
+    <mc:Choice xmlns:p14="http://schemas.microsoft.com/office/powerpoint/2010/main" Requires="p14">
+      <p:transition spd="slow" p14:dur="2000"/>
+    </mc:Choice>
+    <mc:Fallback>
+      <p:transition spd="slow"/>
+    </mc:Fallback>
+  </mc:AlternateContent>
+  <p:timing>
+    <p:tnLst>
+      <p:par>
+        <p:cTn id="1" dur="indefinite" restart="never" nodeType="tmRoot"/>
+      </p:par>
+    </p:tnLst>
+  </p:timing>
+</p:sld>
+</file>
+
+<file path=ppt/slides/slide7.xml><?xml version="1.0" encoding="utf-8"?>
+<p:sld xmlns:a="http://schemas.openxmlformats.org/drawingml/2006/main" xmlns:r="http://schemas.openxmlformats.org/officeDocument/2006/relationships" xmlns:p="http://schemas.openxmlformats.org/presentationml/2006/main">
+  <p:cSld>
+    <p:spTree>
+      <p:nvGrpSpPr>
+        <p:cNvPr id="1" name=""/>
+        <p:cNvGrpSpPr/>
+        <p:nvPr/>
+      </p:nvGrpSpPr>
+      <p:grpSpPr>
+        <a:xfrm>
+          <a:off x="0" y="0"/>
+          <a:ext cx="0" cy="0"/>
+          <a:chOff x="0" y="0"/>
+          <a:chExt cx="0" cy="0"/>
+        </a:xfrm>
+      </p:grpSpPr>
+      <p:sp>
+        <p:nvSpPr>
+          <p:cNvPr id="2" name="Footer Placeholder 1"/>
+          <p:cNvSpPr>
+            <a:spLocks noGrp="1"/>
+          </p:cNvSpPr>
+          <p:nvPr>
+            <p:ph type="ftr" sz="quarter" idx="23"/>
+          </p:nvPr>
+        </p:nvSpPr>
+        <p:spPr/>
+        <p:txBody>
+          <a:bodyPr/>
+          <a:lstStyle/>
+          <a:p>
+            <a:r>
+              <a:rPr lang="en-US" smtClean="0"/>
+              <a:t>2015 © EPAM Systems, RD Dep.</a:t>
+            </a:r>
+            <a:endParaRPr lang="en-US" dirty="0"/>
+          </a:p>
+        </p:txBody>
+      </p:sp>
+      <p:sp>
+        <p:nvSpPr>
+          <p:cNvPr id="3" name="Slide Number Placeholder 2"/>
+          <p:cNvSpPr>
+            <a:spLocks noGrp="1"/>
+          </p:cNvSpPr>
+          <p:nvPr>
+            <p:ph type="sldNum" sz="quarter" idx="24"/>
+          </p:nvPr>
+        </p:nvSpPr>
+        <p:spPr/>
+        <p:txBody>
+          <a:bodyPr/>
+          <a:lstStyle/>
+          <a:p>
+            <a:fld id="{36013D82-3B92-4BC6-A819-A7803D760D40}" type="slidenum">
+              <a:rPr lang="en-US" smtClean="0"/>
+              <a:pPr/>
+              <a:t>7</a:t>
+            </a:fld>
+            <a:endParaRPr lang="en-US"/>
+          </a:p>
+        </p:txBody>
+      </p:sp>
+      <p:sp>
+        <p:nvSpPr>
+          <p:cNvPr id="4" name="Title 3"/>
+          <p:cNvSpPr>
+            <a:spLocks noGrp="1"/>
+          </p:cNvSpPr>
+          <p:nvPr>
+            <p:ph type="title"/>
+          </p:nvPr>
+        </p:nvSpPr>
+        <p:spPr/>
+        <p:txBody>
+          <a:bodyPr/>
+          <a:lstStyle/>
+          <a:p>
+            <a:r>
+              <a:rPr lang="ru-RU" dirty="0"/>
+              <a:t>Что такое </a:t>
+            </a:r>
+            <a:r>
+              <a:rPr lang="en-US" dirty="0"/>
+              <a:t>unit-</a:t>
+            </a:r>
+            <a:r>
+              <a:rPr lang="ru-RU" dirty="0"/>
+              <a:t>тестирование</a:t>
+            </a:r>
+            <a:endParaRPr lang="en-US" dirty="0"/>
+          </a:p>
+        </p:txBody>
+      </p:sp>
       <p:graphicFrame>
         <p:nvGraphicFramePr>
           <p:cNvPr id="6" name="Content Placeholder 5"/>
@@ -32198,294 +32595,6 @@
 </p:sld>
 </file>
 
-<file path=ppt/slides/slide7.xml><?xml version="1.0" encoding="utf-8"?>
-<p:sld xmlns:a="http://schemas.openxmlformats.org/drawingml/2006/main" xmlns:r="http://schemas.openxmlformats.org/officeDocument/2006/relationships" xmlns:p="http://schemas.openxmlformats.org/presentationml/2006/main">
-  <p:cSld>
-    <p:spTree>
-      <p:nvGrpSpPr>
-        <p:cNvPr id="1" name=""/>
-        <p:cNvGrpSpPr/>
-        <p:nvPr/>
-      </p:nvGrpSpPr>
-      <p:grpSpPr>
-        <a:xfrm>
-          <a:off x="0" y="0"/>
-          <a:ext cx="0" cy="0"/>
-          <a:chOff x="0" y="0"/>
-          <a:chExt cx="0" cy="0"/>
-        </a:xfrm>
-      </p:grpSpPr>
-      <p:sp>
-        <p:nvSpPr>
-          <p:cNvPr id="2" name="Footer Placeholder 1"/>
-          <p:cNvSpPr>
-            <a:spLocks noGrp="1"/>
-          </p:cNvSpPr>
-          <p:nvPr>
-            <p:ph type="ftr" sz="quarter" idx="23"/>
-          </p:nvPr>
-        </p:nvSpPr>
-        <p:spPr/>
-        <p:txBody>
-          <a:bodyPr/>
-          <a:lstStyle/>
-          <a:p>
-            <a:r>
-              <a:rPr lang="en-US" smtClean="0"/>
-              <a:t>2015 © EPAM Systems, RD Dep.</a:t>
-            </a:r>
-            <a:endParaRPr lang="en-US" dirty="0"/>
-          </a:p>
-        </p:txBody>
-      </p:sp>
-      <p:sp>
-        <p:nvSpPr>
-          <p:cNvPr id="3" name="Slide Number Placeholder 2"/>
-          <p:cNvSpPr>
-            <a:spLocks noGrp="1"/>
-          </p:cNvSpPr>
-          <p:nvPr>
-            <p:ph type="sldNum" sz="quarter" idx="24"/>
-          </p:nvPr>
-        </p:nvSpPr>
-        <p:spPr/>
-        <p:txBody>
-          <a:bodyPr/>
-          <a:lstStyle/>
-          <a:p>
-            <a:fld id="{36013D82-3B92-4BC6-A819-A7803D760D40}" type="slidenum">
-              <a:rPr lang="en-US" smtClean="0"/>
-              <a:pPr/>
-              <a:t>7</a:t>
-            </a:fld>
-            <a:endParaRPr lang="en-US"/>
-          </a:p>
-        </p:txBody>
-      </p:sp>
-      <p:sp>
-        <p:nvSpPr>
-          <p:cNvPr id="4" name="Title 3"/>
-          <p:cNvSpPr>
-            <a:spLocks noGrp="1"/>
-          </p:cNvSpPr>
-          <p:nvPr>
-            <p:ph type="title"/>
-          </p:nvPr>
-        </p:nvSpPr>
-        <p:spPr/>
-        <p:txBody>
-          <a:bodyPr/>
-          <a:lstStyle/>
-          <a:p>
-            <a:r>
-              <a:rPr lang="ru-RU" dirty="0"/>
-              <a:t>Что такое </a:t>
-            </a:r>
-            <a:r>
-              <a:rPr lang="en-US" dirty="0"/>
-              <a:t>unit-</a:t>
-            </a:r>
-            <a:r>
-              <a:rPr lang="ru-RU" dirty="0"/>
-              <a:t>тестирование</a:t>
-            </a:r>
-            <a:endParaRPr lang="en-US" dirty="0"/>
-          </a:p>
-        </p:txBody>
-      </p:sp>
-      <p:sp>
-        <p:nvSpPr>
-          <p:cNvPr id="5" name="Content Placeholder 4"/>
-          <p:cNvSpPr>
-            <a:spLocks noGrp="1"/>
-          </p:cNvSpPr>
-          <p:nvPr>
-            <p:ph idx="1"/>
-          </p:nvPr>
-        </p:nvSpPr>
-        <p:spPr/>
-        <p:txBody>
-          <a:bodyPr/>
-          <a:lstStyle/>
-          <a:p>
-            <a:pPr marL="0" indent="0">
-              <a:buNone/>
-            </a:pPr>
-            <a:r>
-              <a:rPr lang="ru-RU" sz="1500" dirty="0"/>
-              <a:t>Ученик спросил великого мастера программирования Летящего Пера:</a:t>
-            </a:r>
-          </a:p>
-          <a:p>
-            <a:pPr marL="0" indent="0">
-              <a:buNone/>
-            </a:pPr>
-            <a:r>
-              <a:rPr lang="ru-RU" sz="1500" i="1" dirty="0"/>
-              <a:t>"Что превращает тест в юнит-тест?"</a:t>
-            </a:r>
-            <a:endParaRPr lang="ru-RU" sz="1500" dirty="0"/>
-          </a:p>
-          <a:p>
-            <a:pPr marL="0" indent="0">
-              <a:buNone/>
-            </a:pPr>
-            <a:r>
-              <a:rPr lang="ru-RU" sz="1500" dirty="0"/>
-              <a:t>Великий мастер программирования ответил:</a:t>
-            </a:r>
-          </a:p>
-          <a:p>
-            <a:pPr marL="0" indent="0">
-              <a:buNone/>
-            </a:pPr>
-            <a:r>
-              <a:rPr lang="ru-RU" sz="1500" i="1" dirty="0"/>
-              <a:t>"Если он обращается к базе, значит, он не юнит-тест.</a:t>
-            </a:r>
-            <a:br>
-              <a:rPr lang="ru-RU" sz="1500" i="1" dirty="0"/>
-            </a:br>
-            <a:r>
-              <a:rPr lang="ru-RU" sz="1500" i="1" dirty="0"/>
-              <a:t>Если он обращается к сети, значит, он не юнит-тест.</a:t>
-            </a:r>
-            <a:br>
-              <a:rPr lang="ru-RU" sz="1500" i="1" dirty="0"/>
-            </a:br>
-            <a:r>
-              <a:rPr lang="ru-RU" sz="1500" i="1" dirty="0"/>
-              <a:t>Если он обращается к файловой системе, значит, он не юнит-тест.</a:t>
-            </a:r>
-            <a:br>
-              <a:rPr lang="ru-RU" sz="1500" i="1" dirty="0"/>
-            </a:br>
-            <a:r>
-              <a:rPr lang="ru-RU" sz="1500" i="1" dirty="0"/>
-              <a:t>Если он не может выполняться одновременно с другими тестами, значит, он не юнит тест.</a:t>
-            </a:r>
-            <a:br>
-              <a:rPr lang="ru-RU" sz="1500" i="1" dirty="0"/>
-            </a:br>
-            <a:r>
-              <a:rPr lang="ru-RU" sz="1500" i="1" dirty="0"/>
-              <a:t>Если ты должен делать что-то с окружением, чтобы выполнить тест, значит, он не юнит тест".</a:t>
-            </a:r>
-            <a:endParaRPr lang="ru-RU" sz="1500" dirty="0"/>
-          </a:p>
-          <a:p>
-            <a:pPr marL="0" indent="0">
-              <a:buNone/>
-            </a:pPr>
-            <a:r>
-              <a:rPr lang="ru-RU" sz="1500" dirty="0"/>
-              <a:t>Другой мастер-программист присоединился и начал возражать.</a:t>
-            </a:r>
-            <a:br>
-              <a:rPr lang="ru-RU" sz="1500" dirty="0"/>
-            </a:br>
-            <a:r>
-              <a:rPr lang="ru-RU" sz="1500" dirty="0"/>
-              <a:t>"</a:t>
-            </a:r>
-            <a:r>
-              <a:rPr lang="ru-RU" sz="1500" i="1" dirty="0"/>
-              <a:t>Извините, что я спросил</a:t>
-            </a:r>
-            <a:r>
-              <a:rPr lang="ru-RU" sz="1500" dirty="0"/>
-              <a:t>", — сказал ученик. </a:t>
-            </a:r>
-            <a:br>
-              <a:rPr lang="ru-RU" sz="1500" dirty="0"/>
-            </a:br>
-            <a:r>
-              <a:rPr lang="ru-RU" sz="1500" dirty="0"/>
-              <a:t>Позже ночью он получил записку от величайшего мастера-программиста. Записка гласила:</a:t>
-            </a:r>
-          </a:p>
-          <a:p>
-            <a:pPr marL="0" indent="0">
-              <a:buNone/>
-            </a:pPr>
-            <a:r>
-              <a:rPr lang="ru-RU" sz="1500" i="1" dirty="0"/>
-              <a:t>"Ответ великого мастера Летящего Пера прекрасный ориентир.</a:t>
-            </a:r>
-            <a:br>
-              <a:rPr lang="ru-RU" sz="1500" i="1" dirty="0"/>
-            </a:br>
-            <a:r>
-              <a:rPr lang="ru-RU" sz="1500" i="1" dirty="0"/>
-              <a:t>Следуй ему, и в большинстве случаев не пожалеешь.</a:t>
-            </a:r>
-            <a:br>
-              <a:rPr lang="ru-RU" sz="1500" i="1" dirty="0"/>
-            </a:br>
-            <a:r>
-              <a:rPr lang="ru-RU" sz="1500" i="1" dirty="0"/>
-              <a:t>Но не стоит застревать на догме.</a:t>
-            </a:r>
-            <a:br>
-              <a:rPr lang="ru-RU" sz="1500" i="1" dirty="0"/>
-            </a:br>
-            <a:r>
-              <a:rPr lang="ru-RU" sz="1500" i="1" dirty="0"/>
-              <a:t>Пиши тест, который должен быть написан".</a:t>
-            </a:r>
-            <a:endParaRPr lang="ru-RU" sz="1500" dirty="0"/>
-          </a:p>
-          <a:p>
-            <a:pPr marL="0" indent="0">
-              <a:buNone/>
-            </a:pPr>
-            <a:r>
-              <a:rPr lang="ru-RU" sz="1500" dirty="0"/>
-              <a:t>Ученик спал хорошо.</a:t>
-            </a:r>
-            <a:br>
-              <a:rPr lang="ru-RU" sz="1500" dirty="0"/>
-            </a:br>
-            <a:r>
-              <a:rPr lang="ru-RU" sz="1500" dirty="0"/>
-              <a:t>Мастера все еще продолжали спорить глубокой ночью</a:t>
-            </a:r>
-            <a:r>
-              <a:rPr lang="ru-RU" sz="1500" dirty="0" smtClean="0"/>
-              <a:t>.</a:t>
-            </a:r>
-            <a:endParaRPr lang="ru-RU" sz="1500" dirty="0"/>
-          </a:p>
-        </p:txBody>
-      </p:sp>
-    </p:spTree>
-    <p:extLst>
-      <p:ext uri="{BB962C8B-B14F-4D97-AF65-F5344CB8AC3E}">
-        <p14:creationId xmlns:p14="http://schemas.microsoft.com/office/powerpoint/2010/main" val="476564285"/>
-      </p:ext>
-    </p:extLst>
-  </p:cSld>
-  <p:clrMapOvr>
-    <a:masterClrMapping/>
-  </p:clrMapOvr>
-  <mc:AlternateContent xmlns:mc="http://schemas.openxmlformats.org/markup-compatibility/2006" xmlns:p14="http://schemas.microsoft.com/office/powerpoint/2010/main">
-    <mc:Choice Requires="p14">
-      <p:transition spd="slow" p14:dur="2000"/>
-    </mc:Choice>
-    <mc:Fallback xmlns="">
-      <p:transition spd="slow"/>
-    </mc:Fallback>
-  </mc:AlternateContent>
-  <p:timing>
-    <p:tnLst>
-      <p:par>
-        <p:cTn id="1" dur="indefinite" restart="never" nodeType="tmRoot"/>
-      </p:par>
-    </p:tnLst>
-  </p:timing>
-</p:sld>
-</file>
-
 <file path=ppt/slides/slide8.xml><?xml version="1.0" encoding="utf-8"?>
 <p:sld xmlns:a="http://schemas.openxmlformats.org/drawingml/2006/main" xmlns:r="http://schemas.openxmlformats.org/officeDocument/2006/relationships" xmlns:p="http://schemas.openxmlformats.org/presentationml/2006/main">
   <p:cSld>
@@ -32707,7 +32816,7 @@
           <p:nvPr/>
         </p:nvPicPr>
         <p:blipFill>
-          <a:blip r:embed="rId2">
+          <a:blip r:embed="rId3">
             <a:extLst>
               <a:ext uri="{28A0092B-C50C-407E-A947-70E740481C1C}">
                 <a14:useLocalDpi xmlns:a14="http://schemas.microsoft.com/office/drawing/2010/main" val="0"/>
@@ -32737,7 +32846,7 @@
           <p:nvPr/>
         </p:nvPicPr>
         <p:blipFill>
-          <a:blip r:embed="rId2">
+          <a:blip r:embed="rId3">
             <a:extLst>
               <a:ext uri="{28A0092B-C50C-407E-A947-70E740481C1C}">
                 <a14:useLocalDpi xmlns:a14="http://schemas.microsoft.com/office/drawing/2010/main" val="0"/>
@@ -32767,7 +32876,7 @@
           <p:nvPr/>
         </p:nvPicPr>
         <p:blipFill>
-          <a:blip r:embed="rId2">
+          <a:blip r:embed="rId3">
             <a:extLst>
               <a:ext uri="{28A0092B-C50C-407E-A947-70E740481C1C}">
                 <a14:useLocalDpi xmlns:a14="http://schemas.microsoft.com/office/drawing/2010/main" val="0"/>
@@ -32797,7 +32906,7 @@
           <p:nvPr/>
         </p:nvPicPr>
         <p:blipFill>
-          <a:blip r:embed="rId3" cstate="print">
+          <a:blip r:embed="rId4" cstate="print">
             <a:extLst>
               <a:ext uri="{28A0092B-C50C-407E-A947-70E740481C1C}">
                 <a14:useLocalDpi xmlns:a14="http://schemas.microsoft.com/office/drawing/2010/main" val="0"/>
